--- a/Determination of g diagram.pptx
+++ b/Determination of g diagram.pptx
@@ -20,6 +20,7 @@
     <p:sldId id="266" r:id="rId14"/>
     <p:sldId id="267" r:id="rId15"/>
     <p:sldId id="270" r:id="rId16"/>
+    <p:sldId id="271" r:id="rId17"/>
   </p:sldIdLst>
   <p:sldSz cx="12192000" cy="6858000"/>
   <p:notesSz cx="6858000" cy="9144000"/>
@@ -275,7 +276,7 @@
           <a:p>
             <a:fld id="{40AE047B-88A8-4E73-BFC2-E0D791C9FE6D}" type="datetimeFigureOut">
               <a:rPr lang="en-GB" smtClean="0"/>
-              <a:t>20/04/2022</a:t>
+              <a:t>21/04/2022</a:t>
             </a:fld>
             <a:endParaRPr lang="en-GB"/>
           </a:p>
@@ -475,7 +476,7 @@
           <a:p>
             <a:fld id="{40AE047B-88A8-4E73-BFC2-E0D791C9FE6D}" type="datetimeFigureOut">
               <a:rPr lang="en-GB" smtClean="0"/>
-              <a:t>20/04/2022</a:t>
+              <a:t>21/04/2022</a:t>
             </a:fld>
             <a:endParaRPr lang="en-GB"/>
           </a:p>
@@ -685,7 +686,7 @@
           <a:p>
             <a:fld id="{40AE047B-88A8-4E73-BFC2-E0D791C9FE6D}" type="datetimeFigureOut">
               <a:rPr lang="en-GB" smtClean="0"/>
-              <a:t>20/04/2022</a:t>
+              <a:t>21/04/2022</a:t>
             </a:fld>
             <a:endParaRPr lang="en-GB"/>
           </a:p>
@@ -885,7 +886,7 @@
           <a:p>
             <a:fld id="{40AE047B-88A8-4E73-BFC2-E0D791C9FE6D}" type="datetimeFigureOut">
               <a:rPr lang="en-GB" smtClean="0"/>
-              <a:t>20/04/2022</a:t>
+              <a:t>21/04/2022</a:t>
             </a:fld>
             <a:endParaRPr lang="en-GB"/>
           </a:p>
@@ -1161,7 +1162,7 @@
           <a:p>
             <a:fld id="{40AE047B-88A8-4E73-BFC2-E0D791C9FE6D}" type="datetimeFigureOut">
               <a:rPr lang="en-GB" smtClean="0"/>
-              <a:t>20/04/2022</a:t>
+              <a:t>21/04/2022</a:t>
             </a:fld>
             <a:endParaRPr lang="en-GB"/>
           </a:p>
@@ -1429,7 +1430,7 @@
           <a:p>
             <a:fld id="{40AE047B-88A8-4E73-BFC2-E0D791C9FE6D}" type="datetimeFigureOut">
               <a:rPr lang="en-GB" smtClean="0"/>
-              <a:t>20/04/2022</a:t>
+              <a:t>21/04/2022</a:t>
             </a:fld>
             <a:endParaRPr lang="en-GB"/>
           </a:p>
@@ -1844,7 +1845,7 @@
           <a:p>
             <a:fld id="{40AE047B-88A8-4E73-BFC2-E0D791C9FE6D}" type="datetimeFigureOut">
               <a:rPr lang="en-GB" smtClean="0"/>
-              <a:t>20/04/2022</a:t>
+              <a:t>21/04/2022</a:t>
             </a:fld>
             <a:endParaRPr lang="en-GB"/>
           </a:p>
@@ -1986,7 +1987,7 @@
           <a:p>
             <a:fld id="{40AE047B-88A8-4E73-BFC2-E0D791C9FE6D}" type="datetimeFigureOut">
               <a:rPr lang="en-GB" smtClean="0"/>
-              <a:t>20/04/2022</a:t>
+              <a:t>21/04/2022</a:t>
             </a:fld>
             <a:endParaRPr lang="en-GB"/>
           </a:p>
@@ -2099,7 +2100,7 @@
           <a:p>
             <a:fld id="{40AE047B-88A8-4E73-BFC2-E0D791C9FE6D}" type="datetimeFigureOut">
               <a:rPr lang="en-GB" smtClean="0"/>
-              <a:t>20/04/2022</a:t>
+              <a:t>21/04/2022</a:t>
             </a:fld>
             <a:endParaRPr lang="en-GB"/>
           </a:p>
@@ -2412,7 +2413,7 @@
           <a:p>
             <a:fld id="{40AE047B-88A8-4E73-BFC2-E0D791C9FE6D}" type="datetimeFigureOut">
               <a:rPr lang="en-GB" smtClean="0"/>
-              <a:t>20/04/2022</a:t>
+              <a:t>21/04/2022</a:t>
             </a:fld>
             <a:endParaRPr lang="en-GB"/>
           </a:p>
@@ -2701,7 +2702,7 @@
           <a:p>
             <a:fld id="{40AE047B-88A8-4E73-BFC2-E0D791C9FE6D}" type="datetimeFigureOut">
               <a:rPr lang="en-GB" smtClean="0"/>
-              <a:t>20/04/2022</a:t>
+              <a:t>21/04/2022</a:t>
             </a:fld>
             <a:endParaRPr lang="en-GB"/>
           </a:p>
@@ -2944,7 +2945,7 @@
           <a:p>
             <a:fld id="{40AE047B-88A8-4E73-BFC2-E0D791C9FE6D}" type="datetimeFigureOut">
               <a:rPr lang="en-GB" smtClean="0"/>
-              <a:t>20/04/2022</a:t>
+              <a:t>21/04/2022</a:t>
             </a:fld>
             <a:endParaRPr lang="en-GB"/>
           </a:p>
@@ -7316,6 +7317,427 @@
     <p:extLst>
       <p:ext uri="{BB962C8B-B14F-4D97-AF65-F5344CB8AC3E}">
         <p14:creationId xmlns:p14="http://schemas.microsoft.com/office/powerpoint/2010/main" val="2798427751"/>
+      </p:ext>
+    </p:extLst>
+  </p:cSld>
+  <p:clrMapOvr>
+    <a:masterClrMapping/>
+  </p:clrMapOvr>
+</p:sld>
+</file>
+
+<file path=ppt/slides/slide16.xml><?xml version="1.0" encoding="utf-8"?>
+<p:sld xmlns:a="http://schemas.openxmlformats.org/drawingml/2006/main" xmlns:r="http://schemas.openxmlformats.org/officeDocument/2006/relationships" xmlns:p="http://schemas.openxmlformats.org/presentationml/2006/main">
+  <p:cSld>
+    <p:spTree>
+      <p:nvGrpSpPr>
+        <p:cNvPr id="1" name=""/>
+        <p:cNvGrpSpPr/>
+        <p:nvPr/>
+      </p:nvGrpSpPr>
+      <p:grpSpPr>
+        <a:xfrm>
+          <a:off x="0" y="0"/>
+          <a:ext cx="0" cy="0"/>
+          <a:chOff x="0" y="0"/>
+          <a:chExt cx="0" cy="0"/>
+        </a:xfrm>
+      </p:grpSpPr>
+      <p:sp>
+        <p:nvSpPr>
+          <p:cNvPr id="2" name="TextBox 1">
+            <a:extLst>
+              <a:ext uri="{FF2B5EF4-FFF2-40B4-BE49-F238E27FC236}">
+                <a16:creationId xmlns:a16="http://schemas.microsoft.com/office/drawing/2014/main" id="{B30427F8-CEF2-5FEE-59F8-98FA918B872A}"/>
+              </a:ext>
+            </a:extLst>
+          </p:cNvPr>
+          <p:cNvSpPr txBox="1"/>
+          <p:nvPr/>
+        </p:nvSpPr>
+        <p:spPr>
+          <a:xfrm>
+            <a:off x="7481632" y="860857"/>
+            <a:ext cx="2252674" cy="461665"/>
+          </a:xfrm>
+          <a:prstGeom prst="rect">
+            <a:avLst/>
+          </a:prstGeom>
+          <a:noFill/>
+        </p:spPr>
+        <p:txBody>
+          <a:bodyPr wrap="square" rtlCol="0">
+            <a:spAutoFit/>
+          </a:bodyPr>
+          <a:lstStyle/>
+          <a:p>
+            <a:r>
+              <a:rPr lang="en-US" sz="2400" dirty="0"/>
+              <a:t>v = u + at</a:t>
+            </a:r>
+          </a:p>
+        </p:txBody>
+      </p:sp>
+      <p:sp>
+        <p:nvSpPr>
+          <p:cNvPr id="3" name="TextBox 2">
+            <a:extLst>
+              <a:ext uri="{FF2B5EF4-FFF2-40B4-BE49-F238E27FC236}">
+                <a16:creationId xmlns:a16="http://schemas.microsoft.com/office/drawing/2014/main" id="{41D510D4-C31A-90DE-304B-A3E33FA4A952}"/>
+              </a:ext>
+            </a:extLst>
+          </p:cNvPr>
+          <p:cNvSpPr txBox="1"/>
+          <p:nvPr/>
+        </p:nvSpPr>
+        <p:spPr>
+          <a:xfrm>
+            <a:off x="7511151" y="1900269"/>
+            <a:ext cx="1963585" cy="461665"/>
+          </a:xfrm>
+          <a:prstGeom prst="rect">
+            <a:avLst/>
+          </a:prstGeom>
+          <a:noFill/>
+        </p:spPr>
+        <p:txBody>
+          <a:bodyPr wrap="square" rtlCol="0">
+            <a:spAutoFit/>
+          </a:bodyPr>
+          <a:lstStyle/>
+          <a:p>
+            <a:r>
+              <a:rPr lang="en-US" sz="2400" dirty="0"/>
+              <a:t>v</a:t>
+            </a:r>
+            <a:r>
+              <a:rPr lang="en-US" sz="2400" baseline="30000" dirty="0"/>
+              <a:t>2</a:t>
+            </a:r>
+            <a:r>
+              <a:rPr lang="en-US" sz="2400" dirty="0"/>
+              <a:t> = u</a:t>
+            </a:r>
+            <a:r>
+              <a:rPr lang="en-US" sz="2400" baseline="30000" dirty="0"/>
+              <a:t>2</a:t>
+            </a:r>
+            <a:r>
+              <a:rPr lang="en-US" sz="2400" dirty="0"/>
+              <a:t> + 2as</a:t>
+            </a:r>
+          </a:p>
+        </p:txBody>
+      </p:sp>
+      <p:sp>
+        <p:nvSpPr>
+          <p:cNvPr id="4" name="TextBox 3">
+            <a:extLst>
+              <a:ext uri="{FF2B5EF4-FFF2-40B4-BE49-F238E27FC236}">
+                <a16:creationId xmlns:a16="http://schemas.microsoft.com/office/drawing/2014/main" id="{96271871-633E-80E0-D07B-3F69BF227610}"/>
+              </a:ext>
+            </a:extLst>
+          </p:cNvPr>
+          <p:cNvSpPr txBox="1"/>
+          <p:nvPr/>
+        </p:nvSpPr>
+        <p:spPr>
+          <a:xfrm>
+            <a:off x="7481632" y="1381139"/>
+            <a:ext cx="2093656" cy="461665"/>
+          </a:xfrm>
+          <a:prstGeom prst="rect">
+            <a:avLst/>
+          </a:prstGeom>
+          <a:noFill/>
+        </p:spPr>
+        <p:txBody>
+          <a:bodyPr wrap="square" rtlCol="0">
+            <a:spAutoFit/>
+          </a:bodyPr>
+          <a:lstStyle/>
+          <a:p>
+            <a:r>
+              <a:rPr lang="en-US" sz="2400" dirty="0"/>
+              <a:t>s = ut + ½at</a:t>
+            </a:r>
+            <a:r>
+              <a:rPr lang="en-US" sz="2400" baseline="30000" dirty="0"/>
+              <a:t>2</a:t>
+            </a:r>
+          </a:p>
+        </p:txBody>
+      </p:sp>
+      <p:sp>
+        <p:nvSpPr>
+          <p:cNvPr id="5" name="TextBox 4">
+            <a:extLst>
+              <a:ext uri="{FF2B5EF4-FFF2-40B4-BE49-F238E27FC236}">
+                <a16:creationId xmlns:a16="http://schemas.microsoft.com/office/drawing/2014/main" id="{C4C97A9A-C0E5-5782-96C4-368C1301B006}"/>
+              </a:ext>
+            </a:extLst>
+          </p:cNvPr>
+          <p:cNvSpPr txBox="1"/>
+          <p:nvPr/>
+        </p:nvSpPr>
+        <p:spPr>
+          <a:xfrm>
+            <a:off x="7481632" y="2420551"/>
+            <a:ext cx="2282193" cy="461665"/>
+          </a:xfrm>
+          <a:prstGeom prst="rect">
+            <a:avLst/>
+          </a:prstGeom>
+          <a:noFill/>
+        </p:spPr>
+        <p:txBody>
+          <a:bodyPr wrap="square" rtlCol="0">
+            <a:spAutoFit/>
+          </a:bodyPr>
+          <a:lstStyle/>
+          <a:p>
+            <a:r>
+              <a:rPr lang="en-US" sz="2400" dirty="0"/>
+              <a:t>s = ½(u + v)t</a:t>
+            </a:r>
+          </a:p>
+        </p:txBody>
+      </p:sp>
+      <p:sp>
+        <p:nvSpPr>
+          <p:cNvPr id="6" name="TextBox 5">
+            <a:extLst>
+              <a:ext uri="{FF2B5EF4-FFF2-40B4-BE49-F238E27FC236}">
+                <a16:creationId xmlns:a16="http://schemas.microsoft.com/office/drawing/2014/main" id="{CAD9CDB9-148E-BD45-3786-660E71577C53}"/>
+              </a:ext>
+            </a:extLst>
+          </p:cNvPr>
+          <p:cNvSpPr txBox="1"/>
+          <p:nvPr/>
+        </p:nvSpPr>
+        <p:spPr>
+          <a:xfrm>
+            <a:off x="7481632" y="2939681"/>
+            <a:ext cx="2086983" cy="461665"/>
+          </a:xfrm>
+          <a:prstGeom prst="rect">
+            <a:avLst/>
+          </a:prstGeom>
+          <a:noFill/>
+        </p:spPr>
+        <p:txBody>
+          <a:bodyPr wrap="square" rtlCol="0">
+            <a:spAutoFit/>
+          </a:bodyPr>
+          <a:lstStyle/>
+          <a:p>
+            <a:r>
+              <a:rPr lang="en-US" sz="2400" dirty="0"/>
+              <a:t>s = vt – ½at</a:t>
+            </a:r>
+            <a:r>
+              <a:rPr lang="en-US" sz="2400" baseline="30000" dirty="0"/>
+              <a:t>2</a:t>
+            </a:r>
+            <a:r>
+              <a:rPr lang="en-US" sz="2400" dirty="0"/>
+              <a:t> </a:t>
+            </a:r>
+          </a:p>
+        </p:txBody>
+      </p:sp>
+      <p:sp>
+        <p:nvSpPr>
+          <p:cNvPr id="7" name="TextBox 6">
+            <a:extLst>
+              <a:ext uri="{FF2B5EF4-FFF2-40B4-BE49-F238E27FC236}">
+                <a16:creationId xmlns:a16="http://schemas.microsoft.com/office/drawing/2014/main" id="{A6C4D45F-A3B3-E597-D691-B53F2AA9C18F}"/>
+              </a:ext>
+            </a:extLst>
+          </p:cNvPr>
+          <p:cNvSpPr txBox="1"/>
+          <p:nvPr/>
+        </p:nvSpPr>
+        <p:spPr>
+          <a:xfrm>
+            <a:off x="827590" y="1190533"/>
+            <a:ext cx="2875174" cy="2031325"/>
+          </a:xfrm>
+          <a:prstGeom prst="rect">
+            <a:avLst/>
+          </a:prstGeom>
+          <a:noFill/>
+        </p:spPr>
+        <p:txBody>
+          <a:bodyPr wrap="square" rtlCol="0">
+            <a:spAutoFit/>
+          </a:bodyPr>
+          <a:lstStyle/>
+          <a:p>
+            <a:r>
+              <a:rPr lang="en-US" dirty="0"/>
+              <a:t>We have our values, but wait, we need to figure out how to plot our graph</a:t>
+            </a:r>
+          </a:p>
+          <a:p>
+            <a:endParaRPr lang="en-US" dirty="0"/>
+          </a:p>
+          <a:p>
+            <a:r>
+              <a:rPr lang="en-US" dirty="0"/>
+              <a:t>Here are the SUVAT equations of motion, which one could we use?</a:t>
+            </a:r>
+          </a:p>
+        </p:txBody>
+      </p:sp>
+      <p:sp>
+        <p:nvSpPr>
+          <p:cNvPr id="8" name="TextBox 7">
+            <a:extLst>
+              <a:ext uri="{FF2B5EF4-FFF2-40B4-BE49-F238E27FC236}">
+                <a16:creationId xmlns:a16="http://schemas.microsoft.com/office/drawing/2014/main" id="{40DB232C-4523-77F5-FC6B-10FD232B8838}"/>
+              </a:ext>
+            </a:extLst>
+          </p:cNvPr>
+          <p:cNvSpPr txBox="1"/>
+          <p:nvPr/>
+        </p:nvSpPr>
+        <p:spPr>
+          <a:xfrm>
+            <a:off x="820133" y="416614"/>
+            <a:ext cx="4025244" cy="584775"/>
+          </a:xfrm>
+          <a:prstGeom prst="rect">
+            <a:avLst/>
+          </a:prstGeom>
+          <a:noFill/>
+        </p:spPr>
+        <p:txBody>
+          <a:bodyPr wrap="square" rtlCol="0">
+            <a:spAutoFit/>
+          </a:bodyPr>
+          <a:lstStyle/>
+          <a:p>
+            <a:r>
+              <a:rPr lang="en-US" sz="3200" b="1" dirty="0"/>
+              <a:t>Equation Rearranging</a:t>
+            </a:r>
+          </a:p>
+        </p:txBody>
+      </p:sp>
+      <p:sp>
+        <p:nvSpPr>
+          <p:cNvPr id="10" name="TextBox 9">
+            <a:extLst>
+              <a:ext uri="{FF2B5EF4-FFF2-40B4-BE49-F238E27FC236}">
+                <a16:creationId xmlns:a16="http://schemas.microsoft.com/office/drawing/2014/main" id="{30A29CDC-A3EA-E57A-F8E5-6863EBA51366}"/>
+              </a:ext>
+            </a:extLst>
+          </p:cNvPr>
+          <p:cNvSpPr txBox="1"/>
+          <p:nvPr/>
+        </p:nvSpPr>
+        <p:spPr>
+          <a:xfrm>
+            <a:off x="7244169" y="416614"/>
+            <a:ext cx="2490137" cy="461665"/>
+          </a:xfrm>
+          <a:prstGeom prst="rect">
+            <a:avLst/>
+          </a:prstGeom>
+          <a:noFill/>
+        </p:spPr>
+        <p:txBody>
+          <a:bodyPr wrap="square" rtlCol="0">
+            <a:spAutoFit/>
+          </a:bodyPr>
+          <a:lstStyle/>
+          <a:p>
+            <a:r>
+              <a:rPr lang="en-US" sz="2400" dirty="0"/>
+              <a:t>SUVAT Equations</a:t>
+            </a:r>
+          </a:p>
+        </p:txBody>
+      </p:sp>
+      <p:sp>
+        <p:nvSpPr>
+          <p:cNvPr id="11" name="TextBox 10">
+            <a:extLst>
+              <a:ext uri="{FF2B5EF4-FFF2-40B4-BE49-F238E27FC236}">
+                <a16:creationId xmlns:a16="http://schemas.microsoft.com/office/drawing/2014/main" id="{C2226D78-FB71-F606-6D96-FAF33C0448D5}"/>
+              </a:ext>
+            </a:extLst>
+          </p:cNvPr>
+          <p:cNvSpPr txBox="1"/>
+          <p:nvPr/>
+        </p:nvSpPr>
+        <p:spPr>
+          <a:xfrm>
+            <a:off x="5398308" y="1900269"/>
+            <a:ext cx="2281287" cy="646331"/>
+          </a:xfrm>
+          <a:prstGeom prst="rect">
+            <a:avLst/>
+          </a:prstGeom>
+          <a:noFill/>
+        </p:spPr>
+        <p:txBody>
+          <a:bodyPr wrap="square" rtlCol="0">
+            <a:spAutoFit/>
+          </a:bodyPr>
+          <a:lstStyle/>
+          <a:p>
+            <a:r>
+              <a:rPr lang="en-US" sz="1200" dirty="0">
+                <a:solidFill>
+                  <a:srgbClr val="00B050"/>
+                </a:solidFill>
+              </a:rPr>
+              <a:t>Correct, this equation uses the components that we have and need</a:t>
+            </a:r>
+          </a:p>
+        </p:txBody>
+      </p:sp>
+      <p:sp>
+        <p:nvSpPr>
+          <p:cNvPr id="12" name="TextBox 11">
+            <a:extLst>
+              <a:ext uri="{FF2B5EF4-FFF2-40B4-BE49-F238E27FC236}">
+                <a16:creationId xmlns:a16="http://schemas.microsoft.com/office/drawing/2014/main" id="{207C2802-CDEA-4F9B-0CCD-3018CC0DE603}"/>
+              </a:ext>
+            </a:extLst>
+          </p:cNvPr>
+          <p:cNvSpPr txBox="1"/>
+          <p:nvPr/>
+        </p:nvSpPr>
+        <p:spPr>
+          <a:xfrm>
+            <a:off x="820133" y="3789575"/>
+            <a:ext cx="2658359" cy="646331"/>
+          </a:xfrm>
+          <a:prstGeom prst="rect">
+            <a:avLst/>
+          </a:prstGeom>
+          <a:noFill/>
+        </p:spPr>
+        <p:txBody>
+          <a:bodyPr wrap="square" rtlCol="0">
+            <a:spAutoFit/>
+          </a:bodyPr>
+          <a:lstStyle/>
+          <a:p>
+            <a:r>
+              <a:rPr lang="en-US" dirty="0"/>
+              <a:t>We need this equation in the form y = mx + c</a:t>
+            </a:r>
+          </a:p>
+        </p:txBody>
+      </p:sp>
+    </p:spTree>
+    <p:extLst>
+      <p:ext uri="{BB962C8B-B14F-4D97-AF65-F5344CB8AC3E}">
+        <p14:creationId xmlns:p14="http://schemas.microsoft.com/office/powerpoint/2010/main" val="3570014597"/>
       </p:ext>
     </p:extLst>
   </p:cSld>

--- a/Determination of g diagram.pptx
+++ b/Determination of g diagram.pptx
@@ -21,6 +21,7 @@
     <p:sldId id="267" r:id="rId15"/>
     <p:sldId id="270" r:id="rId16"/>
     <p:sldId id="271" r:id="rId17"/>
+    <p:sldId id="272" r:id="rId18"/>
   </p:sldIdLst>
   <p:sldSz cx="12192000" cy="6858000"/>
   <p:notesSz cx="6858000" cy="9144000"/>
@@ -7357,8 +7358,8 @@
         </p:nvSpPr>
         <p:spPr>
           <a:xfrm>
-            <a:off x="7481632" y="860857"/>
-            <a:ext cx="2252674" cy="461665"/>
+            <a:off x="5059380" y="3974241"/>
+            <a:ext cx="1359587" cy="461665"/>
           </a:xfrm>
           <a:prstGeom prst="rect">
             <a:avLst/>
@@ -7392,7 +7393,7 @@
         </p:nvSpPr>
         <p:spPr>
           <a:xfrm>
-            <a:off x="7511151" y="1900269"/>
+            <a:off x="5049172" y="5406739"/>
             <a:ext cx="1963585" cy="461665"/>
           </a:xfrm>
           <a:prstGeom prst="rect">
@@ -7443,7 +7444,7 @@
         </p:nvSpPr>
         <p:spPr>
           <a:xfrm>
-            <a:off x="7481632" y="1381139"/>
+            <a:off x="5049172" y="4681457"/>
             <a:ext cx="2093656" cy="461665"/>
           </a:xfrm>
           <a:prstGeom prst="rect">
@@ -7483,7 +7484,7 @@
         <p:spPr>
           <a:xfrm>
             <a:off x="7481632" y="2420551"/>
-            <a:ext cx="2282193" cy="461665"/>
+            <a:ext cx="1704757" cy="461665"/>
           </a:xfrm>
           <a:prstGeom prst="rect">
             <a:avLst/>
@@ -7517,8 +7518,8 @@
         </p:nvSpPr>
         <p:spPr>
           <a:xfrm>
-            <a:off x="7481632" y="2939681"/>
-            <a:ext cx="2086983" cy="461665"/>
+            <a:off x="7564946" y="4070442"/>
+            <a:ext cx="1704757" cy="461665"/>
           </a:xfrm>
           <a:prstGeom prst="rect">
             <a:avLst/>
@@ -7674,7 +7675,7 @@
         </p:nvSpPr>
         <p:spPr>
           <a:xfrm>
-            <a:off x="5398308" y="1900269"/>
+            <a:off x="4863557" y="1234150"/>
             <a:ext cx="2281287" cy="646331"/>
           </a:xfrm>
           <a:prstGeom prst="rect">
@@ -7734,10 +7735,328 @@
           </a:p>
         </p:txBody>
       </p:sp>
+      <p:cxnSp>
+        <p:nvCxnSpPr>
+          <p:cNvPr id="13" name="Straight Connector 12">
+            <a:extLst>
+              <a:ext uri="{FF2B5EF4-FFF2-40B4-BE49-F238E27FC236}">
+                <a16:creationId xmlns:a16="http://schemas.microsoft.com/office/drawing/2014/main" id="{02B68E3F-1982-4FD0-951E-83789E7AAC90}"/>
+              </a:ext>
+            </a:extLst>
+          </p:cNvPr>
+          <p:cNvCxnSpPr>
+            <a:cxnSpLocks/>
+          </p:cNvCxnSpPr>
+          <p:nvPr/>
+        </p:nvCxnSpPr>
+        <p:spPr>
+          <a:xfrm>
+            <a:off x="7654316" y="4160821"/>
+            <a:ext cx="1447296" cy="320948"/>
+          </a:xfrm>
+          <a:prstGeom prst="line">
+            <a:avLst/>
+          </a:prstGeom>
+          <a:ln w="28575">
+            <a:solidFill>
+              <a:srgbClr val="FF0000"/>
+            </a:solidFill>
+          </a:ln>
+        </p:spPr>
+        <p:style>
+          <a:lnRef idx="1">
+            <a:schemeClr val="accent1"/>
+          </a:lnRef>
+          <a:fillRef idx="0">
+            <a:schemeClr val="accent1"/>
+          </a:fillRef>
+          <a:effectRef idx="0">
+            <a:schemeClr val="accent1"/>
+          </a:effectRef>
+          <a:fontRef idx="minor">
+            <a:schemeClr val="tx1"/>
+          </a:fontRef>
+        </p:style>
+      </p:cxnSp>
+      <p:cxnSp>
+        <p:nvCxnSpPr>
+          <p:cNvPr id="15" name="Straight Connector 14">
+            <a:extLst>
+              <a:ext uri="{FF2B5EF4-FFF2-40B4-BE49-F238E27FC236}">
+                <a16:creationId xmlns:a16="http://schemas.microsoft.com/office/drawing/2014/main" id="{8FBA343A-62DB-4F84-B2B6-D44B6C9D386F}"/>
+              </a:ext>
+            </a:extLst>
+          </p:cNvPr>
+          <p:cNvCxnSpPr>
+            <a:cxnSpLocks/>
+          </p:cNvCxnSpPr>
+          <p:nvPr/>
+        </p:nvCxnSpPr>
+        <p:spPr>
+          <a:xfrm flipV="1">
+            <a:off x="7649725" y="4118431"/>
+            <a:ext cx="1451887" cy="413676"/>
+          </a:xfrm>
+          <a:prstGeom prst="line">
+            <a:avLst/>
+          </a:prstGeom>
+          <a:ln w="28575">
+            <a:solidFill>
+              <a:srgbClr val="FF0000"/>
+            </a:solidFill>
+          </a:ln>
+        </p:spPr>
+        <p:style>
+          <a:lnRef idx="1">
+            <a:schemeClr val="accent1"/>
+          </a:lnRef>
+          <a:fillRef idx="0">
+            <a:schemeClr val="accent1"/>
+          </a:fillRef>
+          <a:effectRef idx="0">
+            <a:schemeClr val="accent1"/>
+          </a:effectRef>
+          <a:fontRef idx="minor">
+            <a:schemeClr val="tx1"/>
+          </a:fontRef>
+        </p:style>
+      </p:cxnSp>
+      <p:sp>
+        <p:nvSpPr>
+          <p:cNvPr id="27" name="Oval 26">
+            <a:extLst>
+              <a:ext uri="{FF2B5EF4-FFF2-40B4-BE49-F238E27FC236}">
+                <a16:creationId xmlns:a16="http://schemas.microsoft.com/office/drawing/2014/main" id="{5B726EEE-BB26-48C0-B5CA-01069CB69F48}"/>
+              </a:ext>
+            </a:extLst>
+          </p:cNvPr>
+          <p:cNvSpPr/>
+          <p:nvPr/>
+        </p:nvSpPr>
+        <p:spPr>
+          <a:xfrm>
+            <a:off x="4977729" y="5410622"/>
+            <a:ext cx="1756132" cy="461666"/>
+          </a:xfrm>
+          <a:prstGeom prst="ellipse">
+            <a:avLst/>
+          </a:prstGeom>
+          <a:noFill/>
+          <a:ln w="28575">
+            <a:solidFill>
+              <a:srgbClr val="00B050"/>
+            </a:solidFill>
+          </a:ln>
+        </p:spPr>
+        <p:style>
+          <a:lnRef idx="2">
+            <a:schemeClr val="accent1">
+              <a:shade val="50000"/>
+            </a:schemeClr>
+          </a:lnRef>
+          <a:fillRef idx="1">
+            <a:schemeClr val="accent1"/>
+          </a:fillRef>
+          <a:effectRef idx="0">
+            <a:schemeClr val="accent1"/>
+          </a:effectRef>
+          <a:fontRef idx="minor">
+            <a:schemeClr val="lt1"/>
+          </a:fontRef>
+        </p:style>
+        <p:txBody>
+          <a:bodyPr rtlCol="0" anchor="ctr"/>
+          <a:lstStyle/>
+          <a:p>
+            <a:pPr algn="ctr"/>
+            <a:endParaRPr lang="en-GB"/>
+          </a:p>
+        </p:txBody>
+      </p:sp>
     </p:spTree>
     <p:extLst>
       <p:ext uri="{BB962C8B-B14F-4D97-AF65-F5344CB8AC3E}">
         <p14:creationId xmlns:p14="http://schemas.microsoft.com/office/powerpoint/2010/main" val="3570014597"/>
+      </p:ext>
+    </p:extLst>
+  </p:cSld>
+  <p:clrMapOvr>
+    <a:masterClrMapping/>
+  </p:clrMapOvr>
+</p:sld>
+</file>
+
+<file path=ppt/slides/slide17.xml><?xml version="1.0" encoding="utf-8"?>
+<p:sld xmlns:a="http://schemas.openxmlformats.org/drawingml/2006/main" xmlns:r="http://schemas.openxmlformats.org/officeDocument/2006/relationships" xmlns:p="http://schemas.openxmlformats.org/presentationml/2006/main">
+  <p:cSld>
+    <p:spTree>
+      <p:nvGrpSpPr>
+        <p:cNvPr id="1" name=""/>
+        <p:cNvGrpSpPr/>
+        <p:nvPr/>
+      </p:nvGrpSpPr>
+      <p:grpSpPr>
+        <a:xfrm>
+          <a:off x="0" y="0"/>
+          <a:ext cx="0" cy="0"/>
+          <a:chOff x="0" y="0"/>
+          <a:chExt cx="0" cy="0"/>
+        </a:xfrm>
+      </p:grpSpPr>
+      <p:sp>
+        <p:nvSpPr>
+          <p:cNvPr id="2" name="TextBox 1">
+            <a:extLst>
+              <a:ext uri="{FF2B5EF4-FFF2-40B4-BE49-F238E27FC236}">
+                <a16:creationId xmlns:a16="http://schemas.microsoft.com/office/drawing/2014/main" id="{1FF16DF0-297E-4BAC-B042-1A1419D38F00}"/>
+              </a:ext>
+            </a:extLst>
+          </p:cNvPr>
+          <p:cNvSpPr txBox="1"/>
+          <p:nvPr/>
+        </p:nvSpPr>
+        <p:spPr>
+          <a:xfrm>
+            <a:off x="1320128" y="1083958"/>
+            <a:ext cx="423894" cy="369332"/>
+          </a:xfrm>
+          <a:prstGeom prst="rect">
+            <a:avLst/>
+          </a:prstGeom>
+          <a:noFill/>
+        </p:spPr>
+        <p:txBody>
+          <a:bodyPr wrap="square" rtlCol="0">
+            <a:spAutoFit/>
+          </a:bodyPr>
+          <a:lstStyle/>
+          <a:p>
+            <a:r>
+              <a:rPr lang="en-GB" dirty="0"/>
+              <a:t>v</a:t>
+            </a:r>
+            <a:r>
+              <a:rPr lang="en-GB" baseline="30000" dirty="0"/>
+              <a:t>2</a:t>
+            </a:r>
+          </a:p>
+        </p:txBody>
+      </p:sp>
+      <p:sp>
+        <p:nvSpPr>
+          <p:cNvPr id="3" name="TextBox 2">
+            <a:extLst>
+              <a:ext uri="{FF2B5EF4-FFF2-40B4-BE49-F238E27FC236}">
+                <a16:creationId xmlns:a16="http://schemas.microsoft.com/office/drawing/2014/main" id="{80D9105B-3BE4-4FAC-85F4-4D7AA56EC50D}"/>
+              </a:ext>
+            </a:extLst>
+          </p:cNvPr>
+          <p:cNvSpPr txBox="1"/>
+          <p:nvPr/>
+        </p:nvSpPr>
+        <p:spPr>
+          <a:xfrm>
+            <a:off x="3085344" y="1896421"/>
+            <a:ext cx="423894" cy="369332"/>
+          </a:xfrm>
+          <a:prstGeom prst="rect">
+            <a:avLst/>
+          </a:prstGeom>
+          <a:noFill/>
+        </p:spPr>
+        <p:txBody>
+          <a:bodyPr wrap="square" rtlCol="0">
+            <a:spAutoFit/>
+          </a:bodyPr>
+          <a:lstStyle/>
+          <a:p>
+            <a:r>
+              <a:rPr lang="en-GB" dirty="0"/>
+              <a:t>s</a:t>
+            </a:r>
+            <a:endParaRPr lang="en-GB" baseline="30000" dirty="0"/>
+          </a:p>
+        </p:txBody>
+      </p:sp>
+      <p:sp>
+        <p:nvSpPr>
+          <p:cNvPr id="4" name="TextBox 3">
+            <a:extLst>
+              <a:ext uri="{FF2B5EF4-FFF2-40B4-BE49-F238E27FC236}">
+                <a16:creationId xmlns:a16="http://schemas.microsoft.com/office/drawing/2014/main" id="{246B06B0-553C-4AF1-A929-026B22DF5B91}"/>
+              </a:ext>
+            </a:extLst>
+          </p:cNvPr>
+          <p:cNvSpPr txBox="1"/>
+          <p:nvPr/>
+        </p:nvSpPr>
+        <p:spPr>
+          <a:xfrm>
+            <a:off x="2020562" y="889200"/>
+            <a:ext cx="423894" cy="369332"/>
+          </a:xfrm>
+          <a:prstGeom prst="rect">
+            <a:avLst/>
+          </a:prstGeom>
+          <a:noFill/>
+        </p:spPr>
+        <p:txBody>
+          <a:bodyPr wrap="square" rtlCol="0">
+            <a:spAutoFit/>
+          </a:bodyPr>
+          <a:lstStyle/>
+          <a:p>
+            <a:r>
+              <a:rPr lang="en-GB" dirty="0"/>
+              <a:t>2a</a:t>
+            </a:r>
+            <a:endParaRPr lang="en-GB" baseline="30000" dirty="0"/>
+          </a:p>
+        </p:txBody>
+      </p:sp>
+      <p:sp>
+        <p:nvSpPr>
+          <p:cNvPr id="5" name="TextBox 4">
+            <a:extLst>
+              <a:ext uri="{FF2B5EF4-FFF2-40B4-BE49-F238E27FC236}">
+                <a16:creationId xmlns:a16="http://schemas.microsoft.com/office/drawing/2014/main" id="{BDBAD5EB-8B5D-413B-98FB-14FD9B60F417}"/>
+              </a:ext>
+            </a:extLst>
+          </p:cNvPr>
+          <p:cNvSpPr txBox="1"/>
+          <p:nvPr/>
+        </p:nvSpPr>
+        <p:spPr>
+          <a:xfrm>
+            <a:off x="3297291" y="1083958"/>
+            <a:ext cx="423894" cy="369332"/>
+          </a:xfrm>
+          <a:prstGeom prst="rect">
+            <a:avLst/>
+          </a:prstGeom>
+          <a:noFill/>
+        </p:spPr>
+        <p:txBody>
+          <a:bodyPr wrap="square" rtlCol="0">
+            <a:spAutoFit/>
+          </a:bodyPr>
+          <a:lstStyle/>
+          <a:p>
+            <a:r>
+              <a:rPr lang="en-GB" dirty="0"/>
+              <a:t>u</a:t>
+            </a:r>
+            <a:r>
+              <a:rPr lang="en-GB" baseline="30000" dirty="0"/>
+              <a:t>2</a:t>
+            </a:r>
+          </a:p>
+        </p:txBody>
+      </p:sp>
+    </p:spTree>
+    <p:extLst>
+      <p:ext uri="{BB962C8B-B14F-4D97-AF65-F5344CB8AC3E}">
+        <p14:creationId xmlns:p14="http://schemas.microsoft.com/office/powerpoint/2010/main" val="2921115774"/>
       </p:ext>
     </p:extLst>
   </p:cSld>

--- a/Determination of g diagram.pptx
+++ b/Determination of g diagram.pptx
@@ -22,6 +22,8 @@
     <p:sldId id="270" r:id="rId16"/>
     <p:sldId id="271" r:id="rId17"/>
     <p:sldId id="272" r:id="rId18"/>
+    <p:sldId id="274" r:id="rId19"/>
+    <p:sldId id="273" r:id="rId20"/>
   </p:sldIdLst>
   <p:sldSz cx="12192000" cy="6858000"/>
   <p:notesSz cx="6858000" cy="9144000"/>
@@ -277,7 +279,7 @@
           <a:p>
             <a:fld id="{40AE047B-88A8-4E73-BFC2-E0D791C9FE6D}" type="datetimeFigureOut">
               <a:rPr lang="en-GB" smtClean="0"/>
-              <a:t>21/04/2022</a:t>
+              <a:t>22/04/2022</a:t>
             </a:fld>
             <a:endParaRPr lang="en-GB"/>
           </a:p>
@@ -477,7 +479,7 @@
           <a:p>
             <a:fld id="{40AE047B-88A8-4E73-BFC2-E0D791C9FE6D}" type="datetimeFigureOut">
               <a:rPr lang="en-GB" smtClean="0"/>
-              <a:t>21/04/2022</a:t>
+              <a:t>22/04/2022</a:t>
             </a:fld>
             <a:endParaRPr lang="en-GB"/>
           </a:p>
@@ -687,7 +689,7 @@
           <a:p>
             <a:fld id="{40AE047B-88A8-4E73-BFC2-E0D791C9FE6D}" type="datetimeFigureOut">
               <a:rPr lang="en-GB" smtClean="0"/>
-              <a:t>21/04/2022</a:t>
+              <a:t>22/04/2022</a:t>
             </a:fld>
             <a:endParaRPr lang="en-GB"/>
           </a:p>
@@ -887,7 +889,7 @@
           <a:p>
             <a:fld id="{40AE047B-88A8-4E73-BFC2-E0D791C9FE6D}" type="datetimeFigureOut">
               <a:rPr lang="en-GB" smtClean="0"/>
-              <a:t>21/04/2022</a:t>
+              <a:t>22/04/2022</a:t>
             </a:fld>
             <a:endParaRPr lang="en-GB"/>
           </a:p>
@@ -1163,7 +1165,7 @@
           <a:p>
             <a:fld id="{40AE047B-88A8-4E73-BFC2-E0D791C9FE6D}" type="datetimeFigureOut">
               <a:rPr lang="en-GB" smtClean="0"/>
-              <a:t>21/04/2022</a:t>
+              <a:t>22/04/2022</a:t>
             </a:fld>
             <a:endParaRPr lang="en-GB"/>
           </a:p>
@@ -1431,7 +1433,7 @@
           <a:p>
             <a:fld id="{40AE047B-88A8-4E73-BFC2-E0D791C9FE6D}" type="datetimeFigureOut">
               <a:rPr lang="en-GB" smtClean="0"/>
-              <a:t>21/04/2022</a:t>
+              <a:t>22/04/2022</a:t>
             </a:fld>
             <a:endParaRPr lang="en-GB"/>
           </a:p>
@@ -1846,7 +1848,7 @@
           <a:p>
             <a:fld id="{40AE047B-88A8-4E73-BFC2-E0D791C9FE6D}" type="datetimeFigureOut">
               <a:rPr lang="en-GB" smtClean="0"/>
-              <a:t>21/04/2022</a:t>
+              <a:t>22/04/2022</a:t>
             </a:fld>
             <a:endParaRPr lang="en-GB"/>
           </a:p>
@@ -1988,7 +1990,7 @@
           <a:p>
             <a:fld id="{40AE047B-88A8-4E73-BFC2-E0D791C9FE6D}" type="datetimeFigureOut">
               <a:rPr lang="en-GB" smtClean="0"/>
-              <a:t>21/04/2022</a:t>
+              <a:t>22/04/2022</a:t>
             </a:fld>
             <a:endParaRPr lang="en-GB"/>
           </a:p>
@@ -2101,7 +2103,7 @@
           <a:p>
             <a:fld id="{40AE047B-88A8-4E73-BFC2-E0D791C9FE6D}" type="datetimeFigureOut">
               <a:rPr lang="en-GB" smtClean="0"/>
-              <a:t>21/04/2022</a:t>
+              <a:t>22/04/2022</a:t>
             </a:fld>
             <a:endParaRPr lang="en-GB"/>
           </a:p>
@@ -2414,7 +2416,7 @@
           <a:p>
             <a:fld id="{40AE047B-88A8-4E73-BFC2-E0D791C9FE6D}" type="datetimeFigureOut">
               <a:rPr lang="en-GB" smtClean="0"/>
-              <a:t>21/04/2022</a:t>
+              <a:t>22/04/2022</a:t>
             </a:fld>
             <a:endParaRPr lang="en-GB"/>
           </a:p>
@@ -2703,7 +2705,7 @@
           <a:p>
             <a:fld id="{40AE047B-88A8-4E73-BFC2-E0D791C9FE6D}" type="datetimeFigureOut">
               <a:rPr lang="en-GB" smtClean="0"/>
-              <a:t>21/04/2022</a:t>
+              <a:t>22/04/2022</a:t>
             </a:fld>
             <a:endParaRPr lang="en-GB"/>
           </a:p>
@@ -2946,7 +2948,7 @@
           <a:p>
             <a:fld id="{40AE047B-88A8-4E73-BFC2-E0D791C9FE6D}" type="datetimeFigureOut">
               <a:rPr lang="en-GB" smtClean="0"/>
-              <a:t>21/04/2022</a:t>
+              <a:t>22/04/2022</a:t>
             </a:fld>
             <a:endParaRPr lang="en-GB"/>
           </a:p>
@@ -7239,14 +7241,14 @@
         </p:nvSpPr>
         <p:spPr>
           <a:xfrm>
-            <a:off x="4933950" y="3168650"/>
+            <a:off x="4957383" y="3168649"/>
             <a:ext cx="4140200" cy="1409700"/>
           </a:xfrm>
           <a:prstGeom prst="roundRect">
             <a:avLst/>
           </a:prstGeom>
           <a:solidFill>
-            <a:srgbClr val="0070C0"/>
+            <a:schemeClr val="tx1"/>
           </a:solidFill>
           <a:ln w="57150">
             <a:solidFill>
@@ -7308,7 +7310,11 @@
           <a:lstStyle/>
           <a:p>
             <a:r>
-              <a:rPr lang="en-GB" sz="3600" b="1" dirty="0"/>
+              <a:rPr lang="en-GB" sz="3600" b="1" dirty="0">
+                <a:solidFill>
+                  <a:schemeClr val="bg1"/>
+                </a:solidFill>
+              </a:rPr>
               <a:t>Start Experiment</a:t>
             </a:r>
           </a:p>
@@ -8053,10 +8059,900 @@
           </a:p>
         </p:txBody>
       </p:sp>
+      <p:sp>
+        <p:nvSpPr>
+          <p:cNvPr id="6" name="TextBox 4">
+            <a:extLst>
+              <a:ext uri="{FF2B5EF4-FFF2-40B4-BE49-F238E27FC236}">
+                <a16:creationId xmlns:a16="http://schemas.microsoft.com/office/drawing/2014/main" id="{CB15960A-7ED0-491E-A90B-DDC4711FB83F}"/>
+              </a:ext>
+            </a:extLst>
+          </p:cNvPr>
+          <p:cNvSpPr txBox="1"/>
+          <p:nvPr/>
+        </p:nvSpPr>
+        <p:spPr>
+          <a:xfrm>
+            <a:off x="4909602" y="3183449"/>
+            <a:ext cx="1883300" cy="646331"/>
+          </a:xfrm>
+          <a:prstGeom prst="rect">
+            <a:avLst/>
+          </a:prstGeom>
+          <a:noFill/>
+        </p:spPr>
+        <p:txBody>
+          <a:bodyPr wrap="square" rtlCol="0">
+            <a:spAutoFit/>
+          </a:bodyPr>
+          <a:lstStyle>
+            <a:defPPr>
+              <a:defRPr lang="en-US"/>
+            </a:defPPr>
+            <a:lvl1pPr marL="0" algn="l" defTabSz="914400" rtl="0" eaLnBrk="1" latinLnBrk="0" hangingPunct="1">
+              <a:defRPr sz="1800" kern="1200">
+                <a:solidFill>
+                  <a:schemeClr val="tx1"/>
+                </a:solidFill>
+                <a:latin typeface="+mn-lt"/>
+                <a:ea typeface="+mn-ea"/>
+                <a:cs typeface="+mn-cs"/>
+              </a:defRPr>
+            </a:lvl1pPr>
+            <a:lvl2pPr marL="457200" algn="l" defTabSz="914400" rtl="0" eaLnBrk="1" latinLnBrk="0" hangingPunct="1">
+              <a:defRPr sz="1800" kern="1200">
+                <a:solidFill>
+                  <a:schemeClr val="tx1"/>
+                </a:solidFill>
+                <a:latin typeface="+mn-lt"/>
+                <a:ea typeface="+mn-ea"/>
+                <a:cs typeface="+mn-cs"/>
+              </a:defRPr>
+            </a:lvl2pPr>
+            <a:lvl3pPr marL="914400" algn="l" defTabSz="914400" rtl="0" eaLnBrk="1" latinLnBrk="0" hangingPunct="1">
+              <a:defRPr sz="1800" kern="1200">
+                <a:solidFill>
+                  <a:schemeClr val="tx1"/>
+                </a:solidFill>
+                <a:latin typeface="+mn-lt"/>
+                <a:ea typeface="+mn-ea"/>
+                <a:cs typeface="+mn-cs"/>
+              </a:defRPr>
+            </a:lvl3pPr>
+            <a:lvl4pPr marL="1371600" algn="l" defTabSz="914400" rtl="0" eaLnBrk="1" latinLnBrk="0" hangingPunct="1">
+              <a:defRPr sz="1800" kern="1200">
+                <a:solidFill>
+                  <a:schemeClr val="tx1"/>
+                </a:solidFill>
+                <a:latin typeface="+mn-lt"/>
+                <a:ea typeface="+mn-ea"/>
+                <a:cs typeface="+mn-cs"/>
+              </a:defRPr>
+            </a:lvl4pPr>
+            <a:lvl5pPr marL="1828800" algn="l" defTabSz="914400" rtl="0" eaLnBrk="1" latinLnBrk="0" hangingPunct="1">
+              <a:defRPr sz="1800" kern="1200">
+                <a:solidFill>
+                  <a:schemeClr val="tx1"/>
+                </a:solidFill>
+                <a:latin typeface="+mn-lt"/>
+                <a:ea typeface="+mn-ea"/>
+                <a:cs typeface="+mn-cs"/>
+              </a:defRPr>
+            </a:lvl5pPr>
+            <a:lvl6pPr marL="2286000" algn="l" defTabSz="914400" rtl="0" eaLnBrk="1" latinLnBrk="0" hangingPunct="1">
+              <a:defRPr sz="1800" kern="1200">
+                <a:solidFill>
+                  <a:schemeClr val="tx1"/>
+                </a:solidFill>
+                <a:latin typeface="+mn-lt"/>
+                <a:ea typeface="+mn-ea"/>
+                <a:cs typeface="+mn-cs"/>
+              </a:defRPr>
+            </a:lvl6pPr>
+            <a:lvl7pPr marL="2743200" algn="l" defTabSz="914400" rtl="0" eaLnBrk="1" latinLnBrk="0" hangingPunct="1">
+              <a:defRPr sz="1800" kern="1200">
+                <a:solidFill>
+                  <a:schemeClr val="tx1"/>
+                </a:solidFill>
+                <a:latin typeface="+mn-lt"/>
+                <a:ea typeface="+mn-ea"/>
+                <a:cs typeface="+mn-cs"/>
+              </a:defRPr>
+            </a:lvl7pPr>
+            <a:lvl8pPr marL="3200400" algn="l" defTabSz="914400" rtl="0" eaLnBrk="1" latinLnBrk="0" hangingPunct="1">
+              <a:defRPr sz="1800" kern="1200">
+                <a:solidFill>
+                  <a:schemeClr val="tx1"/>
+                </a:solidFill>
+                <a:latin typeface="+mn-lt"/>
+                <a:ea typeface="+mn-ea"/>
+                <a:cs typeface="+mn-cs"/>
+              </a:defRPr>
+            </a:lvl8pPr>
+            <a:lvl9pPr marL="3657600" algn="l" defTabSz="914400" rtl="0" eaLnBrk="1" latinLnBrk="0" hangingPunct="1">
+              <a:defRPr sz="1800" kern="1200">
+                <a:solidFill>
+                  <a:schemeClr val="tx1"/>
+                </a:solidFill>
+                <a:latin typeface="+mn-lt"/>
+                <a:ea typeface="+mn-ea"/>
+                <a:cs typeface="+mn-cs"/>
+              </a:defRPr>
+            </a:lvl9pPr>
+          </a:lstStyle>
+          <a:p>
+            <a:r>
+              <a:rPr lang="en-GB" dirty="0">
+                <a:latin typeface="Baskerville Old Face" panose="02020602080505020303" pitchFamily="18" charset="0"/>
+              </a:rPr>
+              <a:t>Select the correct SUVAT Equation</a:t>
+            </a:r>
+          </a:p>
+        </p:txBody>
+      </p:sp>
+      <p:cxnSp>
+        <p:nvCxnSpPr>
+          <p:cNvPr id="7" name="Connector: Curved 6">
+            <a:extLst>
+              <a:ext uri="{FF2B5EF4-FFF2-40B4-BE49-F238E27FC236}">
+                <a16:creationId xmlns:a16="http://schemas.microsoft.com/office/drawing/2014/main" id="{23D60456-C32D-464F-AF4B-84D9FD607306}"/>
+              </a:ext>
+            </a:extLst>
+          </p:cNvPr>
+          <p:cNvCxnSpPr>
+            <a:cxnSpLocks/>
+          </p:cNvCxnSpPr>
+          <p:nvPr/>
+        </p:nvCxnSpPr>
+        <p:spPr>
+          <a:xfrm flipV="1">
+            <a:off x="6707113" y="3028220"/>
+            <a:ext cx="575286" cy="557119"/>
+          </a:xfrm>
+          <a:prstGeom prst="curvedConnector3">
+            <a:avLst>
+              <a:gd name="adj1" fmla="val 50000"/>
+            </a:avLst>
+          </a:prstGeom>
+          <a:ln w="19050">
+            <a:solidFill>
+              <a:schemeClr val="tx1"/>
+            </a:solidFill>
+            <a:tailEnd type="triangle"/>
+          </a:ln>
+        </p:spPr>
+        <p:style>
+          <a:lnRef idx="1">
+            <a:schemeClr val="accent1"/>
+          </a:lnRef>
+          <a:fillRef idx="0">
+            <a:schemeClr val="accent1"/>
+          </a:fillRef>
+          <a:effectRef idx="0">
+            <a:schemeClr val="accent1"/>
+          </a:effectRef>
+          <a:fontRef idx="minor">
+            <a:schemeClr val="tx1"/>
+          </a:fontRef>
+        </p:style>
+      </p:cxnSp>
+      <p:sp>
+        <p:nvSpPr>
+          <p:cNvPr id="11" name="TextBox 4">
+            <a:extLst>
+              <a:ext uri="{FF2B5EF4-FFF2-40B4-BE49-F238E27FC236}">
+                <a16:creationId xmlns:a16="http://schemas.microsoft.com/office/drawing/2014/main" id="{2236436B-533F-4DB6-8B18-958B13CE0677}"/>
+              </a:ext>
+            </a:extLst>
+          </p:cNvPr>
+          <p:cNvSpPr txBox="1"/>
+          <p:nvPr/>
+        </p:nvSpPr>
+        <p:spPr>
+          <a:xfrm>
+            <a:off x="1413990" y="3429000"/>
+            <a:ext cx="2146719" cy="1200329"/>
+          </a:xfrm>
+          <a:prstGeom prst="rect">
+            <a:avLst/>
+          </a:prstGeom>
+          <a:noFill/>
+        </p:spPr>
+        <p:txBody>
+          <a:bodyPr wrap="square" rtlCol="0">
+            <a:spAutoFit/>
+          </a:bodyPr>
+          <a:lstStyle>
+            <a:defPPr>
+              <a:defRPr lang="en-US"/>
+            </a:defPPr>
+            <a:lvl1pPr marL="0" algn="l" defTabSz="914400" rtl="0" eaLnBrk="1" latinLnBrk="0" hangingPunct="1">
+              <a:defRPr sz="1800" kern="1200">
+                <a:solidFill>
+                  <a:schemeClr val="tx1"/>
+                </a:solidFill>
+                <a:latin typeface="+mn-lt"/>
+                <a:ea typeface="+mn-ea"/>
+                <a:cs typeface="+mn-cs"/>
+              </a:defRPr>
+            </a:lvl1pPr>
+            <a:lvl2pPr marL="457200" algn="l" defTabSz="914400" rtl="0" eaLnBrk="1" latinLnBrk="0" hangingPunct="1">
+              <a:defRPr sz="1800" kern="1200">
+                <a:solidFill>
+                  <a:schemeClr val="tx1"/>
+                </a:solidFill>
+                <a:latin typeface="+mn-lt"/>
+                <a:ea typeface="+mn-ea"/>
+                <a:cs typeface="+mn-cs"/>
+              </a:defRPr>
+            </a:lvl2pPr>
+            <a:lvl3pPr marL="914400" algn="l" defTabSz="914400" rtl="0" eaLnBrk="1" latinLnBrk="0" hangingPunct="1">
+              <a:defRPr sz="1800" kern="1200">
+                <a:solidFill>
+                  <a:schemeClr val="tx1"/>
+                </a:solidFill>
+                <a:latin typeface="+mn-lt"/>
+                <a:ea typeface="+mn-ea"/>
+                <a:cs typeface="+mn-cs"/>
+              </a:defRPr>
+            </a:lvl3pPr>
+            <a:lvl4pPr marL="1371600" algn="l" defTabSz="914400" rtl="0" eaLnBrk="1" latinLnBrk="0" hangingPunct="1">
+              <a:defRPr sz="1800" kern="1200">
+                <a:solidFill>
+                  <a:schemeClr val="tx1"/>
+                </a:solidFill>
+                <a:latin typeface="+mn-lt"/>
+                <a:ea typeface="+mn-ea"/>
+                <a:cs typeface="+mn-cs"/>
+              </a:defRPr>
+            </a:lvl4pPr>
+            <a:lvl5pPr marL="1828800" algn="l" defTabSz="914400" rtl="0" eaLnBrk="1" latinLnBrk="0" hangingPunct="1">
+              <a:defRPr sz="1800" kern="1200">
+                <a:solidFill>
+                  <a:schemeClr val="tx1"/>
+                </a:solidFill>
+                <a:latin typeface="+mn-lt"/>
+                <a:ea typeface="+mn-ea"/>
+                <a:cs typeface="+mn-cs"/>
+              </a:defRPr>
+            </a:lvl5pPr>
+            <a:lvl6pPr marL="2286000" algn="l" defTabSz="914400" rtl="0" eaLnBrk="1" latinLnBrk="0" hangingPunct="1">
+              <a:defRPr sz="1800" kern="1200">
+                <a:solidFill>
+                  <a:schemeClr val="tx1"/>
+                </a:solidFill>
+                <a:latin typeface="+mn-lt"/>
+                <a:ea typeface="+mn-ea"/>
+                <a:cs typeface="+mn-cs"/>
+              </a:defRPr>
+            </a:lvl6pPr>
+            <a:lvl7pPr marL="2743200" algn="l" defTabSz="914400" rtl="0" eaLnBrk="1" latinLnBrk="0" hangingPunct="1">
+              <a:defRPr sz="1800" kern="1200">
+                <a:solidFill>
+                  <a:schemeClr val="tx1"/>
+                </a:solidFill>
+                <a:latin typeface="+mn-lt"/>
+                <a:ea typeface="+mn-ea"/>
+                <a:cs typeface="+mn-cs"/>
+              </a:defRPr>
+            </a:lvl7pPr>
+            <a:lvl8pPr marL="3200400" algn="l" defTabSz="914400" rtl="0" eaLnBrk="1" latinLnBrk="0" hangingPunct="1">
+              <a:defRPr sz="1800" kern="1200">
+                <a:solidFill>
+                  <a:schemeClr val="tx1"/>
+                </a:solidFill>
+                <a:latin typeface="+mn-lt"/>
+                <a:ea typeface="+mn-ea"/>
+                <a:cs typeface="+mn-cs"/>
+              </a:defRPr>
+            </a:lvl8pPr>
+            <a:lvl9pPr marL="3657600" algn="l" defTabSz="914400" rtl="0" eaLnBrk="1" latinLnBrk="0" hangingPunct="1">
+              <a:defRPr sz="1800" kern="1200">
+                <a:solidFill>
+                  <a:schemeClr val="tx1"/>
+                </a:solidFill>
+                <a:latin typeface="+mn-lt"/>
+                <a:ea typeface="+mn-ea"/>
+                <a:cs typeface="+mn-cs"/>
+              </a:defRPr>
+            </a:lvl9pPr>
+          </a:lstStyle>
+          <a:p>
+            <a:r>
+              <a:rPr lang="en-GB" dirty="0">
+                <a:latin typeface="Baskerville Old Face" panose="02020602080505020303" pitchFamily="18" charset="0"/>
+              </a:rPr>
+              <a:t>Please move through our tutorial or skip if you are an experienced user</a:t>
+            </a:r>
+          </a:p>
+        </p:txBody>
+      </p:sp>
+      <p:cxnSp>
+        <p:nvCxnSpPr>
+          <p:cNvPr id="12" name="Connector: Curved 11">
+            <a:extLst>
+              <a:ext uri="{FF2B5EF4-FFF2-40B4-BE49-F238E27FC236}">
+                <a16:creationId xmlns:a16="http://schemas.microsoft.com/office/drawing/2014/main" id="{AC4DE0B7-6D4F-41A6-AE61-326CED0A72C5}"/>
+              </a:ext>
+            </a:extLst>
+          </p:cNvPr>
+          <p:cNvCxnSpPr>
+            <a:cxnSpLocks/>
+          </p:cNvCxnSpPr>
+          <p:nvPr/>
+        </p:nvCxnSpPr>
+        <p:spPr>
+          <a:xfrm rot="16200000" flipH="1">
+            <a:off x="3215510" y="4224274"/>
+            <a:ext cx="587456" cy="423894"/>
+          </a:xfrm>
+          <a:prstGeom prst="curvedConnector3">
+            <a:avLst>
+              <a:gd name="adj1" fmla="val 50000"/>
+            </a:avLst>
+          </a:prstGeom>
+          <a:ln w="19050">
+            <a:solidFill>
+              <a:schemeClr val="tx1"/>
+            </a:solidFill>
+            <a:tailEnd type="triangle"/>
+          </a:ln>
+        </p:spPr>
+        <p:style>
+          <a:lnRef idx="1">
+            <a:schemeClr val="accent1"/>
+          </a:lnRef>
+          <a:fillRef idx="0">
+            <a:schemeClr val="accent1"/>
+          </a:fillRef>
+          <a:effectRef idx="0">
+            <a:schemeClr val="accent1"/>
+          </a:effectRef>
+          <a:fontRef idx="minor">
+            <a:schemeClr val="tx1"/>
+          </a:fontRef>
+        </p:style>
+      </p:cxnSp>
     </p:spTree>
     <p:extLst>
       <p:ext uri="{BB962C8B-B14F-4D97-AF65-F5344CB8AC3E}">
         <p14:creationId xmlns:p14="http://schemas.microsoft.com/office/powerpoint/2010/main" val="2921115774"/>
+      </p:ext>
+    </p:extLst>
+  </p:cSld>
+  <p:clrMapOvr>
+    <a:masterClrMapping/>
+  </p:clrMapOvr>
+</p:sld>
+</file>
+
+<file path=ppt/slides/slide18.xml><?xml version="1.0" encoding="utf-8"?>
+<p:sld xmlns:a="http://schemas.openxmlformats.org/drawingml/2006/main" xmlns:r="http://schemas.openxmlformats.org/officeDocument/2006/relationships" xmlns:p="http://schemas.openxmlformats.org/presentationml/2006/main">
+  <p:cSld>
+    <p:spTree>
+      <p:nvGrpSpPr>
+        <p:cNvPr id="1" name=""/>
+        <p:cNvGrpSpPr/>
+        <p:nvPr/>
+      </p:nvGrpSpPr>
+      <p:grpSpPr>
+        <a:xfrm>
+          <a:off x="0" y="0"/>
+          <a:ext cx="0" cy="0"/>
+          <a:chOff x="0" y="0"/>
+          <a:chExt cx="0" cy="0"/>
+        </a:xfrm>
+      </p:grpSpPr>
+      <p:sp>
+        <p:nvSpPr>
+          <p:cNvPr id="2" name="Rectangle 1">
+            <a:extLst>
+              <a:ext uri="{FF2B5EF4-FFF2-40B4-BE49-F238E27FC236}">
+                <a16:creationId xmlns:a16="http://schemas.microsoft.com/office/drawing/2014/main" id="{970A6D0A-FE38-4EB2-89B3-C79A95268384}"/>
+              </a:ext>
+            </a:extLst>
+          </p:cNvPr>
+          <p:cNvSpPr/>
+          <p:nvPr/>
+        </p:nvSpPr>
+        <p:spPr>
+          <a:xfrm>
+            <a:off x="2298111" y="419212"/>
+            <a:ext cx="7054808" cy="4747613"/>
+          </a:xfrm>
+          <a:prstGeom prst="rect">
+            <a:avLst/>
+          </a:prstGeom>
+        </p:spPr>
+        <p:style>
+          <a:lnRef idx="2">
+            <a:schemeClr val="accent1">
+              <a:shade val="50000"/>
+            </a:schemeClr>
+          </a:lnRef>
+          <a:fillRef idx="1">
+            <a:schemeClr val="accent1"/>
+          </a:fillRef>
+          <a:effectRef idx="0">
+            <a:schemeClr val="accent1"/>
+          </a:effectRef>
+          <a:fontRef idx="minor">
+            <a:schemeClr val="lt1"/>
+          </a:fontRef>
+        </p:style>
+        <p:txBody>
+          <a:bodyPr rtlCol="0" anchor="ctr"/>
+          <a:lstStyle/>
+          <a:p>
+            <a:pPr algn="ctr"/>
+            <a:endParaRPr lang="en-GB"/>
+          </a:p>
+        </p:txBody>
+      </p:sp>
+      <p:pic>
+        <p:nvPicPr>
+          <p:cNvPr id="3" name="Picture 2" descr="Shape, square&#10;&#10;Description automatically generated">
+            <a:extLst>
+              <a:ext uri="{FF2B5EF4-FFF2-40B4-BE49-F238E27FC236}">
+                <a16:creationId xmlns:a16="http://schemas.microsoft.com/office/drawing/2014/main" id="{82BA2D3B-87BA-4D04-8E99-DF16A05E66A2}"/>
+              </a:ext>
+            </a:extLst>
+          </p:cNvPr>
+          <p:cNvPicPr>
+            <a:picLocks noChangeAspect="1"/>
+          </p:cNvPicPr>
+          <p:nvPr/>
+        </p:nvPicPr>
+        <p:blipFill>
+          <a:blip r:embed="rId2">
+            <a:extLst>
+              <a:ext uri="{28A0092B-C50C-407E-A947-70E740481C1C}">
+                <a14:useLocalDpi xmlns:a14="http://schemas.microsoft.com/office/drawing/2010/main" val="0"/>
+              </a:ext>
+            </a:extLst>
+          </a:blip>
+          <a:stretch>
+            <a:fillRect/>
+          </a:stretch>
+        </p:blipFill>
+        <p:spPr>
+          <a:xfrm>
+            <a:off x="4408315" y="3875602"/>
+            <a:ext cx="3130944" cy="417549"/>
+          </a:xfrm>
+          <a:prstGeom prst="rect">
+            <a:avLst/>
+          </a:prstGeom>
+        </p:spPr>
+      </p:pic>
+      <p:sp>
+        <p:nvSpPr>
+          <p:cNvPr id="4" name="Rectangle: Rounded Corners 3">
+            <a:extLst>
+              <a:ext uri="{FF2B5EF4-FFF2-40B4-BE49-F238E27FC236}">
+                <a16:creationId xmlns:a16="http://schemas.microsoft.com/office/drawing/2014/main" id="{740DA58A-6801-4150-975B-443BF5D7EF52}"/>
+              </a:ext>
+            </a:extLst>
+          </p:cNvPr>
+          <p:cNvSpPr/>
+          <p:nvPr/>
+        </p:nvSpPr>
+        <p:spPr>
+          <a:xfrm>
+            <a:off x="3524377" y="1910814"/>
+            <a:ext cx="1665298" cy="265915"/>
+          </a:xfrm>
+          <a:prstGeom prst="roundRect">
+            <a:avLst/>
+          </a:prstGeom>
+          <a:solidFill>
+            <a:srgbClr val="00BBFE"/>
+          </a:solidFill>
+          <a:ln w="38100">
+            <a:solidFill>
+              <a:schemeClr val="bg1"/>
+            </a:solidFill>
+          </a:ln>
+        </p:spPr>
+        <p:style>
+          <a:lnRef idx="2">
+            <a:schemeClr val="accent1">
+              <a:shade val="50000"/>
+            </a:schemeClr>
+          </a:lnRef>
+          <a:fillRef idx="1">
+            <a:schemeClr val="accent1"/>
+          </a:fillRef>
+          <a:effectRef idx="0">
+            <a:schemeClr val="accent1"/>
+          </a:effectRef>
+          <a:fontRef idx="minor">
+            <a:schemeClr val="lt1"/>
+          </a:fontRef>
+        </p:style>
+        <p:txBody>
+          <a:bodyPr rtlCol="0" anchor="ctr"/>
+          <a:lstStyle/>
+          <a:p>
+            <a:pPr algn="ctr"/>
+            <a:endParaRPr lang="en-GB"/>
+          </a:p>
+        </p:txBody>
+      </p:sp>
+      <p:sp>
+        <p:nvSpPr>
+          <p:cNvPr id="5" name="TextBox 4">
+            <a:extLst>
+              <a:ext uri="{FF2B5EF4-FFF2-40B4-BE49-F238E27FC236}">
+                <a16:creationId xmlns:a16="http://schemas.microsoft.com/office/drawing/2014/main" id="{DA58A00E-26D8-4C56-B1C6-078EEFA93402}"/>
+              </a:ext>
+            </a:extLst>
+          </p:cNvPr>
+          <p:cNvSpPr txBox="1"/>
+          <p:nvPr/>
+        </p:nvSpPr>
+        <p:spPr>
+          <a:xfrm>
+            <a:off x="8133267" y="1248379"/>
+            <a:ext cx="799526" cy="307777"/>
+          </a:xfrm>
+          <a:prstGeom prst="rect">
+            <a:avLst/>
+          </a:prstGeom>
+          <a:noFill/>
+        </p:spPr>
+        <p:txBody>
+          <a:bodyPr wrap="square" rtlCol="0">
+            <a:spAutoFit/>
+          </a:bodyPr>
+          <a:lstStyle/>
+          <a:p>
+            <a:r>
+              <a:rPr lang="en-GB" sz="1400" dirty="0">
+                <a:solidFill>
+                  <a:schemeClr val="bg1"/>
+                </a:solidFill>
+              </a:rPr>
+              <a:t>1 of 6</a:t>
+            </a:r>
+          </a:p>
+        </p:txBody>
+      </p:sp>
+      <p:sp>
+        <p:nvSpPr>
+          <p:cNvPr id="6" name="Isosceles Triangle 5">
+            <a:extLst>
+              <a:ext uri="{FF2B5EF4-FFF2-40B4-BE49-F238E27FC236}">
+                <a16:creationId xmlns:a16="http://schemas.microsoft.com/office/drawing/2014/main" id="{F98E447F-DF4D-4135-8CF5-21B6B880A137}"/>
+              </a:ext>
+            </a:extLst>
+          </p:cNvPr>
+          <p:cNvSpPr/>
+          <p:nvPr/>
+        </p:nvSpPr>
+        <p:spPr>
+          <a:xfrm rot="16200000">
+            <a:off x="3701318" y="1976506"/>
+            <a:ext cx="105973" cy="134535"/>
+          </a:xfrm>
+          <a:prstGeom prst="triangle">
+            <a:avLst/>
+          </a:prstGeom>
+          <a:solidFill>
+            <a:schemeClr val="bg1"/>
+          </a:solidFill>
+          <a:ln>
+            <a:solidFill>
+              <a:schemeClr val="bg1"/>
+            </a:solidFill>
+          </a:ln>
+        </p:spPr>
+        <p:style>
+          <a:lnRef idx="2">
+            <a:schemeClr val="accent1">
+              <a:shade val="50000"/>
+            </a:schemeClr>
+          </a:lnRef>
+          <a:fillRef idx="1">
+            <a:schemeClr val="accent1"/>
+          </a:fillRef>
+          <a:effectRef idx="0">
+            <a:schemeClr val="accent1"/>
+          </a:effectRef>
+          <a:fontRef idx="minor">
+            <a:schemeClr val="lt1"/>
+          </a:fontRef>
+        </p:style>
+        <p:txBody>
+          <a:bodyPr rtlCol="0" anchor="ctr"/>
+          <a:lstStyle/>
+          <a:p>
+            <a:pPr algn="ctr"/>
+            <a:endParaRPr lang="en-GB"/>
+          </a:p>
+        </p:txBody>
+      </p:sp>
+      <p:sp>
+        <p:nvSpPr>
+          <p:cNvPr id="7" name="Isosceles Triangle 6">
+            <a:extLst>
+              <a:ext uri="{FF2B5EF4-FFF2-40B4-BE49-F238E27FC236}">
+                <a16:creationId xmlns:a16="http://schemas.microsoft.com/office/drawing/2014/main" id="{B88D4EC2-0EDC-4BC3-95B4-DF7FF5DF97F3}"/>
+              </a:ext>
+            </a:extLst>
+          </p:cNvPr>
+          <p:cNvSpPr/>
+          <p:nvPr/>
+        </p:nvSpPr>
+        <p:spPr>
+          <a:xfrm rot="5400000">
+            <a:off x="4853469" y="1976506"/>
+            <a:ext cx="105973" cy="134535"/>
+          </a:xfrm>
+          <a:prstGeom prst="triangle">
+            <a:avLst/>
+          </a:prstGeom>
+          <a:solidFill>
+            <a:schemeClr val="bg1"/>
+          </a:solidFill>
+          <a:ln>
+            <a:solidFill>
+              <a:schemeClr val="bg1"/>
+            </a:solidFill>
+          </a:ln>
+        </p:spPr>
+        <p:style>
+          <a:lnRef idx="2">
+            <a:schemeClr val="accent1">
+              <a:shade val="50000"/>
+            </a:schemeClr>
+          </a:lnRef>
+          <a:fillRef idx="1">
+            <a:schemeClr val="accent1"/>
+          </a:fillRef>
+          <a:effectRef idx="0">
+            <a:schemeClr val="accent1"/>
+          </a:effectRef>
+          <a:fontRef idx="minor">
+            <a:schemeClr val="lt1"/>
+          </a:fontRef>
+        </p:style>
+        <p:txBody>
+          <a:bodyPr rtlCol="0" anchor="ctr"/>
+          <a:lstStyle/>
+          <a:p>
+            <a:pPr algn="ctr"/>
+            <a:endParaRPr lang="en-GB"/>
+          </a:p>
+        </p:txBody>
+      </p:sp>
+      <p:sp>
+        <p:nvSpPr>
+          <p:cNvPr id="8" name="Rectangle: Rounded Corners 7">
+            <a:extLst>
+              <a:ext uri="{FF2B5EF4-FFF2-40B4-BE49-F238E27FC236}">
+                <a16:creationId xmlns:a16="http://schemas.microsoft.com/office/drawing/2014/main" id="{F2950342-78B9-4FE6-B70B-F7795D86ED9D}"/>
+              </a:ext>
+            </a:extLst>
+          </p:cNvPr>
+          <p:cNvSpPr/>
+          <p:nvPr/>
+        </p:nvSpPr>
+        <p:spPr>
+          <a:xfrm>
+            <a:off x="6009204" y="2220612"/>
+            <a:ext cx="828611" cy="373599"/>
+          </a:xfrm>
+          <a:prstGeom prst="roundRect">
+            <a:avLst/>
+          </a:prstGeom>
+          <a:solidFill>
+            <a:srgbClr val="00BBFE"/>
+          </a:solidFill>
+          <a:ln w="38100">
+            <a:solidFill>
+              <a:schemeClr val="bg1"/>
+            </a:solidFill>
+          </a:ln>
+        </p:spPr>
+        <p:style>
+          <a:lnRef idx="2">
+            <a:schemeClr val="accent1">
+              <a:shade val="50000"/>
+            </a:schemeClr>
+          </a:lnRef>
+          <a:fillRef idx="1">
+            <a:schemeClr val="accent1"/>
+          </a:fillRef>
+          <a:effectRef idx="0">
+            <a:schemeClr val="accent1"/>
+          </a:effectRef>
+          <a:fontRef idx="minor">
+            <a:schemeClr val="lt1"/>
+          </a:fontRef>
+        </p:style>
+        <p:txBody>
+          <a:bodyPr rtlCol="0" anchor="ctr"/>
+          <a:lstStyle/>
+          <a:p>
+            <a:pPr algn="ctr"/>
+            <a:endParaRPr lang="en-GB"/>
+          </a:p>
+        </p:txBody>
+      </p:sp>
+      <p:sp>
+        <p:nvSpPr>
+          <p:cNvPr id="9" name="TextBox 8">
+            <a:extLst>
+              <a:ext uri="{FF2B5EF4-FFF2-40B4-BE49-F238E27FC236}">
+                <a16:creationId xmlns:a16="http://schemas.microsoft.com/office/drawing/2014/main" id="{EA26EF65-E45F-4AB6-B804-C08FDDA84C95}"/>
+              </a:ext>
+            </a:extLst>
+          </p:cNvPr>
+          <p:cNvSpPr txBox="1"/>
+          <p:nvPr/>
+        </p:nvSpPr>
+        <p:spPr>
+          <a:xfrm>
+            <a:off x="6182797" y="2234527"/>
+            <a:ext cx="684286" cy="338554"/>
+          </a:xfrm>
+          <a:prstGeom prst="rect">
+            <a:avLst/>
+          </a:prstGeom>
+          <a:noFill/>
+        </p:spPr>
+        <p:txBody>
+          <a:bodyPr wrap="square" rtlCol="0">
+            <a:spAutoFit/>
+          </a:bodyPr>
+          <a:lstStyle/>
+          <a:p>
+            <a:r>
+              <a:rPr lang="en-GB" sz="1600" dirty="0">
+                <a:solidFill>
+                  <a:schemeClr val="bg1"/>
+                </a:solidFill>
+              </a:rPr>
+              <a:t>Skip</a:t>
+            </a:r>
+          </a:p>
+        </p:txBody>
+      </p:sp>
+    </p:spTree>
+    <p:extLst>
+      <p:ext uri="{BB962C8B-B14F-4D97-AF65-F5344CB8AC3E}">
+        <p14:creationId xmlns:p14="http://schemas.microsoft.com/office/powerpoint/2010/main" val="1432349672"/>
+      </p:ext>
+    </p:extLst>
+  </p:cSld>
+  <p:clrMapOvr>
+    <a:masterClrMapping/>
+  </p:clrMapOvr>
+</p:sld>
+</file>
+
+<file path=ppt/slides/slide19.xml><?xml version="1.0" encoding="utf-8"?>
+<p:sld xmlns:a="http://schemas.openxmlformats.org/drawingml/2006/main" xmlns:r="http://schemas.openxmlformats.org/officeDocument/2006/relationships" xmlns:p="http://schemas.openxmlformats.org/presentationml/2006/main">
+  <p:cSld>
+    <p:spTree>
+      <p:nvGrpSpPr>
+        <p:cNvPr id="1" name=""/>
+        <p:cNvGrpSpPr/>
+        <p:nvPr/>
+      </p:nvGrpSpPr>
+      <p:grpSpPr>
+        <a:xfrm>
+          <a:off x="0" y="0"/>
+          <a:ext cx="0" cy="0"/>
+          <a:chOff x="0" y="0"/>
+          <a:chExt cx="0" cy="0"/>
+        </a:xfrm>
+      </p:grpSpPr>
+      <p:sp>
+        <p:nvSpPr>
+          <p:cNvPr id="4" name="TextBox 3">
+            <a:extLst>
+              <a:ext uri="{FF2B5EF4-FFF2-40B4-BE49-F238E27FC236}">
+                <a16:creationId xmlns:a16="http://schemas.microsoft.com/office/drawing/2014/main" id="{8EAA58D9-2F93-4576-A7B5-024AE594E4AB}"/>
+              </a:ext>
+            </a:extLst>
+          </p:cNvPr>
+          <p:cNvSpPr txBox="1"/>
+          <p:nvPr/>
+        </p:nvSpPr>
+        <p:spPr>
+          <a:xfrm>
+            <a:off x="3442625" y="557117"/>
+            <a:ext cx="590423" cy="1862048"/>
+          </a:xfrm>
+          <a:prstGeom prst="rect">
+            <a:avLst/>
+          </a:prstGeom>
+          <a:noFill/>
+        </p:spPr>
+        <p:txBody>
+          <a:bodyPr wrap="square" rtlCol="0">
+            <a:spAutoFit/>
+          </a:bodyPr>
+          <a:lstStyle/>
+          <a:p>
+            <a:r>
+              <a:rPr lang="en-GB" sz="11500" dirty="0">
+                <a:solidFill>
+                  <a:srgbClr val="0CB3EE"/>
+                </a:solidFill>
+                <a:latin typeface="Baskerville Old Face" panose="02020602080505020303" pitchFamily="18" charset="0"/>
+                <a:cs typeface="Aldhabi" panose="01000000000000000000" pitchFamily="2" charset="-78"/>
+              </a:rPr>
+              <a:t>i</a:t>
+            </a:r>
+            <a:endParaRPr lang="en-GB" dirty="0">
+              <a:solidFill>
+                <a:srgbClr val="0CB3EE"/>
+              </a:solidFill>
+              <a:latin typeface="Baskerville Old Face" panose="02020602080505020303" pitchFamily="18" charset="0"/>
+              <a:cs typeface="Aldhabi" panose="01000000000000000000" pitchFamily="2" charset="-78"/>
+            </a:endParaRPr>
+          </a:p>
+        </p:txBody>
+      </p:sp>
+      <p:sp>
+        <p:nvSpPr>
+          <p:cNvPr id="5" name="Oval 4">
+            <a:extLst>
+              <a:ext uri="{FF2B5EF4-FFF2-40B4-BE49-F238E27FC236}">
+                <a16:creationId xmlns:a16="http://schemas.microsoft.com/office/drawing/2014/main" id="{CA80F99A-73AD-434D-AECE-713A3909F61A}"/>
+              </a:ext>
+            </a:extLst>
+          </p:cNvPr>
+          <p:cNvSpPr/>
+          <p:nvPr/>
+        </p:nvSpPr>
+        <p:spPr>
+          <a:xfrm>
+            <a:off x="3009648" y="811454"/>
+            <a:ext cx="1366536" cy="1263263"/>
+          </a:xfrm>
+          <a:prstGeom prst="ellipse">
+            <a:avLst/>
+          </a:prstGeom>
+          <a:noFill/>
+          <a:ln w="76200">
+            <a:solidFill>
+              <a:srgbClr val="0CB3EE"/>
+            </a:solidFill>
+          </a:ln>
+        </p:spPr>
+        <p:style>
+          <a:lnRef idx="2">
+            <a:schemeClr val="accent1">
+              <a:shade val="50000"/>
+            </a:schemeClr>
+          </a:lnRef>
+          <a:fillRef idx="1">
+            <a:schemeClr val="accent1"/>
+          </a:fillRef>
+          <a:effectRef idx="0">
+            <a:schemeClr val="accent1"/>
+          </a:effectRef>
+          <a:fontRef idx="minor">
+            <a:schemeClr val="lt1"/>
+          </a:fontRef>
+        </p:style>
+        <p:txBody>
+          <a:bodyPr rtlCol="0" anchor="ctr"/>
+          <a:lstStyle/>
+          <a:p>
+            <a:pPr algn="ctr"/>
+            <a:endParaRPr lang="en-GB"/>
+          </a:p>
+        </p:txBody>
+      </p:sp>
+    </p:spTree>
+    <p:extLst>
+      <p:ext uri="{BB962C8B-B14F-4D97-AF65-F5344CB8AC3E}">
+        <p14:creationId xmlns:p14="http://schemas.microsoft.com/office/powerpoint/2010/main" val="1810394382"/>
       </p:ext>
     </p:extLst>
   </p:cSld>
@@ -15211,6 +16107,172 @@
           </a:fontRef>
         </p:style>
       </p:cxnSp>
+      <p:sp>
+        <p:nvSpPr>
+          <p:cNvPr id="5" name="TextBox 4">
+            <a:extLst>
+              <a:ext uri="{FF2B5EF4-FFF2-40B4-BE49-F238E27FC236}">
+                <a16:creationId xmlns:a16="http://schemas.microsoft.com/office/drawing/2014/main" id="{CB15960A-7ED0-491E-A90B-DDC4711FB83F}"/>
+              </a:ext>
+            </a:extLst>
+          </p:cNvPr>
+          <p:cNvSpPr txBox="1"/>
+          <p:nvPr/>
+        </p:nvSpPr>
+        <p:spPr>
+          <a:xfrm>
+            <a:off x="7110318" y="2401867"/>
+            <a:ext cx="1883300" cy="646331"/>
+          </a:xfrm>
+          <a:prstGeom prst="rect">
+            <a:avLst/>
+          </a:prstGeom>
+          <a:noFill/>
+        </p:spPr>
+        <p:txBody>
+          <a:bodyPr wrap="square" rtlCol="0">
+            <a:spAutoFit/>
+          </a:bodyPr>
+          <a:lstStyle/>
+          <a:p>
+            <a:r>
+              <a:rPr lang="en-GB" dirty="0">
+                <a:latin typeface="Baskerville Old Face" panose="02020602080505020303" pitchFamily="18" charset="0"/>
+              </a:rPr>
+              <a:t>Select the correct SUVAT Equation</a:t>
+            </a:r>
+          </a:p>
+        </p:txBody>
+      </p:sp>
+      <p:cxnSp>
+        <p:nvCxnSpPr>
+          <p:cNvPr id="6" name="Connector: Curved 5">
+            <a:extLst>
+              <a:ext uri="{FF2B5EF4-FFF2-40B4-BE49-F238E27FC236}">
+                <a16:creationId xmlns:a16="http://schemas.microsoft.com/office/drawing/2014/main" id="{23D60456-C32D-464F-AF4B-84D9FD607306}"/>
+              </a:ext>
+            </a:extLst>
+          </p:cNvPr>
+          <p:cNvCxnSpPr>
+            <a:cxnSpLocks/>
+          </p:cNvCxnSpPr>
+          <p:nvPr/>
+        </p:nvCxnSpPr>
+        <p:spPr>
+          <a:xfrm flipV="1">
+            <a:off x="8907829" y="2246638"/>
+            <a:ext cx="575286" cy="557119"/>
+          </a:xfrm>
+          <a:prstGeom prst="curvedConnector3">
+            <a:avLst>
+              <a:gd name="adj1" fmla="val 50000"/>
+            </a:avLst>
+          </a:prstGeom>
+          <a:ln w="19050">
+            <a:solidFill>
+              <a:schemeClr val="tx1"/>
+            </a:solidFill>
+            <a:tailEnd type="triangle"/>
+          </a:ln>
+        </p:spPr>
+        <p:style>
+          <a:lnRef idx="1">
+            <a:schemeClr val="accent1"/>
+          </a:lnRef>
+          <a:fillRef idx="0">
+            <a:schemeClr val="accent1"/>
+          </a:fillRef>
+          <a:effectRef idx="0">
+            <a:schemeClr val="accent1"/>
+          </a:effectRef>
+          <a:fontRef idx="minor">
+            <a:schemeClr val="tx1"/>
+          </a:fontRef>
+        </p:style>
+      </p:cxnSp>
+      <p:sp>
+        <p:nvSpPr>
+          <p:cNvPr id="13" name="TextBox 12">
+            <a:extLst>
+              <a:ext uri="{FF2B5EF4-FFF2-40B4-BE49-F238E27FC236}">
+                <a16:creationId xmlns:a16="http://schemas.microsoft.com/office/drawing/2014/main" id="{B275AF37-29A5-4861-B0A8-75D61B4F7C63}"/>
+              </a:ext>
+            </a:extLst>
+          </p:cNvPr>
+          <p:cNvSpPr txBox="1"/>
+          <p:nvPr/>
+        </p:nvSpPr>
+        <p:spPr>
+          <a:xfrm>
+            <a:off x="4279310" y="3605317"/>
+            <a:ext cx="1564372" cy="923330"/>
+          </a:xfrm>
+          <a:prstGeom prst="rect">
+            <a:avLst/>
+          </a:prstGeom>
+          <a:noFill/>
+        </p:spPr>
+        <p:txBody>
+          <a:bodyPr wrap="square" rtlCol="0">
+            <a:spAutoFit/>
+          </a:bodyPr>
+          <a:lstStyle/>
+          <a:p>
+            <a:r>
+              <a:rPr lang="en-GB" dirty="0">
+                <a:latin typeface="Baskerville Old Face" panose="02020602080505020303" pitchFamily="18" charset="0"/>
+              </a:rPr>
+              <a:t>Drag and drop into the correct places</a:t>
+            </a:r>
+          </a:p>
+        </p:txBody>
+      </p:sp>
+      <p:cxnSp>
+        <p:nvCxnSpPr>
+          <p:cNvPr id="14" name="Connector: Curved 13">
+            <a:extLst>
+              <a:ext uri="{FF2B5EF4-FFF2-40B4-BE49-F238E27FC236}">
+                <a16:creationId xmlns:a16="http://schemas.microsoft.com/office/drawing/2014/main" id="{D39DA996-4702-4E2B-8E4F-535E6F505A9D}"/>
+              </a:ext>
+            </a:extLst>
+          </p:cNvPr>
+          <p:cNvCxnSpPr>
+            <a:cxnSpLocks/>
+          </p:cNvCxnSpPr>
+          <p:nvPr/>
+        </p:nvCxnSpPr>
+        <p:spPr>
+          <a:xfrm rot="5400000">
+            <a:off x="3638427" y="3979557"/>
+            <a:ext cx="720617" cy="561156"/>
+          </a:xfrm>
+          <a:prstGeom prst="curvedConnector3">
+            <a:avLst>
+              <a:gd name="adj1" fmla="val 50000"/>
+            </a:avLst>
+          </a:prstGeom>
+          <a:ln w="19050">
+            <a:solidFill>
+              <a:schemeClr val="tx1"/>
+            </a:solidFill>
+            <a:tailEnd type="triangle"/>
+          </a:ln>
+        </p:spPr>
+        <p:style>
+          <a:lnRef idx="1">
+            <a:schemeClr val="accent1"/>
+          </a:lnRef>
+          <a:fillRef idx="0">
+            <a:schemeClr val="accent1"/>
+          </a:fillRef>
+          <a:effectRef idx="0">
+            <a:schemeClr val="accent1"/>
+          </a:effectRef>
+          <a:fontRef idx="minor">
+            <a:schemeClr val="tx1"/>
+          </a:fontRef>
+        </p:style>
+      </p:cxnSp>
     </p:spTree>
     <p:extLst>
       <p:ext uri="{BB962C8B-B14F-4D97-AF65-F5344CB8AC3E}">

--- a/Determination of g diagram.pptx
+++ b/Determination of g diagram.pptx
@@ -8457,7 +8457,7 @@
         </p:nvSpPr>
         <p:spPr>
           <a:xfrm>
-            <a:off x="2298111" y="419212"/>
+            <a:off x="1178150" y="1248379"/>
             <a:ext cx="7054808" cy="4747613"/>
           </a:xfrm>
           <a:prstGeom prst="rect">
@@ -8517,7 +8517,7 @@
         </p:blipFill>
         <p:spPr>
           <a:xfrm>
-            <a:off x="4408315" y="3875602"/>
+            <a:off x="5207658" y="597703"/>
             <a:ext cx="3130944" cy="417549"/>
           </a:xfrm>
           <a:prstGeom prst="rect">
@@ -8539,7 +8539,7 @@
         </p:nvSpPr>
         <p:spPr>
           <a:xfrm>
-            <a:off x="3524377" y="1910814"/>
+            <a:off x="2616445" y="597704"/>
             <a:ext cx="1665298" cy="265915"/>
           </a:xfrm>
           <a:prstGeom prst="roundRect">
@@ -8632,7 +8632,7 @@
         </p:nvSpPr>
         <p:spPr>
           <a:xfrm rot="16200000">
-            <a:off x="3701318" y="1976506"/>
+            <a:off x="2859585" y="663395"/>
             <a:ext cx="105973" cy="134535"/>
           </a:xfrm>
           <a:prstGeom prst="triangle">
@@ -8686,7 +8686,7 @@
         </p:nvSpPr>
         <p:spPr>
           <a:xfrm rot="5400000">
-            <a:off x="4853469" y="1976506"/>
+            <a:off x="4011736" y="663395"/>
             <a:ext cx="105973" cy="134535"/>
           </a:xfrm>
           <a:prstGeom prst="triangle">
@@ -8740,7 +8740,7 @@
         </p:nvSpPr>
         <p:spPr>
           <a:xfrm>
-            <a:off x="6009204" y="2220612"/>
+            <a:off x="861919" y="597703"/>
             <a:ext cx="828611" cy="373599"/>
           </a:xfrm>
           <a:prstGeom prst="roundRect">
@@ -8794,7 +8794,7 @@
         </p:nvSpPr>
         <p:spPr>
           <a:xfrm>
-            <a:off x="6182797" y="2234527"/>
+            <a:off x="1006244" y="597703"/>
             <a:ext cx="684286" cy="338554"/>
           </a:xfrm>
           <a:prstGeom prst="rect">
@@ -8819,6 +8819,779 @@
           </a:p>
         </p:txBody>
       </p:sp>
+      <p:sp>
+        <p:nvSpPr>
+          <p:cNvPr id="10" name="Rectangle: Rounded Corners 9">
+            <a:extLst>
+              <a:ext uri="{FF2B5EF4-FFF2-40B4-BE49-F238E27FC236}">
+                <a16:creationId xmlns:a16="http://schemas.microsoft.com/office/drawing/2014/main" id="{E24A4418-A1CA-4018-8560-E6EFA0FB35F3}"/>
+              </a:ext>
+            </a:extLst>
+          </p:cNvPr>
+          <p:cNvSpPr/>
+          <p:nvPr/>
+        </p:nvSpPr>
+        <p:spPr>
+          <a:xfrm>
+            <a:off x="8881874" y="132162"/>
+            <a:ext cx="3088086" cy="2604982"/>
+          </a:xfrm>
+          <a:prstGeom prst="roundRect">
+            <a:avLst/>
+          </a:prstGeom>
+          <a:solidFill>
+            <a:srgbClr val="00BBFE"/>
+          </a:solidFill>
+          <a:ln w="38100">
+            <a:solidFill>
+              <a:schemeClr val="bg1"/>
+            </a:solidFill>
+          </a:ln>
+        </p:spPr>
+        <p:style>
+          <a:lnRef idx="2">
+            <a:schemeClr val="accent1">
+              <a:shade val="50000"/>
+            </a:schemeClr>
+          </a:lnRef>
+          <a:fillRef idx="1">
+            <a:schemeClr val="accent1"/>
+          </a:fillRef>
+          <a:effectRef idx="0">
+            <a:schemeClr val="accent1"/>
+          </a:effectRef>
+          <a:fontRef idx="minor">
+            <a:schemeClr val="lt1"/>
+          </a:fontRef>
+        </p:style>
+        <p:txBody>
+          <a:bodyPr rtlCol="0" anchor="ctr"/>
+          <a:lstStyle/>
+          <a:p>
+            <a:pPr algn="ctr"/>
+            <a:endParaRPr lang="en-GB"/>
+          </a:p>
+        </p:txBody>
+      </p:sp>
+      <p:sp>
+        <p:nvSpPr>
+          <p:cNvPr id="11" name="Rectangle 10">
+            <a:extLst>
+              <a:ext uri="{FF2B5EF4-FFF2-40B4-BE49-F238E27FC236}">
+                <a16:creationId xmlns:a16="http://schemas.microsoft.com/office/drawing/2014/main" id="{8163CB06-246F-4BE8-B848-21BE7EAE212D}"/>
+              </a:ext>
+            </a:extLst>
+          </p:cNvPr>
+          <p:cNvSpPr/>
+          <p:nvPr/>
+        </p:nvSpPr>
+        <p:spPr>
+          <a:xfrm>
+            <a:off x="10062396" y="1052219"/>
+            <a:ext cx="603512" cy="578711"/>
+          </a:xfrm>
+          <a:prstGeom prst="rect">
+            <a:avLst/>
+          </a:prstGeom>
+          <a:solidFill>
+            <a:srgbClr val="00BBFE"/>
+          </a:solidFill>
+          <a:ln w="38100">
+            <a:solidFill>
+              <a:schemeClr val="bg1"/>
+            </a:solidFill>
+          </a:ln>
+        </p:spPr>
+        <p:style>
+          <a:lnRef idx="2">
+            <a:schemeClr val="accent1">
+              <a:shade val="50000"/>
+            </a:schemeClr>
+          </a:lnRef>
+          <a:fillRef idx="1">
+            <a:schemeClr val="accent1"/>
+          </a:fillRef>
+          <a:effectRef idx="0">
+            <a:schemeClr val="accent1"/>
+          </a:effectRef>
+          <a:fontRef idx="minor">
+            <a:schemeClr val="lt1"/>
+          </a:fontRef>
+        </p:style>
+        <p:txBody>
+          <a:bodyPr rtlCol="0" anchor="ctr"/>
+          <a:lstStyle/>
+          <a:p>
+            <a:pPr algn="ctr"/>
+            <a:endParaRPr lang="en-GB"/>
+          </a:p>
+        </p:txBody>
+      </p:sp>
+      <p:sp>
+        <p:nvSpPr>
+          <p:cNvPr id="12" name="Rectangle 11">
+            <a:extLst>
+              <a:ext uri="{FF2B5EF4-FFF2-40B4-BE49-F238E27FC236}">
+                <a16:creationId xmlns:a16="http://schemas.microsoft.com/office/drawing/2014/main" id="{12416B12-8DDC-48D8-A11C-03755859768C}"/>
+              </a:ext>
+            </a:extLst>
+          </p:cNvPr>
+          <p:cNvSpPr/>
+          <p:nvPr/>
+        </p:nvSpPr>
+        <p:spPr>
+          <a:xfrm>
+            <a:off x="10766755" y="1762599"/>
+            <a:ext cx="603512" cy="578711"/>
+          </a:xfrm>
+          <a:prstGeom prst="rect">
+            <a:avLst/>
+          </a:prstGeom>
+          <a:solidFill>
+            <a:srgbClr val="00BBFE"/>
+          </a:solidFill>
+          <a:ln w="38100">
+            <a:solidFill>
+              <a:schemeClr val="bg1"/>
+            </a:solidFill>
+          </a:ln>
+        </p:spPr>
+        <p:style>
+          <a:lnRef idx="2">
+            <a:schemeClr val="accent1">
+              <a:shade val="50000"/>
+            </a:schemeClr>
+          </a:lnRef>
+          <a:fillRef idx="1">
+            <a:schemeClr val="accent1"/>
+          </a:fillRef>
+          <a:effectRef idx="0">
+            <a:schemeClr val="accent1"/>
+          </a:effectRef>
+          <a:fontRef idx="minor">
+            <a:schemeClr val="lt1"/>
+          </a:fontRef>
+        </p:style>
+        <p:txBody>
+          <a:bodyPr rtlCol="0" anchor="ctr"/>
+          <a:lstStyle/>
+          <a:p>
+            <a:pPr algn="ctr"/>
+            <a:endParaRPr lang="en-GB"/>
+          </a:p>
+        </p:txBody>
+      </p:sp>
+      <p:sp>
+        <p:nvSpPr>
+          <p:cNvPr id="13" name="Rectangle 12">
+            <a:extLst>
+              <a:ext uri="{FF2B5EF4-FFF2-40B4-BE49-F238E27FC236}">
+                <a16:creationId xmlns:a16="http://schemas.microsoft.com/office/drawing/2014/main" id="{59D50FA6-84ED-46C5-87AC-555C1B3A6461}"/>
+              </a:ext>
+            </a:extLst>
+          </p:cNvPr>
+          <p:cNvSpPr/>
+          <p:nvPr/>
+        </p:nvSpPr>
+        <p:spPr>
+          <a:xfrm>
+            <a:off x="10062396" y="1765016"/>
+            <a:ext cx="603512" cy="578711"/>
+          </a:xfrm>
+          <a:prstGeom prst="rect">
+            <a:avLst/>
+          </a:prstGeom>
+          <a:solidFill>
+            <a:srgbClr val="00BBFE"/>
+          </a:solidFill>
+          <a:ln w="38100">
+            <a:solidFill>
+              <a:schemeClr val="bg1"/>
+            </a:solidFill>
+          </a:ln>
+        </p:spPr>
+        <p:style>
+          <a:lnRef idx="2">
+            <a:schemeClr val="accent1">
+              <a:shade val="50000"/>
+            </a:schemeClr>
+          </a:lnRef>
+          <a:fillRef idx="1">
+            <a:schemeClr val="accent1"/>
+          </a:fillRef>
+          <a:effectRef idx="0">
+            <a:schemeClr val="accent1"/>
+          </a:effectRef>
+          <a:fontRef idx="minor">
+            <a:schemeClr val="lt1"/>
+          </a:fontRef>
+        </p:style>
+        <p:txBody>
+          <a:bodyPr rtlCol="0" anchor="ctr"/>
+          <a:lstStyle/>
+          <a:p>
+            <a:pPr algn="ctr"/>
+            <a:endParaRPr lang="en-GB"/>
+          </a:p>
+        </p:txBody>
+      </p:sp>
+      <p:sp>
+        <p:nvSpPr>
+          <p:cNvPr id="14" name="Rectangle 13">
+            <a:extLst>
+              <a:ext uri="{FF2B5EF4-FFF2-40B4-BE49-F238E27FC236}">
+                <a16:creationId xmlns:a16="http://schemas.microsoft.com/office/drawing/2014/main" id="{83018660-9441-4259-814E-42F20DB61F08}"/>
+              </a:ext>
+            </a:extLst>
+          </p:cNvPr>
+          <p:cNvSpPr/>
+          <p:nvPr/>
+        </p:nvSpPr>
+        <p:spPr>
+          <a:xfrm>
+            <a:off x="9345445" y="1765016"/>
+            <a:ext cx="603512" cy="578711"/>
+          </a:xfrm>
+          <a:prstGeom prst="rect">
+            <a:avLst/>
+          </a:prstGeom>
+          <a:solidFill>
+            <a:srgbClr val="00BBFE"/>
+          </a:solidFill>
+          <a:ln w="38100">
+            <a:solidFill>
+              <a:schemeClr val="bg1"/>
+            </a:solidFill>
+          </a:ln>
+        </p:spPr>
+        <p:style>
+          <a:lnRef idx="2">
+            <a:schemeClr val="accent1">
+              <a:shade val="50000"/>
+            </a:schemeClr>
+          </a:lnRef>
+          <a:fillRef idx="1">
+            <a:schemeClr val="accent1"/>
+          </a:fillRef>
+          <a:effectRef idx="0">
+            <a:schemeClr val="accent1"/>
+          </a:effectRef>
+          <a:fontRef idx="minor">
+            <a:schemeClr val="lt1"/>
+          </a:fontRef>
+        </p:style>
+        <p:txBody>
+          <a:bodyPr rtlCol="0" anchor="ctr"/>
+          <a:lstStyle/>
+          <a:p>
+            <a:pPr algn="ctr"/>
+            <a:endParaRPr lang="en-GB"/>
+          </a:p>
+        </p:txBody>
+      </p:sp>
+      <p:sp>
+        <p:nvSpPr>
+          <p:cNvPr id="15" name="TextBox 14">
+            <a:extLst>
+              <a:ext uri="{FF2B5EF4-FFF2-40B4-BE49-F238E27FC236}">
+                <a16:creationId xmlns:a16="http://schemas.microsoft.com/office/drawing/2014/main" id="{872635B7-9072-4611-8EA2-7A3C679C0D10}"/>
+              </a:ext>
+            </a:extLst>
+          </p:cNvPr>
+          <p:cNvSpPr txBox="1"/>
+          <p:nvPr/>
+        </p:nvSpPr>
+        <p:spPr>
+          <a:xfrm>
+            <a:off x="10122039" y="1084752"/>
+            <a:ext cx="387147" cy="523220"/>
+          </a:xfrm>
+          <a:prstGeom prst="rect">
+            <a:avLst/>
+          </a:prstGeom>
+          <a:noFill/>
+        </p:spPr>
+        <p:txBody>
+          <a:bodyPr wrap="square" rtlCol="0">
+            <a:spAutoFit/>
+          </a:bodyPr>
+          <a:lstStyle/>
+          <a:p>
+            <a:r>
+              <a:rPr lang="en-GB" sz="2800" b="1" dirty="0">
+                <a:solidFill>
+                  <a:schemeClr val="bg1"/>
+                </a:solidFill>
+              </a:rPr>
+              <a:t>W</a:t>
+            </a:r>
+          </a:p>
+        </p:txBody>
+      </p:sp>
+      <p:sp>
+        <p:nvSpPr>
+          <p:cNvPr id="16" name="TextBox 15">
+            <a:extLst>
+              <a:ext uri="{FF2B5EF4-FFF2-40B4-BE49-F238E27FC236}">
+                <a16:creationId xmlns:a16="http://schemas.microsoft.com/office/drawing/2014/main" id="{76CDB51C-EDE9-4AE0-A149-F54A0F65AA23}"/>
+              </a:ext>
+            </a:extLst>
+          </p:cNvPr>
+          <p:cNvSpPr txBox="1"/>
+          <p:nvPr/>
+        </p:nvSpPr>
+        <p:spPr>
+          <a:xfrm>
+            <a:off x="9436527" y="1790344"/>
+            <a:ext cx="387147" cy="523220"/>
+          </a:xfrm>
+          <a:prstGeom prst="rect">
+            <a:avLst/>
+          </a:prstGeom>
+          <a:noFill/>
+        </p:spPr>
+        <p:txBody>
+          <a:bodyPr wrap="square" rtlCol="0">
+            <a:spAutoFit/>
+          </a:bodyPr>
+          <a:lstStyle/>
+          <a:p>
+            <a:r>
+              <a:rPr lang="en-GB" sz="2800" b="1" dirty="0">
+                <a:solidFill>
+                  <a:schemeClr val="bg1"/>
+                </a:solidFill>
+              </a:rPr>
+              <a:t>A</a:t>
+            </a:r>
+          </a:p>
+        </p:txBody>
+      </p:sp>
+      <p:sp>
+        <p:nvSpPr>
+          <p:cNvPr id="17" name="TextBox 16">
+            <a:extLst>
+              <a:ext uri="{FF2B5EF4-FFF2-40B4-BE49-F238E27FC236}">
+                <a16:creationId xmlns:a16="http://schemas.microsoft.com/office/drawing/2014/main" id="{4B0C0F26-D7CD-4407-8019-D6278F7F6663}"/>
+              </a:ext>
+            </a:extLst>
+          </p:cNvPr>
+          <p:cNvSpPr txBox="1"/>
+          <p:nvPr/>
+        </p:nvSpPr>
+        <p:spPr>
+          <a:xfrm>
+            <a:off x="10186899" y="1797149"/>
+            <a:ext cx="387147" cy="523220"/>
+          </a:xfrm>
+          <a:prstGeom prst="rect">
+            <a:avLst/>
+          </a:prstGeom>
+          <a:noFill/>
+        </p:spPr>
+        <p:txBody>
+          <a:bodyPr wrap="square" rtlCol="0">
+            <a:spAutoFit/>
+          </a:bodyPr>
+          <a:lstStyle/>
+          <a:p>
+            <a:r>
+              <a:rPr lang="en-GB" sz="2800" b="1" dirty="0">
+                <a:solidFill>
+                  <a:schemeClr val="bg1"/>
+                </a:solidFill>
+              </a:rPr>
+              <a:t>S</a:t>
+            </a:r>
+          </a:p>
+        </p:txBody>
+      </p:sp>
+      <p:sp>
+        <p:nvSpPr>
+          <p:cNvPr id="18" name="TextBox 17">
+            <a:extLst>
+              <a:ext uri="{FF2B5EF4-FFF2-40B4-BE49-F238E27FC236}">
+                <a16:creationId xmlns:a16="http://schemas.microsoft.com/office/drawing/2014/main" id="{42FD1069-DA7D-4B30-B7A7-E0EC60889403}"/>
+              </a:ext>
+            </a:extLst>
+          </p:cNvPr>
+          <p:cNvSpPr txBox="1"/>
+          <p:nvPr/>
+        </p:nvSpPr>
+        <p:spPr>
+          <a:xfrm>
+            <a:off x="10867745" y="1790344"/>
+            <a:ext cx="387147" cy="523220"/>
+          </a:xfrm>
+          <a:prstGeom prst="rect">
+            <a:avLst/>
+          </a:prstGeom>
+          <a:noFill/>
+        </p:spPr>
+        <p:txBody>
+          <a:bodyPr wrap="square" rtlCol="0">
+            <a:spAutoFit/>
+          </a:bodyPr>
+          <a:lstStyle/>
+          <a:p>
+            <a:r>
+              <a:rPr lang="en-GB" sz="2800" b="1" dirty="0">
+                <a:solidFill>
+                  <a:schemeClr val="bg1"/>
+                </a:solidFill>
+              </a:rPr>
+              <a:t>D</a:t>
+            </a:r>
+          </a:p>
+        </p:txBody>
+      </p:sp>
+      <p:sp>
+        <p:nvSpPr>
+          <p:cNvPr id="19" name="TextBox 18">
+            <a:extLst>
+              <a:ext uri="{FF2B5EF4-FFF2-40B4-BE49-F238E27FC236}">
+                <a16:creationId xmlns:a16="http://schemas.microsoft.com/office/drawing/2014/main" id="{8742148D-77C9-4BE3-8BFD-2F9FC1493133}"/>
+              </a:ext>
+            </a:extLst>
+          </p:cNvPr>
+          <p:cNvSpPr txBox="1"/>
+          <p:nvPr/>
+        </p:nvSpPr>
+        <p:spPr>
+          <a:xfrm>
+            <a:off x="9156111" y="311299"/>
+            <a:ext cx="2609976" cy="646331"/>
+          </a:xfrm>
+          <a:prstGeom prst="rect">
+            <a:avLst/>
+          </a:prstGeom>
+          <a:noFill/>
+        </p:spPr>
+        <p:txBody>
+          <a:bodyPr wrap="square" rtlCol="0">
+            <a:spAutoFit/>
+          </a:bodyPr>
+          <a:lstStyle/>
+          <a:p>
+            <a:r>
+              <a:rPr lang="en-GB" dirty="0">
+                <a:solidFill>
+                  <a:schemeClr val="bg1"/>
+                </a:solidFill>
+              </a:rPr>
+              <a:t>Use the WASD keys to move around the room</a:t>
+            </a:r>
+          </a:p>
+        </p:txBody>
+      </p:sp>
+      <p:sp>
+        <p:nvSpPr>
+          <p:cNvPr id="20" name="Rectangle: Rounded Corners 19">
+            <a:extLst>
+              <a:ext uri="{FF2B5EF4-FFF2-40B4-BE49-F238E27FC236}">
+                <a16:creationId xmlns:a16="http://schemas.microsoft.com/office/drawing/2014/main" id="{F901B5FD-67D4-45B1-8F98-0C02CE1CB822}"/>
+              </a:ext>
+            </a:extLst>
+          </p:cNvPr>
+          <p:cNvSpPr/>
+          <p:nvPr/>
+        </p:nvSpPr>
+        <p:spPr>
+          <a:xfrm>
+            <a:off x="4974066" y="1630930"/>
+            <a:ext cx="2603756" cy="870045"/>
+          </a:xfrm>
+          <a:prstGeom prst="roundRect">
+            <a:avLst/>
+          </a:prstGeom>
+          <a:solidFill>
+            <a:srgbClr val="00BBFE"/>
+          </a:solidFill>
+          <a:ln w="38100">
+            <a:solidFill>
+              <a:schemeClr val="bg1"/>
+            </a:solidFill>
+          </a:ln>
+        </p:spPr>
+        <p:style>
+          <a:lnRef idx="2">
+            <a:schemeClr val="accent1">
+              <a:shade val="50000"/>
+            </a:schemeClr>
+          </a:lnRef>
+          <a:fillRef idx="1">
+            <a:schemeClr val="accent1"/>
+          </a:fillRef>
+          <a:effectRef idx="0">
+            <a:schemeClr val="accent1"/>
+          </a:effectRef>
+          <a:fontRef idx="minor">
+            <a:schemeClr val="lt1"/>
+          </a:fontRef>
+        </p:style>
+        <p:txBody>
+          <a:bodyPr rtlCol="0" anchor="ctr"/>
+          <a:lstStyle/>
+          <a:p>
+            <a:pPr algn="ctr"/>
+            <a:endParaRPr lang="en-GB"/>
+          </a:p>
+        </p:txBody>
+      </p:sp>
+      <p:sp>
+        <p:nvSpPr>
+          <p:cNvPr id="21" name="TextBox 20">
+            <a:extLst>
+              <a:ext uri="{FF2B5EF4-FFF2-40B4-BE49-F238E27FC236}">
+                <a16:creationId xmlns:a16="http://schemas.microsoft.com/office/drawing/2014/main" id="{19019DD8-D0E0-4C71-85D0-654F70288CD0}"/>
+              </a:ext>
+            </a:extLst>
+          </p:cNvPr>
+          <p:cNvSpPr txBox="1"/>
+          <p:nvPr/>
+        </p:nvSpPr>
+        <p:spPr>
+          <a:xfrm>
+            <a:off x="5123819" y="1779422"/>
+            <a:ext cx="2609976" cy="646331"/>
+          </a:xfrm>
+          <a:prstGeom prst="rect">
+            <a:avLst/>
+          </a:prstGeom>
+          <a:noFill/>
+        </p:spPr>
+        <p:txBody>
+          <a:bodyPr wrap="square" rtlCol="0">
+            <a:spAutoFit/>
+          </a:bodyPr>
+          <a:lstStyle/>
+          <a:p>
+            <a:r>
+              <a:rPr lang="en-GB" dirty="0">
+                <a:solidFill>
+                  <a:schemeClr val="bg1"/>
+                </a:solidFill>
+              </a:rPr>
+              <a:t>Use the mouse to look around</a:t>
+            </a:r>
+          </a:p>
+        </p:txBody>
+      </p:sp>
+      <p:sp>
+        <p:nvSpPr>
+          <p:cNvPr id="22" name="Rectangle: Rounded Corners 21">
+            <a:extLst>
+              <a:ext uri="{FF2B5EF4-FFF2-40B4-BE49-F238E27FC236}">
+                <a16:creationId xmlns:a16="http://schemas.microsoft.com/office/drawing/2014/main" id="{33B67DA7-ECBB-43A1-AF73-BC0D51C0A6B1}"/>
+              </a:ext>
+            </a:extLst>
+          </p:cNvPr>
+          <p:cNvSpPr/>
+          <p:nvPr/>
+        </p:nvSpPr>
+        <p:spPr>
+          <a:xfrm>
+            <a:off x="1690530" y="2551072"/>
+            <a:ext cx="3686870" cy="3070204"/>
+          </a:xfrm>
+          <a:prstGeom prst="roundRect">
+            <a:avLst/>
+          </a:prstGeom>
+          <a:solidFill>
+            <a:srgbClr val="00BBFE"/>
+          </a:solidFill>
+          <a:ln w="38100">
+            <a:solidFill>
+              <a:schemeClr val="bg1"/>
+            </a:solidFill>
+          </a:ln>
+        </p:spPr>
+        <p:style>
+          <a:lnRef idx="2">
+            <a:schemeClr val="accent1">
+              <a:shade val="50000"/>
+            </a:schemeClr>
+          </a:lnRef>
+          <a:fillRef idx="1">
+            <a:schemeClr val="accent1"/>
+          </a:fillRef>
+          <a:effectRef idx="0">
+            <a:schemeClr val="accent1"/>
+          </a:effectRef>
+          <a:fontRef idx="minor">
+            <a:schemeClr val="lt1"/>
+          </a:fontRef>
+        </p:style>
+        <p:txBody>
+          <a:bodyPr rtlCol="0" anchor="ctr"/>
+          <a:lstStyle/>
+          <a:p>
+            <a:pPr algn="ctr"/>
+            <a:endParaRPr lang="en-GB"/>
+          </a:p>
+        </p:txBody>
+      </p:sp>
+      <p:sp>
+        <p:nvSpPr>
+          <p:cNvPr id="23" name="TextBox 22">
+            <a:extLst>
+              <a:ext uri="{FF2B5EF4-FFF2-40B4-BE49-F238E27FC236}">
+                <a16:creationId xmlns:a16="http://schemas.microsoft.com/office/drawing/2014/main" id="{F0111CE6-1FC7-478A-9B9E-C96C945C4BBC}"/>
+              </a:ext>
+            </a:extLst>
+          </p:cNvPr>
+          <p:cNvSpPr txBox="1"/>
+          <p:nvPr/>
+        </p:nvSpPr>
+        <p:spPr>
+          <a:xfrm>
+            <a:off x="1937809" y="2782669"/>
+            <a:ext cx="3022570" cy="646331"/>
+          </a:xfrm>
+          <a:prstGeom prst="rect">
+            <a:avLst/>
+          </a:prstGeom>
+          <a:noFill/>
+        </p:spPr>
+        <p:txBody>
+          <a:bodyPr wrap="square" rtlCol="0">
+            <a:spAutoFit/>
+          </a:bodyPr>
+          <a:lstStyle/>
+          <a:p>
+            <a:r>
+              <a:rPr lang="en-GB" dirty="0">
+                <a:solidFill>
+                  <a:schemeClr val="bg1"/>
+                </a:solidFill>
+              </a:rPr>
+              <a:t>Use left mouse button to interact with the environment </a:t>
+            </a:r>
+          </a:p>
+        </p:txBody>
+      </p:sp>
+      <p:sp>
+        <p:nvSpPr>
+          <p:cNvPr id="24" name="TextBox 23">
+            <a:extLst>
+              <a:ext uri="{FF2B5EF4-FFF2-40B4-BE49-F238E27FC236}">
+                <a16:creationId xmlns:a16="http://schemas.microsoft.com/office/drawing/2014/main" id="{24064F08-C664-47AA-99B0-10567A510BBC}"/>
+              </a:ext>
+            </a:extLst>
+          </p:cNvPr>
+          <p:cNvSpPr txBox="1"/>
+          <p:nvPr/>
+        </p:nvSpPr>
+        <p:spPr>
+          <a:xfrm>
+            <a:off x="1937809" y="3536427"/>
+            <a:ext cx="3022570" cy="923330"/>
+          </a:xfrm>
+          <a:prstGeom prst="rect">
+            <a:avLst/>
+          </a:prstGeom>
+          <a:noFill/>
+        </p:spPr>
+        <p:txBody>
+          <a:bodyPr wrap="square" rtlCol="0">
+            <a:spAutoFit/>
+          </a:bodyPr>
+          <a:lstStyle/>
+          <a:p>
+            <a:r>
+              <a:rPr lang="en-GB" dirty="0">
+                <a:solidFill>
+                  <a:schemeClr val="bg1"/>
+                </a:solidFill>
+              </a:rPr>
+              <a:t>Hold left button to pick up an object when ‘Pick Up’ appears and release to drop</a:t>
+            </a:r>
+          </a:p>
+        </p:txBody>
+      </p:sp>
+      <p:sp>
+        <p:nvSpPr>
+          <p:cNvPr id="25" name="TextBox 24">
+            <a:extLst>
+              <a:ext uri="{FF2B5EF4-FFF2-40B4-BE49-F238E27FC236}">
+                <a16:creationId xmlns:a16="http://schemas.microsoft.com/office/drawing/2014/main" id="{C742D8BD-A7BB-4AA5-9F1B-7926D11B676A}"/>
+              </a:ext>
+            </a:extLst>
+          </p:cNvPr>
+          <p:cNvSpPr txBox="1"/>
+          <p:nvPr/>
+        </p:nvSpPr>
+        <p:spPr>
+          <a:xfrm>
+            <a:off x="1946866" y="4532008"/>
+            <a:ext cx="3022570" cy="923330"/>
+          </a:xfrm>
+          <a:prstGeom prst="rect">
+            <a:avLst/>
+          </a:prstGeom>
+          <a:noFill/>
+        </p:spPr>
+        <p:txBody>
+          <a:bodyPr wrap="square" rtlCol="0">
+            <a:spAutoFit/>
+          </a:bodyPr>
+          <a:lstStyle/>
+          <a:p>
+            <a:r>
+              <a:rPr lang="en-GB" dirty="0">
+                <a:solidFill>
+                  <a:schemeClr val="bg1"/>
+                </a:solidFill>
+              </a:rPr>
+              <a:t>Release mouse button over the build area to put together the apparatus</a:t>
+            </a:r>
+          </a:p>
+        </p:txBody>
+      </p:sp>
+      <p:cxnSp>
+        <p:nvCxnSpPr>
+          <p:cNvPr id="27" name="Connector: Curved 26">
+            <a:extLst>
+              <a:ext uri="{FF2B5EF4-FFF2-40B4-BE49-F238E27FC236}">
+                <a16:creationId xmlns:a16="http://schemas.microsoft.com/office/drawing/2014/main" id="{1A3FFA43-2FFF-4FEE-8154-7F06BC965AB0}"/>
+              </a:ext>
+            </a:extLst>
+          </p:cNvPr>
+          <p:cNvCxnSpPr>
+            <a:cxnSpLocks/>
+          </p:cNvCxnSpPr>
+          <p:nvPr/>
+        </p:nvCxnSpPr>
+        <p:spPr>
+          <a:xfrm rot="10800000">
+            <a:off x="8992405" y="3536428"/>
+            <a:ext cx="1261787" cy="549746"/>
+          </a:xfrm>
+          <a:prstGeom prst="curvedConnector3">
+            <a:avLst/>
+          </a:prstGeom>
+          <a:ln w="38100">
+            <a:solidFill>
+              <a:srgbClr val="0CB3EE"/>
+            </a:solidFill>
+            <a:tailEnd type="triangle"/>
+          </a:ln>
+        </p:spPr>
+        <p:style>
+          <a:lnRef idx="1">
+            <a:schemeClr val="accent1"/>
+          </a:lnRef>
+          <a:fillRef idx="0">
+            <a:schemeClr val="accent1"/>
+          </a:fillRef>
+          <a:effectRef idx="0">
+            <a:schemeClr val="accent1"/>
+          </a:effectRef>
+          <a:fontRef idx="minor">
+            <a:schemeClr val="tx1"/>
+          </a:fontRef>
+        </p:style>
+      </p:cxnSp>
     </p:spTree>
     <p:extLst>
       <p:ext uri="{BB962C8B-B14F-4D97-AF65-F5344CB8AC3E}">
@@ -8851,6 +9624,52 @@
       </p:grpSpPr>
       <p:sp>
         <p:nvSpPr>
+          <p:cNvPr id="7" name="Rectangle 6">
+            <a:extLst>
+              <a:ext uri="{FF2B5EF4-FFF2-40B4-BE49-F238E27FC236}">
+                <a16:creationId xmlns:a16="http://schemas.microsoft.com/office/drawing/2014/main" id="{F19992AA-2257-404B-B087-CB5F55FD87DE}"/>
+              </a:ext>
+            </a:extLst>
+          </p:cNvPr>
+          <p:cNvSpPr/>
+          <p:nvPr/>
+        </p:nvSpPr>
+        <p:spPr>
+          <a:xfrm>
+            <a:off x="2136979" y="1009746"/>
+            <a:ext cx="9247604" cy="5033772"/>
+          </a:xfrm>
+          <a:prstGeom prst="rect">
+            <a:avLst/>
+          </a:prstGeom>
+        </p:spPr>
+        <p:style>
+          <a:lnRef idx="2">
+            <a:schemeClr val="accent1">
+              <a:shade val="50000"/>
+            </a:schemeClr>
+          </a:lnRef>
+          <a:fillRef idx="1">
+            <a:schemeClr val="accent1"/>
+          </a:fillRef>
+          <a:effectRef idx="0">
+            <a:schemeClr val="accent1"/>
+          </a:effectRef>
+          <a:fontRef idx="minor">
+            <a:schemeClr val="lt1"/>
+          </a:fontRef>
+        </p:style>
+        <p:txBody>
+          <a:bodyPr rtlCol="0" anchor="ctr"/>
+          <a:lstStyle/>
+          <a:p>
+            <a:pPr algn="ctr"/>
+            <a:endParaRPr lang="en-GB"/>
+          </a:p>
+        </p:txBody>
+      </p:sp>
+      <p:sp>
+        <p:nvSpPr>
           <p:cNvPr id="4" name="TextBox 3">
             <a:extLst>
               <a:ext uri="{FF2B5EF4-FFF2-40B4-BE49-F238E27FC236}">
@@ -8863,7 +9682,7 @@
         </p:nvSpPr>
         <p:spPr>
           <a:xfrm>
-            <a:off x="3442625" y="557117"/>
+            <a:off x="889167" y="78723"/>
             <a:ext cx="590423" cy="1862048"/>
           </a:xfrm>
           <a:prstGeom prst="rect">
@@ -8911,7 +9730,7 @@
         </p:nvSpPr>
         <p:spPr>
           <a:xfrm>
-            <a:off x="3009648" y="811454"/>
+            <a:off x="450134" y="378115"/>
             <a:ext cx="1366536" cy="1263263"/>
           </a:xfrm>
           <a:prstGeom prst="ellipse">
@@ -8946,6 +9765,794 @@
           <a:p>
             <a:pPr algn="ctr"/>
             <a:endParaRPr lang="en-GB"/>
+          </a:p>
+        </p:txBody>
+      </p:sp>
+      <p:sp>
+        <p:nvSpPr>
+          <p:cNvPr id="6" name="Rectangle: Rounded Corners 5">
+            <a:extLst>
+              <a:ext uri="{FF2B5EF4-FFF2-40B4-BE49-F238E27FC236}">
+                <a16:creationId xmlns:a16="http://schemas.microsoft.com/office/drawing/2014/main" id="{E27099C3-06FA-4A9D-8E70-A8E63BC740A7}"/>
+              </a:ext>
+            </a:extLst>
+          </p:cNvPr>
+          <p:cNvSpPr/>
+          <p:nvPr/>
+        </p:nvSpPr>
+        <p:spPr>
+          <a:xfrm>
+            <a:off x="10076568" y="239460"/>
+            <a:ext cx="1665298" cy="265915"/>
+          </a:xfrm>
+          <a:prstGeom prst="roundRect">
+            <a:avLst/>
+          </a:prstGeom>
+          <a:solidFill>
+            <a:srgbClr val="00BBFE"/>
+          </a:solidFill>
+          <a:ln w="38100">
+            <a:solidFill>
+              <a:schemeClr val="bg1"/>
+            </a:solidFill>
+          </a:ln>
+        </p:spPr>
+        <p:style>
+          <a:lnRef idx="2">
+            <a:schemeClr val="accent1">
+              <a:shade val="50000"/>
+            </a:schemeClr>
+          </a:lnRef>
+          <a:fillRef idx="1">
+            <a:schemeClr val="accent1"/>
+          </a:fillRef>
+          <a:effectRef idx="0">
+            <a:schemeClr val="accent1"/>
+          </a:effectRef>
+          <a:fontRef idx="minor">
+            <a:schemeClr val="lt1"/>
+          </a:fontRef>
+        </p:style>
+        <p:txBody>
+          <a:bodyPr rtlCol="0" anchor="ctr"/>
+          <a:lstStyle/>
+          <a:p>
+            <a:pPr algn="ctr"/>
+            <a:endParaRPr lang="en-GB"/>
+          </a:p>
+        </p:txBody>
+      </p:sp>
+      <p:sp>
+        <p:nvSpPr>
+          <p:cNvPr id="3" name="Rectangle: Rounded Corners 2">
+            <a:extLst>
+              <a:ext uri="{FF2B5EF4-FFF2-40B4-BE49-F238E27FC236}">
+                <a16:creationId xmlns:a16="http://schemas.microsoft.com/office/drawing/2014/main" id="{6CDDDB91-D089-465B-B07C-15D91571DFA0}"/>
+              </a:ext>
+            </a:extLst>
+          </p:cNvPr>
+          <p:cNvSpPr/>
+          <p:nvPr/>
+        </p:nvSpPr>
+        <p:spPr>
+          <a:xfrm>
+            <a:off x="5480344" y="1587494"/>
+            <a:ext cx="1962024" cy="3488042"/>
+          </a:xfrm>
+          <a:prstGeom prst="roundRect">
+            <a:avLst/>
+          </a:prstGeom>
+          <a:solidFill>
+            <a:srgbClr val="00BBFE"/>
+          </a:solidFill>
+          <a:ln w="38100">
+            <a:solidFill>
+              <a:schemeClr val="bg1"/>
+            </a:solidFill>
+          </a:ln>
+        </p:spPr>
+        <p:style>
+          <a:lnRef idx="2">
+            <a:schemeClr val="accent1">
+              <a:shade val="50000"/>
+            </a:schemeClr>
+          </a:lnRef>
+          <a:fillRef idx="1">
+            <a:schemeClr val="accent1"/>
+          </a:fillRef>
+          <a:effectRef idx="0">
+            <a:schemeClr val="accent1"/>
+          </a:effectRef>
+          <a:fontRef idx="minor">
+            <a:schemeClr val="lt1"/>
+          </a:fontRef>
+        </p:style>
+        <p:txBody>
+          <a:bodyPr rtlCol="0" anchor="ctr"/>
+          <a:lstStyle/>
+          <a:p>
+            <a:pPr algn="ctr"/>
+            <a:endParaRPr lang="en-GB"/>
+          </a:p>
+        </p:txBody>
+      </p:sp>
+      <p:sp>
+        <p:nvSpPr>
+          <p:cNvPr id="8" name="TextBox 7">
+            <a:extLst>
+              <a:ext uri="{FF2B5EF4-FFF2-40B4-BE49-F238E27FC236}">
+                <a16:creationId xmlns:a16="http://schemas.microsoft.com/office/drawing/2014/main" id="{CADC392D-DC78-43E5-A33A-F0F65B11C27C}"/>
+              </a:ext>
+            </a:extLst>
+          </p:cNvPr>
+          <p:cNvSpPr txBox="1"/>
+          <p:nvPr/>
+        </p:nvSpPr>
+        <p:spPr>
+          <a:xfrm>
+            <a:off x="5734680" y="1790288"/>
+            <a:ext cx="1453351" cy="400110"/>
+          </a:xfrm>
+          <a:prstGeom prst="rect">
+            <a:avLst/>
+          </a:prstGeom>
+          <a:noFill/>
+        </p:spPr>
+        <p:txBody>
+          <a:bodyPr wrap="square" rtlCol="0">
+            <a:spAutoFit/>
+          </a:bodyPr>
+          <a:lstStyle/>
+          <a:p>
+            <a:r>
+              <a:rPr lang="en-GB" sz="2000" b="1" dirty="0">
+                <a:solidFill>
+                  <a:schemeClr val="bg1"/>
+                </a:solidFill>
+              </a:rPr>
+              <a:t>Main Menu</a:t>
+            </a:r>
+          </a:p>
+        </p:txBody>
+      </p:sp>
+      <p:sp>
+        <p:nvSpPr>
+          <p:cNvPr id="9" name="Rectangle: Rounded Corners 8">
+            <a:extLst>
+              <a:ext uri="{FF2B5EF4-FFF2-40B4-BE49-F238E27FC236}">
+                <a16:creationId xmlns:a16="http://schemas.microsoft.com/office/drawing/2014/main" id="{7EB60A87-8D36-47ED-9942-3E5A1B601D0F}"/>
+              </a:ext>
+            </a:extLst>
+          </p:cNvPr>
+          <p:cNvSpPr/>
+          <p:nvPr/>
+        </p:nvSpPr>
+        <p:spPr>
+          <a:xfrm>
+            <a:off x="5734681" y="2457946"/>
+            <a:ext cx="1453351" cy="309841"/>
+          </a:xfrm>
+          <a:prstGeom prst="roundRect">
+            <a:avLst/>
+          </a:prstGeom>
+          <a:solidFill>
+            <a:srgbClr val="00BBFE"/>
+          </a:solidFill>
+          <a:ln w="38100">
+            <a:solidFill>
+              <a:schemeClr val="bg1"/>
+            </a:solidFill>
+          </a:ln>
+        </p:spPr>
+        <p:style>
+          <a:lnRef idx="2">
+            <a:schemeClr val="accent1">
+              <a:shade val="50000"/>
+            </a:schemeClr>
+          </a:lnRef>
+          <a:fillRef idx="1">
+            <a:schemeClr val="accent1"/>
+          </a:fillRef>
+          <a:effectRef idx="0">
+            <a:schemeClr val="accent1"/>
+          </a:effectRef>
+          <a:fontRef idx="minor">
+            <a:schemeClr val="lt1"/>
+          </a:fontRef>
+        </p:style>
+        <p:txBody>
+          <a:bodyPr rtlCol="0" anchor="ctr"/>
+          <a:lstStyle/>
+          <a:p>
+            <a:pPr algn="ctr"/>
+            <a:endParaRPr lang="en-GB"/>
+          </a:p>
+        </p:txBody>
+      </p:sp>
+      <p:sp>
+        <p:nvSpPr>
+          <p:cNvPr id="10" name="Rectangle: Rounded Corners 9">
+            <a:extLst>
+              <a:ext uri="{FF2B5EF4-FFF2-40B4-BE49-F238E27FC236}">
+                <a16:creationId xmlns:a16="http://schemas.microsoft.com/office/drawing/2014/main" id="{36E53DAA-ECA6-4FD2-9D57-548C0367DEAC}"/>
+              </a:ext>
+            </a:extLst>
+          </p:cNvPr>
+          <p:cNvSpPr/>
+          <p:nvPr/>
+        </p:nvSpPr>
+        <p:spPr>
+          <a:xfrm>
+            <a:off x="5734681" y="3048787"/>
+            <a:ext cx="1453351" cy="309841"/>
+          </a:xfrm>
+          <a:prstGeom prst="roundRect">
+            <a:avLst/>
+          </a:prstGeom>
+          <a:solidFill>
+            <a:srgbClr val="00BBFE"/>
+          </a:solidFill>
+          <a:ln w="38100">
+            <a:solidFill>
+              <a:schemeClr val="bg1"/>
+            </a:solidFill>
+          </a:ln>
+        </p:spPr>
+        <p:style>
+          <a:lnRef idx="2">
+            <a:schemeClr val="accent1">
+              <a:shade val="50000"/>
+            </a:schemeClr>
+          </a:lnRef>
+          <a:fillRef idx="1">
+            <a:schemeClr val="accent1"/>
+          </a:fillRef>
+          <a:effectRef idx="0">
+            <a:schemeClr val="accent1"/>
+          </a:effectRef>
+          <a:fontRef idx="minor">
+            <a:schemeClr val="lt1"/>
+          </a:fontRef>
+        </p:style>
+        <p:txBody>
+          <a:bodyPr rtlCol="0" anchor="ctr"/>
+          <a:lstStyle/>
+          <a:p>
+            <a:pPr algn="ctr"/>
+            <a:endParaRPr lang="en-GB"/>
+          </a:p>
+        </p:txBody>
+      </p:sp>
+      <p:sp>
+        <p:nvSpPr>
+          <p:cNvPr id="11" name="Rectangle: Rounded Corners 10">
+            <a:extLst>
+              <a:ext uri="{FF2B5EF4-FFF2-40B4-BE49-F238E27FC236}">
+                <a16:creationId xmlns:a16="http://schemas.microsoft.com/office/drawing/2014/main" id="{D57C1AE4-7922-45C7-B3D2-7632FDA51D5F}"/>
+              </a:ext>
+            </a:extLst>
+          </p:cNvPr>
+          <p:cNvSpPr/>
+          <p:nvPr/>
+        </p:nvSpPr>
+        <p:spPr>
+          <a:xfrm>
+            <a:off x="5734680" y="3639628"/>
+            <a:ext cx="1453351" cy="309841"/>
+          </a:xfrm>
+          <a:prstGeom prst="roundRect">
+            <a:avLst/>
+          </a:prstGeom>
+          <a:solidFill>
+            <a:srgbClr val="00BBFE"/>
+          </a:solidFill>
+          <a:ln w="38100">
+            <a:solidFill>
+              <a:schemeClr val="bg1"/>
+            </a:solidFill>
+          </a:ln>
+        </p:spPr>
+        <p:style>
+          <a:lnRef idx="2">
+            <a:schemeClr val="accent1">
+              <a:shade val="50000"/>
+            </a:schemeClr>
+          </a:lnRef>
+          <a:fillRef idx="1">
+            <a:schemeClr val="accent1"/>
+          </a:fillRef>
+          <a:effectRef idx="0">
+            <a:schemeClr val="accent1"/>
+          </a:effectRef>
+          <a:fontRef idx="minor">
+            <a:schemeClr val="lt1"/>
+          </a:fontRef>
+        </p:style>
+        <p:txBody>
+          <a:bodyPr rtlCol="0" anchor="ctr"/>
+          <a:lstStyle/>
+          <a:p>
+            <a:pPr algn="ctr"/>
+            <a:endParaRPr lang="en-GB"/>
+          </a:p>
+        </p:txBody>
+      </p:sp>
+      <p:sp>
+        <p:nvSpPr>
+          <p:cNvPr id="12" name="TextBox 11">
+            <a:extLst>
+              <a:ext uri="{FF2B5EF4-FFF2-40B4-BE49-F238E27FC236}">
+                <a16:creationId xmlns:a16="http://schemas.microsoft.com/office/drawing/2014/main" id="{CC943BE4-1B61-49A8-9D75-0A111DA19354}"/>
+              </a:ext>
+            </a:extLst>
+          </p:cNvPr>
+          <p:cNvSpPr txBox="1"/>
+          <p:nvPr/>
+        </p:nvSpPr>
+        <p:spPr>
+          <a:xfrm>
+            <a:off x="5958738" y="2443590"/>
+            <a:ext cx="1005234" cy="338554"/>
+          </a:xfrm>
+          <a:prstGeom prst="rect">
+            <a:avLst/>
+          </a:prstGeom>
+          <a:noFill/>
+        </p:spPr>
+        <p:txBody>
+          <a:bodyPr wrap="square" rtlCol="0">
+            <a:spAutoFit/>
+          </a:bodyPr>
+          <a:lstStyle/>
+          <a:p>
+            <a:r>
+              <a:rPr lang="en-GB" sz="1600" dirty="0">
+                <a:solidFill>
+                  <a:schemeClr val="bg1"/>
+                </a:solidFill>
+              </a:rPr>
+              <a:t>Continue</a:t>
+            </a:r>
+          </a:p>
+        </p:txBody>
+      </p:sp>
+      <p:sp>
+        <p:nvSpPr>
+          <p:cNvPr id="13" name="TextBox 12">
+            <a:extLst>
+              <a:ext uri="{FF2B5EF4-FFF2-40B4-BE49-F238E27FC236}">
+                <a16:creationId xmlns:a16="http://schemas.microsoft.com/office/drawing/2014/main" id="{B33CAC0D-8BBC-4B98-A793-4CCFDB03DE25}"/>
+              </a:ext>
+            </a:extLst>
+          </p:cNvPr>
+          <p:cNvSpPr txBox="1"/>
+          <p:nvPr/>
+        </p:nvSpPr>
+        <p:spPr>
+          <a:xfrm>
+            <a:off x="6061685" y="3039741"/>
+            <a:ext cx="1005234" cy="338554"/>
+          </a:xfrm>
+          <a:prstGeom prst="rect">
+            <a:avLst/>
+          </a:prstGeom>
+          <a:noFill/>
+        </p:spPr>
+        <p:txBody>
+          <a:bodyPr wrap="square" rtlCol="0">
+            <a:spAutoFit/>
+          </a:bodyPr>
+          <a:lstStyle/>
+          <a:p>
+            <a:r>
+              <a:rPr lang="en-GB" sz="1600" dirty="0">
+                <a:solidFill>
+                  <a:schemeClr val="bg1"/>
+                </a:solidFill>
+              </a:rPr>
+              <a:t>Tutorial</a:t>
+            </a:r>
+          </a:p>
+        </p:txBody>
+      </p:sp>
+      <p:sp>
+        <p:nvSpPr>
+          <p:cNvPr id="14" name="Rectangle: Rounded Corners 13">
+            <a:extLst>
+              <a:ext uri="{FF2B5EF4-FFF2-40B4-BE49-F238E27FC236}">
+                <a16:creationId xmlns:a16="http://schemas.microsoft.com/office/drawing/2014/main" id="{074E45B3-68BB-4A6F-B63D-EF369EF41786}"/>
+              </a:ext>
+            </a:extLst>
+          </p:cNvPr>
+          <p:cNvSpPr/>
+          <p:nvPr/>
+        </p:nvSpPr>
+        <p:spPr>
+          <a:xfrm>
+            <a:off x="5734680" y="4202661"/>
+            <a:ext cx="1453351" cy="309841"/>
+          </a:xfrm>
+          <a:prstGeom prst="roundRect">
+            <a:avLst/>
+          </a:prstGeom>
+          <a:solidFill>
+            <a:srgbClr val="00BBFE"/>
+          </a:solidFill>
+          <a:ln w="38100">
+            <a:solidFill>
+              <a:schemeClr val="bg1"/>
+            </a:solidFill>
+          </a:ln>
+        </p:spPr>
+        <p:style>
+          <a:lnRef idx="2">
+            <a:schemeClr val="accent1">
+              <a:shade val="50000"/>
+            </a:schemeClr>
+          </a:lnRef>
+          <a:fillRef idx="1">
+            <a:schemeClr val="accent1"/>
+          </a:fillRef>
+          <a:effectRef idx="0">
+            <a:schemeClr val="accent1"/>
+          </a:effectRef>
+          <a:fontRef idx="minor">
+            <a:schemeClr val="lt1"/>
+          </a:fontRef>
+        </p:style>
+        <p:txBody>
+          <a:bodyPr rtlCol="0" anchor="ctr"/>
+          <a:lstStyle/>
+          <a:p>
+            <a:pPr algn="ctr"/>
+            <a:endParaRPr lang="en-GB"/>
+          </a:p>
+        </p:txBody>
+      </p:sp>
+      <p:sp>
+        <p:nvSpPr>
+          <p:cNvPr id="15" name="TextBox 14">
+            <a:extLst>
+              <a:ext uri="{FF2B5EF4-FFF2-40B4-BE49-F238E27FC236}">
+                <a16:creationId xmlns:a16="http://schemas.microsoft.com/office/drawing/2014/main" id="{4E29B5FE-4B7D-4D14-9680-10D125BE8230}"/>
+              </a:ext>
+            </a:extLst>
+          </p:cNvPr>
+          <p:cNvSpPr txBox="1"/>
+          <p:nvPr/>
+        </p:nvSpPr>
+        <p:spPr>
+          <a:xfrm>
+            <a:off x="6031407" y="3619496"/>
+            <a:ext cx="1005234" cy="338554"/>
+          </a:xfrm>
+          <a:prstGeom prst="rect">
+            <a:avLst/>
+          </a:prstGeom>
+          <a:noFill/>
+        </p:spPr>
+        <p:txBody>
+          <a:bodyPr wrap="square" rtlCol="0">
+            <a:spAutoFit/>
+          </a:bodyPr>
+          <a:lstStyle/>
+          <a:p>
+            <a:r>
+              <a:rPr lang="en-GB" sz="1600" dirty="0">
+                <a:solidFill>
+                  <a:schemeClr val="bg1"/>
+                </a:solidFill>
+              </a:rPr>
+              <a:t>Settings</a:t>
+            </a:r>
+          </a:p>
+        </p:txBody>
+      </p:sp>
+      <p:sp>
+        <p:nvSpPr>
+          <p:cNvPr id="16" name="TextBox 15">
+            <a:extLst>
+              <a:ext uri="{FF2B5EF4-FFF2-40B4-BE49-F238E27FC236}">
+                <a16:creationId xmlns:a16="http://schemas.microsoft.com/office/drawing/2014/main" id="{071F558F-B5D8-4EDF-9DFD-47E36309CD11}"/>
+              </a:ext>
+            </a:extLst>
+          </p:cNvPr>
+          <p:cNvSpPr txBox="1"/>
+          <p:nvPr/>
+        </p:nvSpPr>
+        <p:spPr>
+          <a:xfrm>
+            <a:off x="5955712" y="4173948"/>
+            <a:ext cx="1156624" cy="338554"/>
+          </a:xfrm>
+          <a:prstGeom prst="rect">
+            <a:avLst/>
+          </a:prstGeom>
+          <a:noFill/>
+        </p:spPr>
+        <p:txBody>
+          <a:bodyPr wrap="square" rtlCol="0">
+            <a:spAutoFit/>
+          </a:bodyPr>
+          <a:lstStyle/>
+          <a:p>
+            <a:r>
+              <a:rPr lang="en-GB" sz="1600" dirty="0">
+                <a:solidFill>
+                  <a:schemeClr val="bg1"/>
+                </a:solidFill>
+              </a:rPr>
+              <a:t>Quit Game</a:t>
+            </a:r>
+          </a:p>
+        </p:txBody>
+      </p:sp>
+      <p:sp>
+        <p:nvSpPr>
+          <p:cNvPr id="17" name="Rectangle: Rounded Corners 16">
+            <a:extLst>
+              <a:ext uri="{FF2B5EF4-FFF2-40B4-BE49-F238E27FC236}">
+                <a16:creationId xmlns:a16="http://schemas.microsoft.com/office/drawing/2014/main" id="{DF9C750B-A9ED-4DBC-BC85-0488120174C4}"/>
+              </a:ext>
+            </a:extLst>
+          </p:cNvPr>
+          <p:cNvSpPr/>
+          <p:nvPr/>
+        </p:nvSpPr>
+        <p:spPr>
+          <a:xfrm>
+            <a:off x="9113918" y="2465422"/>
+            <a:ext cx="1447099" cy="1943076"/>
+          </a:xfrm>
+          <a:prstGeom prst="roundRect">
+            <a:avLst/>
+          </a:prstGeom>
+          <a:solidFill>
+            <a:srgbClr val="00BBFE"/>
+          </a:solidFill>
+          <a:ln w="38100">
+            <a:solidFill>
+              <a:schemeClr val="bg1"/>
+            </a:solidFill>
+          </a:ln>
+        </p:spPr>
+        <p:style>
+          <a:lnRef idx="2">
+            <a:schemeClr val="accent1">
+              <a:shade val="50000"/>
+            </a:schemeClr>
+          </a:lnRef>
+          <a:fillRef idx="1">
+            <a:schemeClr val="accent1"/>
+          </a:fillRef>
+          <a:effectRef idx="0">
+            <a:schemeClr val="accent1"/>
+          </a:effectRef>
+          <a:fontRef idx="minor">
+            <a:schemeClr val="lt1"/>
+          </a:fontRef>
+        </p:style>
+        <p:txBody>
+          <a:bodyPr rtlCol="0" anchor="ctr"/>
+          <a:lstStyle/>
+          <a:p>
+            <a:pPr algn="ctr"/>
+            <a:endParaRPr lang="en-GB"/>
+          </a:p>
+        </p:txBody>
+      </p:sp>
+      <p:cxnSp>
+        <p:nvCxnSpPr>
+          <p:cNvPr id="18" name="Connector: Curved 17">
+            <a:extLst>
+              <a:ext uri="{FF2B5EF4-FFF2-40B4-BE49-F238E27FC236}">
+                <a16:creationId xmlns:a16="http://schemas.microsoft.com/office/drawing/2014/main" id="{5C0AE02A-916F-4BC3-BB3D-A3EA7F38991F}"/>
+              </a:ext>
+            </a:extLst>
+          </p:cNvPr>
+          <p:cNvCxnSpPr>
+            <a:cxnSpLocks/>
+          </p:cNvCxnSpPr>
+          <p:nvPr/>
+        </p:nvCxnSpPr>
+        <p:spPr>
+          <a:xfrm rot="10800000">
+            <a:off x="7737581" y="3154127"/>
+            <a:ext cx="1261787" cy="549746"/>
+          </a:xfrm>
+          <a:prstGeom prst="curvedConnector3">
+            <a:avLst/>
+          </a:prstGeom>
+          <a:ln w="38100">
+            <a:solidFill>
+              <a:srgbClr val="0CB3EE"/>
+            </a:solidFill>
+            <a:tailEnd type="triangle"/>
+          </a:ln>
+        </p:spPr>
+        <p:style>
+          <a:lnRef idx="1">
+            <a:schemeClr val="accent1"/>
+          </a:lnRef>
+          <a:fillRef idx="0">
+            <a:schemeClr val="accent1"/>
+          </a:fillRef>
+          <a:effectRef idx="0">
+            <a:schemeClr val="accent1"/>
+          </a:effectRef>
+          <a:fontRef idx="minor">
+            <a:schemeClr val="tx1"/>
+          </a:fontRef>
+        </p:style>
+      </p:cxnSp>
+      <p:sp>
+        <p:nvSpPr>
+          <p:cNvPr id="19" name="TextBox 18">
+            <a:extLst>
+              <a:ext uri="{FF2B5EF4-FFF2-40B4-BE49-F238E27FC236}">
+                <a16:creationId xmlns:a16="http://schemas.microsoft.com/office/drawing/2014/main" id="{5B1FEA35-C38E-4A8D-B7A3-14C9031B4B15}"/>
+              </a:ext>
+            </a:extLst>
+          </p:cNvPr>
+          <p:cNvSpPr txBox="1"/>
+          <p:nvPr/>
+        </p:nvSpPr>
+        <p:spPr>
+          <a:xfrm>
+            <a:off x="3341193" y="1748690"/>
+            <a:ext cx="1123318" cy="1477328"/>
+          </a:xfrm>
+          <a:prstGeom prst="rect">
+            <a:avLst/>
+          </a:prstGeom>
+          <a:noFill/>
+        </p:spPr>
+        <p:txBody>
+          <a:bodyPr wrap="square" rtlCol="0">
+            <a:spAutoFit/>
+          </a:bodyPr>
+          <a:lstStyle/>
+          <a:p>
+            <a:r>
+              <a:rPr lang="en-GB" dirty="0">
+                <a:solidFill>
+                  <a:schemeClr val="bg1"/>
+                </a:solidFill>
+              </a:rPr>
+              <a:t>To return to the main menu press ESC</a:t>
+            </a:r>
+          </a:p>
+        </p:txBody>
+      </p:sp>
+      <p:sp>
+        <p:nvSpPr>
+          <p:cNvPr id="20" name="Rectangle: Rounded Corners 19">
+            <a:extLst>
+              <a:ext uri="{FF2B5EF4-FFF2-40B4-BE49-F238E27FC236}">
+                <a16:creationId xmlns:a16="http://schemas.microsoft.com/office/drawing/2014/main" id="{421C7402-A439-4BC4-B7C4-440291ED63A5}"/>
+              </a:ext>
+            </a:extLst>
+          </p:cNvPr>
+          <p:cNvSpPr/>
+          <p:nvPr/>
+        </p:nvSpPr>
+        <p:spPr>
+          <a:xfrm>
+            <a:off x="3310408" y="1744283"/>
+            <a:ext cx="1412477" cy="1786412"/>
+          </a:xfrm>
+          <a:prstGeom prst="roundRect">
+            <a:avLst/>
+          </a:prstGeom>
+          <a:solidFill>
+            <a:srgbClr val="00BBFE"/>
+          </a:solidFill>
+          <a:ln w="38100">
+            <a:solidFill>
+              <a:schemeClr val="bg1"/>
+            </a:solidFill>
+          </a:ln>
+        </p:spPr>
+        <p:style>
+          <a:lnRef idx="2">
+            <a:schemeClr val="accent1">
+              <a:shade val="50000"/>
+            </a:schemeClr>
+          </a:lnRef>
+          <a:fillRef idx="1">
+            <a:schemeClr val="accent1"/>
+          </a:fillRef>
+          <a:effectRef idx="0">
+            <a:schemeClr val="accent1"/>
+          </a:effectRef>
+          <a:fontRef idx="minor">
+            <a:schemeClr val="lt1"/>
+          </a:fontRef>
+        </p:style>
+        <p:txBody>
+          <a:bodyPr rtlCol="0" anchor="ctr"/>
+          <a:lstStyle/>
+          <a:p>
+            <a:pPr algn="ctr"/>
+            <a:endParaRPr lang="en-GB"/>
+          </a:p>
+        </p:txBody>
+      </p:sp>
+      <p:sp>
+        <p:nvSpPr>
+          <p:cNvPr id="21" name="TextBox 20">
+            <a:extLst>
+              <a:ext uri="{FF2B5EF4-FFF2-40B4-BE49-F238E27FC236}">
+                <a16:creationId xmlns:a16="http://schemas.microsoft.com/office/drawing/2014/main" id="{B118CB15-9C88-4067-BF1B-0333DB9600D8}"/>
+              </a:ext>
+            </a:extLst>
+          </p:cNvPr>
+          <p:cNvSpPr txBox="1"/>
+          <p:nvPr/>
+        </p:nvSpPr>
+        <p:spPr>
+          <a:xfrm>
+            <a:off x="3493593" y="1901090"/>
+            <a:ext cx="1123318" cy="1477328"/>
+          </a:xfrm>
+          <a:prstGeom prst="rect">
+            <a:avLst/>
+          </a:prstGeom>
+          <a:noFill/>
+        </p:spPr>
+        <p:txBody>
+          <a:bodyPr wrap="square" rtlCol="0">
+            <a:spAutoFit/>
+          </a:bodyPr>
+          <a:lstStyle/>
+          <a:p>
+            <a:r>
+              <a:rPr lang="en-GB" dirty="0">
+                <a:solidFill>
+                  <a:schemeClr val="bg1"/>
+                </a:solidFill>
+              </a:rPr>
+              <a:t>To return to the main menu press ESC</a:t>
+            </a:r>
+          </a:p>
+        </p:txBody>
+      </p:sp>
+      <p:sp>
+        <p:nvSpPr>
+          <p:cNvPr id="22" name="TextBox 21">
+            <a:extLst>
+              <a:ext uri="{FF2B5EF4-FFF2-40B4-BE49-F238E27FC236}">
+                <a16:creationId xmlns:a16="http://schemas.microsoft.com/office/drawing/2014/main" id="{E1392E1F-6FCC-40B2-BF5A-529B4E125EFE}"/>
+              </a:ext>
+            </a:extLst>
+          </p:cNvPr>
+          <p:cNvSpPr txBox="1"/>
+          <p:nvPr/>
+        </p:nvSpPr>
+        <p:spPr>
+          <a:xfrm>
+            <a:off x="9269656" y="2592851"/>
+            <a:ext cx="1123318" cy="1754326"/>
+          </a:xfrm>
+          <a:prstGeom prst="rect">
+            <a:avLst/>
+          </a:prstGeom>
+          <a:noFill/>
+        </p:spPr>
+        <p:txBody>
+          <a:bodyPr wrap="square" rtlCol="0">
+            <a:spAutoFit/>
+          </a:bodyPr>
+          <a:lstStyle/>
+          <a:p>
+            <a:r>
+              <a:rPr lang="en-GB" dirty="0">
+                <a:solidFill>
+                  <a:schemeClr val="bg1"/>
+                </a:solidFill>
+              </a:rPr>
+              <a:t>To replay this tutorial, press tutorial in the menu</a:t>
+            </a:r>
           </a:p>
         </p:txBody>
       </p:sp>

--- a/Determination of g diagram.pptx
+++ b/Determination of g diagram.pptx
@@ -24,6 +24,8 @@
     <p:sldId id="272" r:id="rId18"/>
     <p:sldId id="274" r:id="rId19"/>
     <p:sldId id="273" r:id="rId20"/>
+    <p:sldId id="275" r:id="rId21"/>
+    <p:sldId id="276" r:id="rId22"/>
   </p:sldIdLst>
   <p:sldSz cx="12192000" cy="6858000"/>
   <p:notesSz cx="6858000" cy="9144000"/>
@@ -279,7 +281,7 @@
           <a:p>
             <a:fld id="{40AE047B-88A8-4E73-BFC2-E0D791C9FE6D}" type="datetimeFigureOut">
               <a:rPr lang="en-GB" smtClean="0"/>
-              <a:t>22/04/2022</a:t>
+              <a:t>28/04/2022</a:t>
             </a:fld>
             <a:endParaRPr lang="en-GB"/>
           </a:p>
@@ -479,7 +481,7 @@
           <a:p>
             <a:fld id="{40AE047B-88A8-4E73-BFC2-E0D791C9FE6D}" type="datetimeFigureOut">
               <a:rPr lang="en-GB" smtClean="0"/>
-              <a:t>22/04/2022</a:t>
+              <a:t>28/04/2022</a:t>
             </a:fld>
             <a:endParaRPr lang="en-GB"/>
           </a:p>
@@ -689,7 +691,7 @@
           <a:p>
             <a:fld id="{40AE047B-88A8-4E73-BFC2-E0D791C9FE6D}" type="datetimeFigureOut">
               <a:rPr lang="en-GB" smtClean="0"/>
-              <a:t>22/04/2022</a:t>
+              <a:t>28/04/2022</a:t>
             </a:fld>
             <a:endParaRPr lang="en-GB"/>
           </a:p>
@@ -889,7 +891,7 @@
           <a:p>
             <a:fld id="{40AE047B-88A8-4E73-BFC2-E0D791C9FE6D}" type="datetimeFigureOut">
               <a:rPr lang="en-GB" smtClean="0"/>
-              <a:t>22/04/2022</a:t>
+              <a:t>28/04/2022</a:t>
             </a:fld>
             <a:endParaRPr lang="en-GB"/>
           </a:p>
@@ -1165,7 +1167,7 @@
           <a:p>
             <a:fld id="{40AE047B-88A8-4E73-BFC2-E0D791C9FE6D}" type="datetimeFigureOut">
               <a:rPr lang="en-GB" smtClean="0"/>
-              <a:t>22/04/2022</a:t>
+              <a:t>28/04/2022</a:t>
             </a:fld>
             <a:endParaRPr lang="en-GB"/>
           </a:p>
@@ -1433,7 +1435,7 @@
           <a:p>
             <a:fld id="{40AE047B-88A8-4E73-BFC2-E0D791C9FE6D}" type="datetimeFigureOut">
               <a:rPr lang="en-GB" smtClean="0"/>
-              <a:t>22/04/2022</a:t>
+              <a:t>28/04/2022</a:t>
             </a:fld>
             <a:endParaRPr lang="en-GB"/>
           </a:p>
@@ -1848,7 +1850,7 @@
           <a:p>
             <a:fld id="{40AE047B-88A8-4E73-BFC2-E0D791C9FE6D}" type="datetimeFigureOut">
               <a:rPr lang="en-GB" smtClean="0"/>
-              <a:t>22/04/2022</a:t>
+              <a:t>28/04/2022</a:t>
             </a:fld>
             <a:endParaRPr lang="en-GB"/>
           </a:p>
@@ -1990,7 +1992,7 @@
           <a:p>
             <a:fld id="{40AE047B-88A8-4E73-BFC2-E0D791C9FE6D}" type="datetimeFigureOut">
               <a:rPr lang="en-GB" smtClean="0"/>
-              <a:t>22/04/2022</a:t>
+              <a:t>28/04/2022</a:t>
             </a:fld>
             <a:endParaRPr lang="en-GB"/>
           </a:p>
@@ -2103,7 +2105,7 @@
           <a:p>
             <a:fld id="{40AE047B-88A8-4E73-BFC2-E0D791C9FE6D}" type="datetimeFigureOut">
               <a:rPr lang="en-GB" smtClean="0"/>
-              <a:t>22/04/2022</a:t>
+              <a:t>28/04/2022</a:t>
             </a:fld>
             <a:endParaRPr lang="en-GB"/>
           </a:p>
@@ -2416,7 +2418,7 @@
           <a:p>
             <a:fld id="{40AE047B-88A8-4E73-BFC2-E0D791C9FE6D}" type="datetimeFigureOut">
               <a:rPr lang="en-GB" smtClean="0"/>
-              <a:t>22/04/2022</a:t>
+              <a:t>28/04/2022</a:t>
             </a:fld>
             <a:endParaRPr lang="en-GB"/>
           </a:p>
@@ -2705,7 +2707,7 @@
           <a:p>
             <a:fld id="{40AE047B-88A8-4E73-BFC2-E0D791C9FE6D}" type="datetimeFigureOut">
               <a:rPr lang="en-GB" smtClean="0"/>
-              <a:t>22/04/2022</a:t>
+              <a:t>28/04/2022</a:t>
             </a:fld>
             <a:endParaRPr lang="en-GB"/>
           </a:p>
@@ -2948,7 +2950,7 @@
           <a:p>
             <a:fld id="{40AE047B-88A8-4E73-BFC2-E0D791C9FE6D}" type="datetimeFigureOut">
               <a:rPr lang="en-GB" smtClean="0"/>
-              <a:t>22/04/2022</a:t>
+              <a:t>28/04/2022</a:t>
             </a:fld>
             <a:endParaRPr lang="en-GB"/>
           </a:p>
@@ -7241,7 +7243,7 @@
         </p:nvSpPr>
         <p:spPr>
           <a:xfrm>
-            <a:off x="4957383" y="3168649"/>
+            <a:off x="6719571" y="2375362"/>
             <a:ext cx="4140200" cy="1409700"/>
           </a:xfrm>
           <a:prstGeom prst="roundRect">
@@ -7295,7 +7297,7 @@
         </p:nvSpPr>
         <p:spPr>
           <a:xfrm>
-            <a:off x="5328858" y="3550334"/>
+            <a:off x="7091046" y="2757047"/>
             <a:ext cx="3768725" cy="646331"/>
           </a:xfrm>
           <a:prstGeom prst="rect">
@@ -12630,6 +12632,1480 @@
     <p:extLst>
       <p:ext uri="{BB962C8B-B14F-4D97-AF65-F5344CB8AC3E}">
         <p14:creationId xmlns:p14="http://schemas.microsoft.com/office/powerpoint/2010/main" val="3998041510"/>
+      </p:ext>
+    </p:extLst>
+  </p:cSld>
+  <p:clrMapOvr>
+    <a:masterClrMapping/>
+  </p:clrMapOvr>
+</p:sld>
+</file>
+
+<file path=ppt/slides/slide20.xml><?xml version="1.0" encoding="utf-8"?>
+<p:sld xmlns:a="http://schemas.openxmlformats.org/drawingml/2006/main" xmlns:r="http://schemas.openxmlformats.org/officeDocument/2006/relationships" xmlns:p="http://schemas.openxmlformats.org/presentationml/2006/main">
+  <p:cSld>
+    <p:spTree>
+      <p:nvGrpSpPr>
+        <p:cNvPr id="1" name=""/>
+        <p:cNvGrpSpPr/>
+        <p:nvPr/>
+      </p:nvGrpSpPr>
+      <p:grpSpPr>
+        <a:xfrm>
+          <a:off x="0" y="0"/>
+          <a:ext cx="0" cy="0"/>
+          <a:chOff x="0" y="0"/>
+          <a:chExt cx="0" cy="0"/>
+        </a:xfrm>
+      </p:grpSpPr>
+      <p:sp>
+        <p:nvSpPr>
+          <p:cNvPr id="4" name="Rectangle: Rounded Corners 3">
+            <a:extLst>
+              <a:ext uri="{FF2B5EF4-FFF2-40B4-BE49-F238E27FC236}">
+                <a16:creationId xmlns:a16="http://schemas.microsoft.com/office/drawing/2014/main" id="{1ABC2421-0FAC-4502-8891-16AFBA4F1CF1}"/>
+              </a:ext>
+            </a:extLst>
+          </p:cNvPr>
+          <p:cNvSpPr/>
+          <p:nvPr/>
+        </p:nvSpPr>
+        <p:spPr>
+          <a:xfrm>
+            <a:off x="692169" y="578261"/>
+            <a:ext cx="3345661" cy="4260135"/>
+          </a:xfrm>
+          <a:prstGeom prst="roundRect">
+            <a:avLst/>
+          </a:prstGeom>
+          <a:solidFill>
+            <a:srgbClr val="7E827E"/>
+          </a:solidFill>
+          <a:ln w="57150">
+            <a:solidFill>
+              <a:schemeClr val="tx1"/>
+            </a:solidFill>
+          </a:ln>
+        </p:spPr>
+        <p:style>
+          <a:lnRef idx="2">
+            <a:schemeClr val="accent1">
+              <a:shade val="50000"/>
+            </a:schemeClr>
+          </a:lnRef>
+          <a:fillRef idx="1">
+            <a:schemeClr val="accent1"/>
+          </a:fillRef>
+          <a:effectRef idx="0">
+            <a:schemeClr val="accent1"/>
+          </a:effectRef>
+          <a:fontRef idx="minor">
+            <a:schemeClr val="lt1"/>
+          </a:fontRef>
+        </p:style>
+        <p:txBody>
+          <a:bodyPr rtlCol="0" anchor="ctr"/>
+          <a:lstStyle/>
+          <a:p>
+            <a:pPr algn="ctr"/>
+            <a:endParaRPr lang="en-GB"/>
+          </a:p>
+        </p:txBody>
+      </p:sp>
+      <p:sp>
+        <p:nvSpPr>
+          <p:cNvPr id="5" name="TextBox 4">
+            <a:extLst>
+              <a:ext uri="{FF2B5EF4-FFF2-40B4-BE49-F238E27FC236}">
+                <a16:creationId xmlns:a16="http://schemas.microsoft.com/office/drawing/2014/main" id="{606E181B-DAA0-4DC2-A45D-91A93709DB0D}"/>
+              </a:ext>
+            </a:extLst>
+          </p:cNvPr>
+          <p:cNvSpPr txBox="1"/>
+          <p:nvPr/>
+        </p:nvSpPr>
+        <p:spPr>
+          <a:xfrm>
+            <a:off x="1153875" y="804763"/>
+            <a:ext cx="2313250" cy="830997"/>
+          </a:xfrm>
+          <a:prstGeom prst="rect">
+            <a:avLst/>
+          </a:prstGeom>
+          <a:noFill/>
+        </p:spPr>
+        <p:txBody>
+          <a:bodyPr wrap="square" rtlCol="0">
+            <a:spAutoFit/>
+          </a:bodyPr>
+          <a:lstStyle/>
+          <a:p>
+            <a:pPr algn="ctr"/>
+            <a:r>
+              <a:rPr lang="en-GB" sz="2400" b="1" dirty="0">
+                <a:solidFill>
+                  <a:schemeClr val="bg1"/>
+                </a:solidFill>
+              </a:rPr>
+              <a:t>Determination of G</a:t>
+            </a:r>
+          </a:p>
+        </p:txBody>
+      </p:sp>
+      <p:sp>
+        <p:nvSpPr>
+          <p:cNvPr id="6" name="TextBox 5">
+            <a:extLst>
+              <a:ext uri="{FF2B5EF4-FFF2-40B4-BE49-F238E27FC236}">
+                <a16:creationId xmlns:a16="http://schemas.microsoft.com/office/drawing/2014/main" id="{06435237-202F-42C1-9B12-A9BD8BE28804}"/>
+              </a:ext>
+            </a:extLst>
+          </p:cNvPr>
+          <p:cNvSpPr txBox="1"/>
+          <p:nvPr/>
+        </p:nvSpPr>
+        <p:spPr>
+          <a:xfrm>
+            <a:off x="890188" y="1811642"/>
+            <a:ext cx="3034403" cy="1077218"/>
+          </a:xfrm>
+          <a:prstGeom prst="rect">
+            <a:avLst/>
+          </a:prstGeom>
+          <a:noFill/>
+        </p:spPr>
+        <p:txBody>
+          <a:bodyPr wrap="square" rtlCol="0">
+            <a:spAutoFit/>
+          </a:bodyPr>
+          <a:lstStyle/>
+          <a:p>
+            <a:r>
+              <a:rPr lang="en-GB" sz="1600" dirty="0">
+                <a:solidFill>
+                  <a:schemeClr val="bg1"/>
+                </a:solidFill>
+              </a:rPr>
+              <a:t>Use light gates and a ruler to drop a card and multiple heights in order to determine the acceleration caused by gravity.</a:t>
+            </a:r>
+          </a:p>
+        </p:txBody>
+      </p:sp>
+      <p:sp>
+        <p:nvSpPr>
+          <p:cNvPr id="7" name="TextBox 6">
+            <a:extLst>
+              <a:ext uri="{FF2B5EF4-FFF2-40B4-BE49-F238E27FC236}">
+                <a16:creationId xmlns:a16="http://schemas.microsoft.com/office/drawing/2014/main" id="{55A45E0E-286C-482B-91FE-7011C23E58AC}"/>
+              </a:ext>
+            </a:extLst>
+          </p:cNvPr>
+          <p:cNvSpPr txBox="1"/>
+          <p:nvPr/>
+        </p:nvSpPr>
+        <p:spPr>
+          <a:xfrm>
+            <a:off x="847797" y="3029329"/>
+            <a:ext cx="3034403" cy="1569660"/>
+          </a:xfrm>
+          <a:prstGeom prst="rect">
+            <a:avLst/>
+          </a:prstGeom>
+          <a:noFill/>
+        </p:spPr>
+        <p:txBody>
+          <a:bodyPr wrap="square" rtlCol="0">
+            <a:spAutoFit/>
+          </a:bodyPr>
+          <a:lstStyle/>
+          <a:p>
+            <a:r>
+              <a:rPr lang="en-GB" sz="1600" b="1" dirty="0">
+                <a:solidFill>
+                  <a:schemeClr val="bg1"/>
+                </a:solidFill>
+              </a:rPr>
+              <a:t>Skills Assessed:</a:t>
+            </a:r>
+          </a:p>
+          <a:p>
+            <a:pPr marL="285750" indent="-285750">
+              <a:buFont typeface="Arial" panose="020B0604020202020204" pitchFamily="34" charset="0"/>
+              <a:buChar char="•"/>
+            </a:pPr>
+            <a:r>
+              <a:rPr lang="en-GB" sz="1600" dirty="0">
+                <a:solidFill>
+                  <a:schemeClr val="bg1"/>
+                </a:solidFill>
+              </a:rPr>
+              <a:t>Taking multiple results</a:t>
+            </a:r>
+          </a:p>
+          <a:p>
+            <a:pPr marL="285750" indent="-285750">
+              <a:buFont typeface="Arial" panose="020B0604020202020204" pitchFamily="34" charset="0"/>
+              <a:buChar char="•"/>
+            </a:pPr>
+            <a:r>
+              <a:rPr lang="en-GB" sz="1600" dirty="0">
+                <a:solidFill>
+                  <a:schemeClr val="bg1"/>
+                </a:solidFill>
+              </a:rPr>
+              <a:t>Tabulating Results</a:t>
+            </a:r>
+          </a:p>
+          <a:p>
+            <a:pPr marL="285750" indent="-285750">
+              <a:buFont typeface="Arial" panose="020B0604020202020204" pitchFamily="34" charset="0"/>
+              <a:buChar char="•"/>
+            </a:pPr>
+            <a:r>
+              <a:rPr lang="en-GB" sz="1600" dirty="0">
+                <a:solidFill>
+                  <a:schemeClr val="bg1"/>
+                </a:solidFill>
+              </a:rPr>
+              <a:t>Anomaly detection</a:t>
+            </a:r>
+          </a:p>
+          <a:p>
+            <a:pPr marL="285750" indent="-285750">
+              <a:buFont typeface="Arial" panose="020B0604020202020204" pitchFamily="34" charset="0"/>
+              <a:buChar char="•"/>
+            </a:pPr>
+            <a:r>
+              <a:rPr lang="en-GB" sz="1600" dirty="0">
+                <a:solidFill>
+                  <a:schemeClr val="bg1"/>
+                </a:solidFill>
+              </a:rPr>
+              <a:t>Graphical Analysis</a:t>
+            </a:r>
+          </a:p>
+          <a:p>
+            <a:pPr marL="285750" indent="-285750">
+              <a:buFont typeface="Arial" panose="020B0604020202020204" pitchFamily="34" charset="0"/>
+              <a:buChar char="•"/>
+            </a:pPr>
+            <a:endParaRPr lang="en-GB" sz="1600" dirty="0">
+              <a:solidFill>
+                <a:schemeClr val="bg1"/>
+              </a:solidFill>
+            </a:endParaRPr>
+          </a:p>
+        </p:txBody>
+      </p:sp>
+      <p:sp>
+        <p:nvSpPr>
+          <p:cNvPr id="8" name="Rectangle: Rounded Corners 7">
+            <a:extLst>
+              <a:ext uri="{FF2B5EF4-FFF2-40B4-BE49-F238E27FC236}">
+                <a16:creationId xmlns:a16="http://schemas.microsoft.com/office/drawing/2014/main" id="{EA95DD15-D42B-42D1-8318-0783A26B273A}"/>
+              </a:ext>
+            </a:extLst>
+          </p:cNvPr>
+          <p:cNvSpPr/>
+          <p:nvPr/>
+        </p:nvSpPr>
+        <p:spPr>
+          <a:xfrm>
+            <a:off x="6481341" y="948664"/>
+            <a:ext cx="3345661" cy="1098140"/>
+          </a:xfrm>
+          <a:prstGeom prst="roundRect">
+            <a:avLst/>
+          </a:prstGeom>
+          <a:solidFill>
+            <a:srgbClr val="7E827E"/>
+          </a:solidFill>
+          <a:ln w="57150">
+            <a:solidFill>
+              <a:schemeClr val="tx1"/>
+            </a:solidFill>
+          </a:ln>
+        </p:spPr>
+        <p:style>
+          <a:lnRef idx="2">
+            <a:schemeClr val="accent1">
+              <a:shade val="50000"/>
+            </a:schemeClr>
+          </a:lnRef>
+          <a:fillRef idx="1">
+            <a:schemeClr val="accent1"/>
+          </a:fillRef>
+          <a:effectRef idx="0">
+            <a:schemeClr val="accent1"/>
+          </a:effectRef>
+          <a:fontRef idx="minor">
+            <a:schemeClr val="lt1"/>
+          </a:fontRef>
+        </p:style>
+        <p:txBody>
+          <a:bodyPr rtlCol="0" anchor="ctr"/>
+          <a:lstStyle/>
+          <a:p>
+            <a:pPr algn="ctr"/>
+            <a:endParaRPr lang="en-GB"/>
+          </a:p>
+        </p:txBody>
+      </p:sp>
+      <p:sp>
+        <p:nvSpPr>
+          <p:cNvPr id="9" name="TextBox 8">
+            <a:extLst>
+              <a:ext uri="{FF2B5EF4-FFF2-40B4-BE49-F238E27FC236}">
+                <a16:creationId xmlns:a16="http://schemas.microsoft.com/office/drawing/2014/main" id="{D3A9BDA0-7951-432A-9560-35F59375D854}"/>
+              </a:ext>
+            </a:extLst>
+          </p:cNvPr>
+          <p:cNvSpPr txBox="1"/>
+          <p:nvPr/>
+        </p:nvSpPr>
+        <p:spPr>
+          <a:xfrm>
+            <a:off x="6997546" y="1082235"/>
+            <a:ext cx="2313250" cy="830997"/>
+          </a:xfrm>
+          <a:prstGeom prst="rect">
+            <a:avLst/>
+          </a:prstGeom>
+          <a:noFill/>
+        </p:spPr>
+        <p:txBody>
+          <a:bodyPr wrap="square" rtlCol="0">
+            <a:spAutoFit/>
+          </a:bodyPr>
+          <a:lstStyle/>
+          <a:p>
+            <a:pPr algn="ctr"/>
+            <a:r>
+              <a:rPr lang="en-GB" sz="2400" b="1" dirty="0">
+                <a:solidFill>
+                  <a:schemeClr val="bg1"/>
+                </a:solidFill>
+              </a:rPr>
+              <a:t>Determination of G</a:t>
+            </a:r>
+          </a:p>
+        </p:txBody>
+      </p:sp>
+      <p:sp>
+        <p:nvSpPr>
+          <p:cNvPr id="13" name="Arrow: Up 12">
+            <a:extLst>
+              <a:ext uri="{FF2B5EF4-FFF2-40B4-BE49-F238E27FC236}">
+                <a16:creationId xmlns:a16="http://schemas.microsoft.com/office/drawing/2014/main" id="{676ECFE0-E174-4485-8AB5-122912BBC484}"/>
+              </a:ext>
+            </a:extLst>
+          </p:cNvPr>
+          <p:cNvSpPr/>
+          <p:nvPr/>
+        </p:nvSpPr>
+        <p:spPr>
+          <a:xfrm>
+            <a:off x="4667062" y="2350251"/>
+            <a:ext cx="1677409" cy="3151666"/>
+          </a:xfrm>
+          <a:prstGeom prst="upArrow">
+            <a:avLst/>
+          </a:prstGeom>
+          <a:solidFill>
+            <a:srgbClr val="FF0000"/>
+          </a:solidFill>
+          <a:ln w="57150">
+            <a:solidFill>
+              <a:schemeClr val="bg1"/>
+            </a:solidFill>
+          </a:ln>
+        </p:spPr>
+        <p:style>
+          <a:lnRef idx="2">
+            <a:schemeClr val="accent1">
+              <a:shade val="50000"/>
+            </a:schemeClr>
+          </a:lnRef>
+          <a:fillRef idx="1">
+            <a:schemeClr val="accent1"/>
+          </a:fillRef>
+          <a:effectRef idx="0">
+            <a:schemeClr val="accent1"/>
+          </a:effectRef>
+          <a:fontRef idx="minor">
+            <a:schemeClr val="lt1"/>
+          </a:fontRef>
+        </p:style>
+        <p:txBody>
+          <a:bodyPr rtlCol="0" anchor="ctr"/>
+          <a:lstStyle/>
+          <a:p>
+            <a:pPr algn="ctr"/>
+            <a:endParaRPr lang="en-GB"/>
+          </a:p>
+        </p:txBody>
+      </p:sp>
+      <p:sp>
+        <p:nvSpPr>
+          <p:cNvPr id="14" name="TextBox 13">
+            <a:extLst>
+              <a:ext uri="{FF2B5EF4-FFF2-40B4-BE49-F238E27FC236}">
+                <a16:creationId xmlns:a16="http://schemas.microsoft.com/office/drawing/2014/main" id="{756C2EAF-BC8A-44DC-88C5-A261474EE3E7}"/>
+              </a:ext>
+            </a:extLst>
+          </p:cNvPr>
+          <p:cNvSpPr txBox="1"/>
+          <p:nvPr/>
+        </p:nvSpPr>
+        <p:spPr>
+          <a:xfrm>
+            <a:off x="6973703" y="2505670"/>
+            <a:ext cx="3033870" cy="923330"/>
+          </a:xfrm>
+          <a:prstGeom prst="rect">
+            <a:avLst/>
+          </a:prstGeom>
+          <a:noFill/>
+        </p:spPr>
+        <p:txBody>
+          <a:bodyPr wrap="square" rtlCol="0">
+            <a:spAutoFit/>
+          </a:bodyPr>
+          <a:lstStyle/>
+          <a:p>
+            <a:r>
+              <a:rPr lang="en-GB" dirty="0">
+                <a:hlinkClick r:id="rId2"/>
+              </a:rPr>
+              <a:t>https://clara.io/view/b8a8fb8d-cfe7-4e5d-a219-e26f862feb42#</a:t>
+            </a:r>
+            <a:r>
+              <a:rPr lang="en-GB" dirty="0"/>
+              <a:t> -  arrow model</a:t>
+            </a:r>
+          </a:p>
+        </p:txBody>
+      </p:sp>
+      <p:sp>
+        <p:nvSpPr>
+          <p:cNvPr id="2" name="TextBox 1">
+            <a:extLst>
+              <a:ext uri="{FF2B5EF4-FFF2-40B4-BE49-F238E27FC236}">
+                <a16:creationId xmlns:a16="http://schemas.microsoft.com/office/drawing/2014/main" id="{B8E8079B-5301-4E8B-9E59-5384160B5CB8}"/>
+              </a:ext>
+            </a:extLst>
+          </p:cNvPr>
+          <p:cNvSpPr txBox="1"/>
+          <p:nvPr/>
+        </p:nvSpPr>
+        <p:spPr>
+          <a:xfrm>
+            <a:off x="6867083" y="4166273"/>
+            <a:ext cx="3530432" cy="1200329"/>
+          </a:xfrm>
+          <a:prstGeom prst="rect">
+            <a:avLst/>
+          </a:prstGeom>
+          <a:noFill/>
+        </p:spPr>
+        <p:txBody>
+          <a:bodyPr wrap="square" rtlCol="0">
+            <a:spAutoFit/>
+          </a:bodyPr>
+          <a:lstStyle/>
+          <a:p>
+            <a:r>
+              <a:rPr lang="en-GB" dirty="0"/>
+              <a:t>Change in y over change in x diagram - </a:t>
+            </a:r>
+            <a:r>
+              <a:rPr lang="en-GB" dirty="0">
+                <a:hlinkClick r:id="rId3"/>
+              </a:rPr>
+              <a:t>https://www.mathsisfun.com/calculus/derivatives-introduction.html</a:t>
+            </a:r>
+            <a:r>
+              <a:rPr lang="en-GB" dirty="0"/>
+              <a:t> </a:t>
+            </a:r>
+          </a:p>
+        </p:txBody>
+      </p:sp>
+    </p:spTree>
+    <p:extLst>
+      <p:ext uri="{BB962C8B-B14F-4D97-AF65-F5344CB8AC3E}">
+        <p14:creationId xmlns:p14="http://schemas.microsoft.com/office/powerpoint/2010/main" val="3551976893"/>
+      </p:ext>
+    </p:extLst>
+  </p:cSld>
+  <p:clrMapOvr>
+    <a:masterClrMapping/>
+  </p:clrMapOvr>
+</p:sld>
+</file>
+
+<file path=ppt/slides/slide21.xml><?xml version="1.0" encoding="utf-8"?>
+<p:sld xmlns:a="http://schemas.openxmlformats.org/drawingml/2006/main" xmlns:r="http://schemas.openxmlformats.org/officeDocument/2006/relationships" xmlns:p="http://schemas.openxmlformats.org/presentationml/2006/main">
+  <p:cSld>
+    <p:spTree>
+      <p:nvGrpSpPr>
+        <p:cNvPr id="1" name=""/>
+        <p:cNvGrpSpPr/>
+        <p:nvPr/>
+      </p:nvGrpSpPr>
+      <p:grpSpPr>
+        <a:xfrm>
+          <a:off x="0" y="0"/>
+          <a:ext cx="0" cy="0"/>
+          <a:chOff x="0" y="0"/>
+          <a:chExt cx="0" cy="0"/>
+        </a:xfrm>
+      </p:grpSpPr>
+      <p:cxnSp>
+        <p:nvCxnSpPr>
+          <p:cNvPr id="5" name="Straight Connector 4">
+            <a:extLst>
+              <a:ext uri="{FF2B5EF4-FFF2-40B4-BE49-F238E27FC236}">
+                <a16:creationId xmlns:a16="http://schemas.microsoft.com/office/drawing/2014/main" id="{EE6B4757-9867-4F70-92C3-23903FD45972}"/>
+              </a:ext>
+            </a:extLst>
+          </p:cNvPr>
+          <p:cNvCxnSpPr>
+            <a:cxnSpLocks/>
+          </p:cNvCxnSpPr>
+          <p:nvPr/>
+        </p:nvCxnSpPr>
+        <p:spPr>
+          <a:xfrm>
+            <a:off x="1320127" y="1453350"/>
+            <a:ext cx="6503746" cy="0"/>
+          </a:xfrm>
+          <a:prstGeom prst="line">
+            <a:avLst/>
+          </a:prstGeom>
+          <a:ln w="38100">
+            <a:solidFill>
+              <a:schemeClr val="tx1"/>
+            </a:solidFill>
+          </a:ln>
+        </p:spPr>
+        <p:style>
+          <a:lnRef idx="1">
+            <a:schemeClr val="accent1"/>
+          </a:lnRef>
+          <a:fillRef idx="0">
+            <a:schemeClr val="accent1"/>
+          </a:fillRef>
+          <a:effectRef idx="0">
+            <a:schemeClr val="accent1"/>
+          </a:effectRef>
+          <a:fontRef idx="minor">
+            <a:schemeClr val="tx1"/>
+          </a:fontRef>
+        </p:style>
+      </p:cxnSp>
+      <p:cxnSp>
+        <p:nvCxnSpPr>
+          <p:cNvPr id="6" name="Straight Connector 5">
+            <a:extLst>
+              <a:ext uri="{FF2B5EF4-FFF2-40B4-BE49-F238E27FC236}">
+                <a16:creationId xmlns:a16="http://schemas.microsoft.com/office/drawing/2014/main" id="{DC8A5B46-5619-4897-A83E-ED87B07F6646}"/>
+              </a:ext>
+            </a:extLst>
+          </p:cNvPr>
+          <p:cNvCxnSpPr>
+            <a:cxnSpLocks/>
+          </p:cNvCxnSpPr>
+          <p:nvPr/>
+        </p:nvCxnSpPr>
+        <p:spPr>
+          <a:xfrm>
+            <a:off x="2186082" y="1065791"/>
+            <a:ext cx="0" cy="2107359"/>
+          </a:xfrm>
+          <a:prstGeom prst="line">
+            <a:avLst/>
+          </a:prstGeom>
+          <a:ln w="38100">
+            <a:solidFill>
+              <a:schemeClr val="tx1"/>
+            </a:solidFill>
+          </a:ln>
+        </p:spPr>
+        <p:style>
+          <a:lnRef idx="1">
+            <a:schemeClr val="accent1"/>
+          </a:lnRef>
+          <a:fillRef idx="0">
+            <a:schemeClr val="accent1"/>
+          </a:fillRef>
+          <a:effectRef idx="0">
+            <a:schemeClr val="accent1"/>
+          </a:effectRef>
+          <a:fontRef idx="minor">
+            <a:schemeClr val="tx1"/>
+          </a:fontRef>
+        </p:style>
+      </p:cxnSp>
+      <p:cxnSp>
+        <p:nvCxnSpPr>
+          <p:cNvPr id="9" name="Straight Connector 8">
+            <a:extLst>
+              <a:ext uri="{FF2B5EF4-FFF2-40B4-BE49-F238E27FC236}">
+                <a16:creationId xmlns:a16="http://schemas.microsoft.com/office/drawing/2014/main" id="{2BE7E7AA-05A6-4BED-BE58-540FED495477}"/>
+              </a:ext>
+            </a:extLst>
+          </p:cNvPr>
+          <p:cNvCxnSpPr>
+            <a:cxnSpLocks/>
+          </p:cNvCxnSpPr>
+          <p:nvPr/>
+        </p:nvCxnSpPr>
+        <p:spPr>
+          <a:xfrm>
+            <a:off x="3168103" y="1065790"/>
+            <a:ext cx="0" cy="2107360"/>
+          </a:xfrm>
+          <a:prstGeom prst="line">
+            <a:avLst/>
+          </a:prstGeom>
+          <a:ln w="38100">
+            <a:solidFill>
+              <a:schemeClr val="tx1"/>
+            </a:solidFill>
+          </a:ln>
+        </p:spPr>
+        <p:style>
+          <a:lnRef idx="1">
+            <a:schemeClr val="accent1"/>
+          </a:lnRef>
+          <a:fillRef idx="0">
+            <a:schemeClr val="accent1"/>
+          </a:fillRef>
+          <a:effectRef idx="0">
+            <a:schemeClr val="accent1"/>
+          </a:effectRef>
+          <a:fontRef idx="minor">
+            <a:schemeClr val="tx1"/>
+          </a:fontRef>
+        </p:style>
+      </p:cxnSp>
+      <p:cxnSp>
+        <p:nvCxnSpPr>
+          <p:cNvPr id="10" name="Straight Connector 9">
+            <a:extLst>
+              <a:ext uri="{FF2B5EF4-FFF2-40B4-BE49-F238E27FC236}">
+                <a16:creationId xmlns:a16="http://schemas.microsoft.com/office/drawing/2014/main" id="{1902FA23-3127-46D8-BF4D-7D23D847974B}"/>
+              </a:ext>
+            </a:extLst>
+          </p:cNvPr>
+          <p:cNvCxnSpPr>
+            <a:cxnSpLocks/>
+          </p:cNvCxnSpPr>
+          <p:nvPr/>
+        </p:nvCxnSpPr>
+        <p:spPr>
+          <a:xfrm>
+            <a:off x="4191505" y="1065789"/>
+            <a:ext cx="0" cy="2107361"/>
+          </a:xfrm>
+          <a:prstGeom prst="line">
+            <a:avLst/>
+          </a:prstGeom>
+          <a:ln w="38100">
+            <a:solidFill>
+              <a:schemeClr val="tx1"/>
+            </a:solidFill>
+          </a:ln>
+        </p:spPr>
+        <p:style>
+          <a:lnRef idx="1">
+            <a:schemeClr val="accent1"/>
+          </a:lnRef>
+          <a:fillRef idx="0">
+            <a:schemeClr val="accent1"/>
+          </a:fillRef>
+          <a:effectRef idx="0">
+            <a:schemeClr val="accent1"/>
+          </a:effectRef>
+          <a:fontRef idx="minor">
+            <a:schemeClr val="tx1"/>
+          </a:fontRef>
+        </p:style>
+      </p:cxnSp>
+      <p:cxnSp>
+        <p:nvCxnSpPr>
+          <p:cNvPr id="11" name="Straight Connector 10">
+            <a:extLst>
+              <a:ext uri="{FF2B5EF4-FFF2-40B4-BE49-F238E27FC236}">
+                <a16:creationId xmlns:a16="http://schemas.microsoft.com/office/drawing/2014/main" id="{50A0EEBC-79F1-4567-84DC-9E38BE73EE26}"/>
+              </a:ext>
+            </a:extLst>
+          </p:cNvPr>
+          <p:cNvCxnSpPr>
+            <a:cxnSpLocks/>
+          </p:cNvCxnSpPr>
+          <p:nvPr/>
+        </p:nvCxnSpPr>
+        <p:spPr>
+          <a:xfrm>
+            <a:off x="5227017" y="1065789"/>
+            <a:ext cx="0" cy="2107361"/>
+          </a:xfrm>
+          <a:prstGeom prst="line">
+            <a:avLst/>
+          </a:prstGeom>
+          <a:ln w="38100">
+            <a:solidFill>
+              <a:schemeClr val="tx1"/>
+            </a:solidFill>
+          </a:ln>
+        </p:spPr>
+        <p:style>
+          <a:lnRef idx="1">
+            <a:schemeClr val="accent1"/>
+          </a:lnRef>
+          <a:fillRef idx="0">
+            <a:schemeClr val="accent1"/>
+          </a:fillRef>
+          <a:effectRef idx="0">
+            <a:schemeClr val="accent1"/>
+          </a:effectRef>
+          <a:fontRef idx="minor">
+            <a:schemeClr val="tx1"/>
+          </a:fontRef>
+        </p:style>
+      </p:cxnSp>
+      <p:sp>
+        <p:nvSpPr>
+          <p:cNvPr id="12" name="TextBox 11">
+            <a:extLst>
+              <a:ext uri="{FF2B5EF4-FFF2-40B4-BE49-F238E27FC236}">
+                <a16:creationId xmlns:a16="http://schemas.microsoft.com/office/drawing/2014/main" id="{1F1CD37E-1905-4FB0-BFF3-5122297A2E0D}"/>
+              </a:ext>
+            </a:extLst>
+          </p:cNvPr>
+          <p:cNvSpPr txBox="1"/>
+          <p:nvPr/>
+        </p:nvSpPr>
+        <p:spPr>
+          <a:xfrm>
+            <a:off x="1271685" y="1105681"/>
+            <a:ext cx="956787" cy="307777"/>
+          </a:xfrm>
+          <a:prstGeom prst="rect">
+            <a:avLst/>
+          </a:prstGeom>
+          <a:noFill/>
+        </p:spPr>
+        <p:txBody>
+          <a:bodyPr wrap="square" rtlCol="0">
+            <a:spAutoFit/>
+          </a:bodyPr>
+          <a:lstStyle/>
+          <a:p>
+            <a:r>
+              <a:rPr lang="en-GB" sz="1400" dirty="0"/>
+              <a:t>Height cm</a:t>
+            </a:r>
+          </a:p>
+        </p:txBody>
+      </p:sp>
+      <p:sp>
+        <p:nvSpPr>
+          <p:cNvPr id="13" name="TextBox 12">
+            <a:extLst>
+              <a:ext uri="{FF2B5EF4-FFF2-40B4-BE49-F238E27FC236}">
+                <a16:creationId xmlns:a16="http://schemas.microsoft.com/office/drawing/2014/main" id="{0AD01AC9-C7A0-45DF-9769-BCC5BEF0E072}"/>
+              </a:ext>
+            </a:extLst>
+          </p:cNvPr>
+          <p:cNvSpPr txBox="1"/>
+          <p:nvPr/>
+        </p:nvSpPr>
+        <p:spPr>
+          <a:xfrm>
+            <a:off x="2319304" y="1105680"/>
+            <a:ext cx="823565" cy="307777"/>
+          </a:xfrm>
+          <a:prstGeom prst="rect">
+            <a:avLst/>
+          </a:prstGeom>
+          <a:noFill/>
+        </p:spPr>
+        <p:txBody>
+          <a:bodyPr wrap="square" rtlCol="0">
+            <a:spAutoFit/>
+          </a:bodyPr>
+          <a:lstStyle/>
+          <a:p>
+            <a:r>
+              <a:rPr lang="en-GB" sz="1400" dirty="0"/>
+              <a:t>Time s</a:t>
+            </a:r>
+          </a:p>
+        </p:txBody>
+      </p:sp>
+      <p:sp>
+        <p:nvSpPr>
+          <p:cNvPr id="14" name="TextBox 13">
+            <a:extLst>
+              <a:ext uri="{FF2B5EF4-FFF2-40B4-BE49-F238E27FC236}">
+                <a16:creationId xmlns:a16="http://schemas.microsoft.com/office/drawing/2014/main" id="{315AC165-89A8-4F8F-A739-D6D0200E8AF0}"/>
+              </a:ext>
+            </a:extLst>
+          </p:cNvPr>
+          <p:cNvSpPr txBox="1"/>
+          <p:nvPr/>
+        </p:nvSpPr>
+        <p:spPr>
+          <a:xfrm>
+            <a:off x="3301324" y="1105679"/>
+            <a:ext cx="823565" cy="307777"/>
+          </a:xfrm>
+          <a:prstGeom prst="rect">
+            <a:avLst/>
+          </a:prstGeom>
+          <a:noFill/>
+        </p:spPr>
+        <p:txBody>
+          <a:bodyPr wrap="square" rtlCol="0">
+            <a:spAutoFit/>
+          </a:bodyPr>
+          <a:lstStyle/>
+          <a:p>
+            <a:r>
+              <a:rPr lang="en-GB" sz="1400" dirty="0"/>
+              <a:t>Time s</a:t>
+            </a:r>
+          </a:p>
+        </p:txBody>
+      </p:sp>
+      <p:sp>
+        <p:nvSpPr>
+          <p:cNvPr id="15" name="TextBox 14">
+            <a:extLst>
+              <a:ext uri="{FF2B5EF4-FFF2-40B4-BE49-F238E27FC236}">
+                <a16:creationId xmlns:a16="http://schemas.microsoft.com/office/drawing/2014/main" id="{67E811E5-13CA-4747-BB41-8BD7BFB004A9}"/>
+              </a:ext>
+            </a:extLst>
+          </p:cNvPr>
+          <p:cNvSpPr txBox="1"/>
+          <p:nvPr/>
+        </p:nvSpPr>
+        <p:spPr>
+          <a:xfrm>
+            <a:off x="4324726" y="1105680"/>
+            <a:ext cx="823565" cy="307777"/>
+          </a:xfrm>
+          <a:prstGeom prst="rect">
+            <a:avLst/>
+          </a:prstGeom>
+          <a:noFill/>
+        </p:spPr>
+        <p:txBody>
+          <a:bodyPr wrap="square" rtlCol="0">
+            <a:spAutoFit/>
+          </a:bodyPr>
+          <a:lstStyle/>
+          <a:p>
+            <a:r>
+              <a:rPr lang="en-GB" sz="1400" dirty="0"/>
+              <a:t>Time s</a:t>
+            </a:r>
+          </a:p>
+        </p:txBody>
+      </p:sp>
+      <p:sp>
+        <p:nvSpPr>
+          <p:cNvPr id="17" name="TextBox 16">
+            <a:extLst>
+              <a:ext uri="{FF2B5EF4-FFF2-40B4-BE49-F238E27FC236}">
+                <a16:creationId xmlns:a16="http://schemas.microsoft.com/office/drawing/2014/main" id="{8C675AAB-D99A-4199-A754-2F0A3123F89F}"/>
+              </a:ext>
+            </a:extLst>
+          </p:cNvPr>
+          <p:cNvSpPr txBox="1"/>
+          <p:nvPr/>
+        </p:nvSpPr>
+        <p:spPr>
+          <a:xfrm>
+            <a:off x="5227017" y="1115289"/>
+            <a:ext cx="1409953" cy="307777"/>
+          </a:xfrm>
+          <a:prstGeom prst="rect">
+            <a:avLst/>
+          </a:prstGeom>
+          <a:noFill/>
+        </p:spPr>
+        <p:txBody>
+          <a:bodyPr wrap="square" rtlCol="0">
+            <a:spAutoFit/>
+          </a:bodyPr>
+          <a:lstStyle/>
+          <a:p>
+            <a:r>
+              <a:rPr lang="en-GB" sz="1400" dirty="0"/>
+              <a:t>Average Time s</a:t>
+            </a:r>
+          </a:p>
+        </p:txBody>
+      </p:sp>
+      <p:sp>
+        <p:nvSpPr>
+          <p:cNvPr id="20" name="TextBox 19">
+            <a:extLst>
+              <a:ext uri="{FF2B5EF4-FFF2-40B4-BE49-F238E27FC236}">
+                <a16:creationId xmlns:a16="http://schemas.microsoft.com/office/drawing/2014/main" id="{3C09D871-2279-4343-932D-6D97F622956B}"/>
+              </a:ext>
+            </a:extLst>
+          </p:cNvPr>
+          <p:cNvSpPr txBox="1"/>
+          <p:nvPr/>
+        </p:nvSpPr>
+        <p:spPr>
+          <a:xfrm>
+            <a:off x="3168103" y="577901"/>
+            <a:ext cx="1409953" cy="338554"/>
+          </a:xfrm>
+          <a:prstGeom prst="rect">
+            <a:avLst/>
+          </a:prstGeom>
+          <a:noFill/>
+        </p:spPr>
+        <p:txBody>
+          <a:bodyPr wrap="square" rtlCol="0">
+            <a:spAutoFit/>
+          </a:bodyPr>
+          <a:lstStyle/>
+          <a:p>
+            <a:r>
+              <a:rPr lang="en-GB" sz="1600" b="1" dirty="0"/>
+              <a:t>Example Table</a:t>
+            </a:r>
+          </a:p>
+        </p:txBody>
+      </p:sp>
+      <p:sp>
+        <p:nvSpPr>
+          <p:cNvPr id="21" name="TextBox 20">
+            <a:extLst>
+              <a:ext uri="{FF2B5EF4-FFF2-40B4-BE49-F238E27FC236}">
+                <a16:creationId xmlns:a16="http://schemas.microsoft.com/office/drawing/2014/main" id="{192067E9-EA1D-4E7D-AE01-1ECF784AD320}"/>
+              </a:ext>
+            </a:extLst>
+          </p:cNvPr>
+          <p:cNvSpPr txBox="1"/>
+          <p:nvPr/>
+        </p:nvSpPr>
+        <p:spPr>
+          <a:xfrm>
+            <a:off x="1529299" y="1552361"/>
+            <a:ext cx="441558" cy="307777"/>
+          </a:xfrm>
+          <a:prstGeom prst="rect">
+            <a:avLst/>
+          </a:prstGeom>
+          <a:noFill/>
+        </p:spPr>
+        <p:txBody>
+          <a:bodyPr wrap="square" rtlCol="0">
+            <a:spAutoFit/>
+          </a:bodyPr>
+          <a:lstStyle/>
+          <a:p>
+            <a:r>
+              <a:rPr lang="en-GB" sz="1400" dirty="0"/>
+              <a:t>0.1</a:t>
+            </a:r>
+          </a:p>
+        </p:txBody>
+      </p:sp>
+      <p:sp>
+        <p:nvSpPr>
+          <p:cNvPr id="22" name="TextBox 21">
+            <a:extLst>
+              <a:ext uri="{FF2B5EF4-FFF2-40B4-BE49-F238E27FC236}">
+                <a16:creationId xmlns:a16="http://schemas.microsoft.com/office/drawing/2014/main" id="{150C7FA2-6454-41E4-AD2B-34627E9765F3}"/>
+              </a:ext>
+            </a:extLst>
+          </p:cNvPr>
+          <p:cNvSpPr txBox="1"/>
+          <p:nvPr/>
+        </p:nvSpPr>
+        <p:spPr>
+          <a:xfrm>
+            <a:off x="1529299" y="1860138"/>
+            <a:ext cx="441558" cy="307777"/>
+          </a:xfrm>
+          <a:prstGeom prst="rect">
+            <a:avLst/>
+          </a:prstGeom>
+          <a:noFill/>
+        </p:spPr>
+        <p:txBody>
+          <a:bodyPr wrap="square" rtlCol="0">
+            <a:spAutoFit/>
+          </a:bodyPr>
+          <a:lstStyle/>
+          <a:p>
+            <a:r>
+              <a:rPr lang="en-GB" sz="1400" dirty="0"/>
+              <a:t>0.2</a:t>
+            </a:r>
+          </a:p>
+        </p:txBody>
+      </p:sp>
+      <p:sp>
+        <p:nvSpPr>
+          <p:cNvPr id="23" name="TextBox 22">
+            <a:extLst>
+              <a:ext uri="{FF2B5EF4-FFF2-40B4-BE49-F238E27FC236}">
+                <a16:creationId xmlns:a16="http://schemas.microsoft.com/office/drawing/2014/main" id="{73C1EACD-0EF3-4EA6-98A5-E2C92B2BDF38}"/>
+              </a:ext>
+            </a:extLst>
+          </p:cNvPr>
+          <p:cNvSpPr txBox="1"/>
+          <p:nvPr/>
+        </p:nvSpPr>
+        <p:spPr>
+          <a:xfrm>
+            <a:off x="1520977" y="2167915"/>
+            <a:ext cx="441558" cy="307777"/>
+          </a:xfrm>
+          <a:prstGeom prst="rect">
+            <a:avLst/>
+          </a:prstGeom>
+          <a:noFill/>
+        </p:spPr>
+        <p:txBody>
+          <a:bodyPr wrap="square" rtlCol="0">
+            <a:spAutoFit/>
+          </a:bodyPr>
+          <a:lstStyle/>
+          <a:p>
+            <a:r>
+              <a:rPr lang="en-GB" sz="1400" dirty="0"/>
+              <a:t>0.3</a:t>
+            </a:r>
+          </a:p>
+        </p:txBody>
+      </p:sp>
+      <p:sp>
+        <p:nvSpPr>
+          <p:cNvPr id="24" name="TextBox 23">
+            <a:extLst>
+              <a:ext uri="{FF2B5EF4-FFF2-40B4-BE49-F238E27FC236}">
+                <a16:creationId xmlns:a16="http://schemas.microsoft.com/office/drawing/2014/main" id="{B09967C1-E7FE-46E1-8799-4EC7C1874E3B}"/>
+              </a:ext>
+            </a:extLst>
+          </p:cNvPr>
+          <p:cNvSpPr txBox="1"/>
+          <p:nvPr/>
+        </p:nvSpPr>
+        <p:spPr>
+          <a:xfrm>
+            <a:off x="1536366" y="2475692"/>
+            <a:ext cx="441558" cy="307777"/>
+          </a:xfrm>
+          <a:prstGeom prst="rect">
+            <a:avLst/>
+          </a:prstGeom>
+          <a:noFill/>
+        </p:spPr>
+        <p:txBody>
+          <a:bodyPr wrap="square" rtlCol="0">
+            <a:spAutoFit/>
+          </a:bodyPr>
+          <a:lstStyle/>
+          <a:p>
+            <a:r>
+              <a:rPr lang="en-GB" sz="1400" dirty="0"/>
+              <a:t>0.4</a:t>
+            </a:r>
+          </a:p>
+        </p:txBody>
+      </p:sp>
+      <p:sp>
+        <p:nvSpPr>
+          <p:cNvPr id="25" name="TextBox 24">
+            <a:extLst>
+              <a:ext uri="{FF2B5EF4-FFF2-40B4-BE49-F238E27FC236}">
+                <a16:creationId xmlns:a16="http://schemas.microsoft.com/office/drawing/2014/main" id="{FF763D0D-D7F6-445F-ADF0-8237F9418939}"/>
+              </a:ext>
+            </a:extLst>
+          </p:cNvPr>
+          <p:cNvSpPr txBox="1"/>
+          <p:nvPr/>
+        </p:nvSpPr>
+        <p:spPr>
+          <a:xfrm>
+            <a:off x="1536366" y="2783469"/>
+            <a:ext cx="441558" cy="307777"/>
+          </a:xfrm>
+          <a:prstGeom prst="rect">
+            <a:avLst/>
+          </a:prstGeom>
+          <a:noFill/>
+        </p:spPr>
+        <p:txBody>
+          <a:bodyPr wrap="square" rtlCol="0">
+            <a:spAutoFit/>
+          </a:bodyPr>
+          <a:lstStyle/>
+          <a:p>
+            <a:r>
+              <a:rPr lang="en-GB" sz="1400" dirty="0"/>
+              <a:t>0.5</a:t>
+            </a:r>
+          </a:p>
+        </p:txBody>
+      </p:sp>
+      <p:cxnSp>
+        <p:nvCxnSpPr>
+          <p:cNvPr id="32" name="Connector: Curved 31">
+            <a:extLst>
+              <a:ext uri="{FF2B5EF4-FFF2-40B4-BE49-F238E27FC236}">
+                <a16:creationId xmlns:a16="http://schemas.microsoft.com/office/drawing/2014/main" id="{169D8960-1D0E-4CF6-B378-4E0D77DEC4DD}"/>
+              </a:ext>
+            </a:extLst>
+          </p:cNvPr>
+          <p:cNvCxnSpPr>
+            <a:cxnSpLocks/>
+          </p:cNvCxnSpPr>
+          <p:nvPr/>
+        </p:nvCxnSpPr>
+        <p:spPr>
+          <a:xfrm>
+            <a:off x="8037327" y="1342275"/>
+            <a:ext cx="963356" cy="419632"/>
+          </a:xfrm>
+          <a:prstGeom prst="curvedConnector3">
+            <a:avLst/>
+          </a:prstGeom>
+          <a:ln w="28575">
+            <a:solidFill>
+              <a:schemeClr val="tx1"/>
+            </a:solidFill>
+            <a:tailEnd type="triangle"/>
+          </a:ln>
+        </p:spPr>
+        <p:style>
+          <a:lnRef idx="1">
+            <a:schemeClr val="accent1"/>
+          </a:lnRef>
+          <a:fillRef idx="0">
+            <a:schemeClr val="accent1"/>
+          </a:fillRef>
+          <a:effectRef idx="0">
+            <a:schemeClr val="accent1"/>
+          </a:effectRef>
+          <a:fontRef idx="minor">
+            <a:schemeClr val="tx1"/>
+          </a:fontRef>
+        </p:style>
+      </p:cxnSp>
+      <p:sp>
+        <p:nvSpPr>
+          <p:cNvPr id="34" name="TextBox 33">
+            <a:extLst>
+              <a:ext uri="{FF2B5EF4-FFF2-40B4-BE49-F238E27FC236}">
+                <a16:creationId xmlns:a16="http://schemas.microsoft.com/office/drawing/2014/main" id="{FAB8472B-C53B-40F3-9526-B3E56C940E15}"/>
+              </a:ext>
+            </a:extLst>
+          </p:cNvPr>
+          <p:cNvSpPr txBox="1"/>
+          <p:nvPr/>
+        </p:nvSpPr>
+        <p:spPr>
+          <a:xfrm>
+            <a:off x="9036008" y="1423354"/>
+            <a:ext cx="1532074" cy="954107"/>
+          </a:xfrm>
+          <a:prstGeom prst="rect">
+            <a:avLst/>
+          </a:prstGeom>
+          <a:noFill/>
+        </p:spPr>
+        <p:txBody>
+          <a:bodyPr wrap="square" rtlCol="0">
+            <a:spAutoFit/>
+          </a:bodyPr>
+          <a:lstStyle/>
+          <a:p>
+            <a:r>
+              <a:rPr lang="en-GB" sz="1400" dirty="0"/>
+              <a:t>Remember to put the unit in the header not in each line</a:t>
+            </a:r>
+          </a:p>
+        </p:txBody>
+      </p:sp>
+      <p:sp>
+        <p:nvSpPr>
+          <p:cNvPr id="35" name="TextBox 34">
+            <a:extLst>
+              <a:ext uri="{FF2B5EF4-FFF2-40B4-BE49-F238E27FC236}">
+                <a16:creationId xmlns:a16="http://schemas.microsoft.com/office/drawing/2014/main" id="{0F9FB4E2-AB6D-42C8-9C4B-6D11A44C0ADD}"/>
+              </a:ext>
+            </a:extLst>
+          </p:cNvPr>
+          <p:cNvSpPr txBox="1"/>
+          <p:nvPr/>
+        </p:nvSpPr>
+        <p:spPr>
+          <a:xfrm>
+            <a:off x="2408635" y="1860138"/>
+            <a:ext cx="577301" cy="307777"/>
+          </a:xfrm>
+          <a:prstGeom prst="rect">
+            <a:avLst/>
+          </a:prstGeom>
+          <a:noFill/>
+        </p:spPr>
+        <p:txBody>
+          <a:bodyPr wrap="square" rtlCol="0">
+            <a:spAutoFit/>
+          </a:bodyPr>
+          <a:lstStyle/>
+          <a:p>
+            <a:r>
+              <a:rPr lang="en-GB" sz="1400" dirty="0"/>
+              <a:t>17.2</a:t>
+            </a:r>
+          </a:p>
+        </p:txBody>
+      </p:sp>
+      <p:sp>
+        <p:nvSpPr>
+          <p:cNvPr id="36" name="TextBox 35">
+            <a:extLst>
+              <a:ext uri="{FF2B5EF4-FFF2-40B4-BE49-F238E27FC236}">
+                <a16:creationId xmlns:a16="http://schemas.microsoft.com/office/drawing/2014/main" id="{5F935EF6-F023-43B2-89BC-FE0A08C9E70E}"/>
+              </a:ext>
+            </a:extLst>
+          </p:cNvPr>
+          <p:cNvSpPr txBox="1"/>
+          <p:nvPr/>
+        </p:nvSpPr>
+        <p:spPr>
+          <a:xfrm>
+            <a:off x="3441626" y="1854082"/>
+            <a:ext cx="570489" cy="307777"/>
+          </a:xfrm>
+          <a:prstGeom prst="rect">
+            <a:avLst/>
+          </a:prstGeom>
+          <a:noFill/>
+        </p:spPr>
+        <p:txBody>
+          <a:bodyPr wrap="square" rtlCol="0">
+            <a:spAutoFit/>
+          </a:bodyPr>
+          <a:lstStyle/>
+          <a:p>
+            <a:r>
+              <a:rPr lang="en-GB" sz="1400" dirty="0"/>
+              <a:t>18.1</a:t>
+            </a:r>
+          </a:p>
+        </p:txBody>
+      </p:sp>
+      <p:sp>
+        <p:nvSpPr>
+          <p:cNvPr id="37" name="TextBox 36">
+            <a:extLst>
+              <a:ext uri="{FF2B5EF4-FFF2-40B4-BE49-F238E27FC236}">
+                <a16:creationId xmlns:a16="http://schemas.microsoft.com/office/drawing/2014/main" id="{4A57F8ED-538E-4B98-A347-78B798E81459}"/>
+              </a:ext>
+            </a:extLst>
+          </p:cNvPr>
+          <p:cNvSpPr txBox="1"/>
+          <p:nvPr/>
+        </p:nvSpPr>
+        <p:spPr>
+          <a:xfrm>
+            <a:off x="4476373" y="1860138"/>
+            <a:ext cx="559143" cy="307777"/>
+          </a:xfrm>
+          <a:prstGeom prst="rect">
+            <a:avLst/>
+          </a:prstGeom>
+          <a:noFill/>
+        </p:spPr>
+        <p:txBody>
+          <a:bodyPr wrap="square" rtlCol="0">
+            <a:spAutoFit/>
+          </a:bodyPr>
+          <a:lstStyle/>
+          <a:p>
+            <a:r>
+              <a:rPr lang="en-GB" sz="1400" dirty="0"/>
+              <a:t>29.1</a:t>
+            </a:r>
+          </a:p>
+        </p:txBody>
+      </p:sp>
+      <p:cxnSp>
+        <p:nvCxnSpPr>
+          <p:cNvPr id="39" name="Connector: Curved 38">
+            <a:extLst>
+              <a:ext uri="{FF2B5EF4-FFF2-40B4-BE49-F238E27FC236}">
+                <a16:creationId xmlns:a16="http://schemas.microsoft.com/office/drawing/2014/main" id="{FFA977E7-E917-4291-A3D5-04BBDF8CBA9F}"/>
+              </a:ext>
+            </a:extLst>
+          </p:cNvPr>
+          <p:cNvCxnSpPr>
+            <a:cxnSpLocks/>
+          </p:cNvCxnSpPr>
+          <p:nvPr/>
+        </p:nvCxnSpPr>
+        <p:spPr>
+          <a:xfrm>
+            <a:off x="6586007" y="2119198"/>
+            <a:ext cx="1414489" cy="914936"/>
+          </a:xfrm>
+          <a:prstGeom prst="curvedConnector3">
+            <a:avLst/>
+          </a:prstGeom>
+          <a:ln w="28575">
+            <a:solidFill>
+              <a:schemeClr val="tx1"/>
+            </a:solidFill>
+            <a:tailEnd type="triangle"/>
+          </a:ln>
+        </p:spPr>
+        <p:style>
+          <a:lnRef idx="1">
+            <a:schemeClr val="accent1"/>
+          </a:lnRef>
+          <a:fillRef idx="0">
+            <a:schemeClr val="accent1"/>
+          </a:fillRef>
+          <a:effectRef idx="0">
+            <a:schemeClr val="accent1"/>
+          </a:effectRef>
+          <a:fontRef idx="minor">
+            <a:schemeClr val="tx1"/>
+          </a:fontRef>
+        </p:style>
+      </p:cxnSp>
+      <p:sp>
+        <p:nvSpPr>
+          <p:cNvPr id="41" name="TextBox 40">
+            <a:extLst>
+              <a:ext uri="{FF2B5EF4-FFF2-40B4-BE49-F238E27FC236}">
+                <a16:creationId xmlns:a16="http://schemas.microsoft.com/office/drawing/2014/main" id="{49E4AEEA-E2A0-4864-B8F2-7C2293540D13}"/>
+              </a:ext>
+            </a:extLst>
+          </p:cNvPr>
+          <p:cNvSpPr txBox="1"/>
+          <p:nvPr/>
+        </p:nvSpPr>
+        <p:spPr>
+          <a:xfrm>
+            <a:off x="8000496" y="2783469"/>
+            <a:ext cx="2235536" cy="954107"/>
+          </a:xfrm>
+          <a:prstGeom prst="rect">
+            <a:avLst/>
+          </a:prstGeom>
+          <a:noFill/>
+        </p:spPr>
+        <p:txBody>
+          <a:bodyPr wrap="square" rtlCol="0">
+            <a:spAutoFit/>
+          </a:bodyPr>
+          <a:lstStyle/>
+          <a:p>
+            <a:r>
+              <a:rPr lang="en-GB" sz="1400" dirty="0"/>
+              <a:t>Once you have collected your results, it is important to remove and repeat any anomalous results</a:t>
+            </a:r>
+          </a:p>
+        </p:txBody>
+      </p:sp>
+      <p:cxnSp>
+        <p:nvCxnSpPr>
+          <p:cNvPr id="26" name="Straight Connector 25">
+            <a:extLst>
+              <a:ext uri="{FF2B5EF4-FFF2-40B4-BE49-F238E27FC236}">
+                <a16:creationId xmlns:a16="http://schemas.microsoft.com/office/drawing/2014/main" id="{36C8558B-CC46-40E7-B3CB-98743B2A8715}"/>
+              </a:ext>
+            </a:extLst>
+          </p:cNvPr>
+          <p:cNvCxnSpPr>
+            <a:cxnSpLocks/>
+          </p:cNvCxnSpPr>
+          <p:nvPr/>
+        </p:nvCxnSpPr>
+        <p:spPr>
+          <a:xfrm>
+            <a:off x="6475486" y="1065789"/>
+            <a:ext cx="0" cy="2107361"/>
+          </a:xfrm>
+          <a:prstGeom prst="line">
+            <a:avLst/>
+          </a:prstGeom>
+          <a:ln w="38100">
+            <a:solidFill>
+              <a:schemeClr val="tx1"/>
+            </a:solidFill>
+          </a:ln>
+        </p:spPr>
+        <p:style>
+          <a:lnRef idx="1">
+            <a:schemeClr val="accent1"/>
+          </a:lnRef>
+          <a:fillRef idx="0">
+            <a:schemeClr val="accent1"/>
+          </a:fillRef>
+          <a:effectRef idx="0">
+            <a:schemeClr val="accent1"/>
+          </a:effectRef>
+          <a:fontRef idx="minor">
+            <a:schemeClr val="tx1"/>
+          </a:fontRef>
+        </p:style>
+      </p:cxnSp>
+      <p:sp>
+        <p:nvSpPr>
+          <p:cNvPr id="28" name="TextBox 27">
+            <a:extLst>
+              <a:ext uri="{FF2B5EF4-FFF2-40B4-BE49-F238E27FC236}">
+                <a16:creationId xmlns:a16="http://schemas.microsoft.com/office/drawing/2014/main" id="{24722548-3582-4E40-93A9-FC90CB48C11A}"/>
+              </a:ext>
+            </a:extLst>
+          </p:cNvPr>
+          <p:cNvSpPr txBox="1"/>
+          <p:nvPr/>
+        </p:nvSpPr>
+        <p:spPr>
+          <a:xfrm>
+            <a:off x="6502231" y="1105678"/>
+            <a:ext cx="1321640" cy="307777"/>
+          </a:xfrm>
+          <a:prstGeom prst="rect">
+            <a:avLst/>
+          </a:prstGeom>
+          <a:noFill/>
+        </p:spPr>
+        <p:txBody>
+          <a:bodyPr wrap="square" rtlCol="0">
+            <a:spAutoFit/>
+          </a:bodyPr>
+          <a:lstStyle/>
+          <a:p>
+            <a:r>
+              <a:rPr lang="en-GB" sz="1400" dirty="0"/>
+              <a:t>Velocity (m/s)</a:t>
+            </a:r>
+          </a:p>
+        </p:txBody>
+      </p:sp>
+    </p:spTree>
+    <p:extLst>
+      <p:ext uri="{BB962C8B-B14F-4D97-AF65-F5344CB8AC3E}">
+        <p14:creationId xmlns:p14="http://schemas.microsoft.com/office/powerpoint/2010/main" val="3707381430"/>
       </p:ext>
     </p:extLst>
   </p:cSld>

--- a/Determination of g diagram.pptx
+++ b/Determination of g diagram.pptx
@@ -281,7 +281,7 @@
           <a:p>
             <a:fld id="{40AE047B-88A8-4E73-BFC2-E0D791C9FE6D}" type="datetimeFigureOut">
               <a:rPr lang="en-GB" smtClean="0"/>
-              <a:t>28/04/2022</a:t>
+              <a:t>29/04/2022</a:t>
             </a:fld>
             <a:endParaRPr lang="en-GB"/>
           </a:p>
@@ -481,7 +481,7 @@
           <a:p>
             <a:fld id="{40AE047B-88A8-4E73-BFC2-E0D791C9FE6D}" type="datetimeFigureOut">
               <a:rPr lang="en-GB" smtClean="0"/>
-              <a:t>28/04/2022</a:t>
+              <a:t>29/04/2022</a:t>
             </a:fld>
             <a:endParaRPr lang="en-GB"/>
           </a:p>
@@ -691,7 +691,7 @@
           <a:p>
             <a:fld id="{40AE047B-88A8-4E73-BFC2-E0D791C9FE6D}" type="datetimeFigureOut">
               <a:rPr lang="en-GB" smtClean="0"/>
-              <a:t>28/04/2022</a:t>
+              <a:t>29/04/2022</a:t>
             </a:fld>
             <a:endParaRPr lang="en-GB"/>
           </a:p>
@@ -891,7 +891,7 @@
           <a:p>
             <a:fld id="{40AE047B-88A8-4E73-BFC2-E0D791C9FE6D}" type="datetimeFigureOut">
               <a:rPr lang="en-GB" smtClean="0"/>
-              <a:t>28/04/2022</a:t>
+              <a:t>29/04/2022</a:t>
             </a:fld>
             <a:endParaRPr lang="en-GB"/>
           </a:p>
@@ -1167,7 +1167,7 @@
           <a:p>
             <a:fld id="{40AE047B-88A8-4E73-BFC2-E0D791C9FE6D}" type="datetimeFigureOut">
               <a:rPr lang="en-GB" smtClean="0"/>
-              <a:t>28/04/2022</a:t>
+              <a:t>29/04/2022</a:t>
             </a:fld>
             <a:endParaRPr lang="en-GB"/>
           </a:p>
@@ -1435,7 +1435,7 @@
           <a:p>
             <a:fld id="{40AE047B-88A8-4E73-BFC2-E0D791C9FE6D}" type="datetimeFigureOut">
               <a:rPr lang="en-GB" smtClean="0"/>
-              <a:t>28/04/2022</a:t>
+              <a:t>29/04/2022</a:t>
             </a:fld>
             <a:endParaRPr lang="en-GB"/>
           </a:p>
@@ -1850,7 +1850,7 @@
           <a:p>
             <a:fld id="{40AE047B-88A8-4E73-BFC2-E0D791C9FE6D}" type="datetimeFigureOut">
               <a:rPr lang="en-GB" smtClean="0"/>
-              <a:t>28/04/2022</a:t>
+              <a:t>29/04/2022</a:t>
             </a:fld>
             <a:endParaRPr lang="en-GB"/>
           </a:p>
@@ -1992,7 +1992,7 @@
           <a:p>
             <a:fld id="{40AE047B-88A8-4E73-BFC2-E0D791C9FE6D}" type="datetimeFigureOut">
               <a:rPr lang="en-GB" smtClean="0"/>
-              <a:t>28/04/2022</a:t>
+              <a:t>29/04/2022</a:t>
             </a:fld>
             <a:endParaRPr lang="en-GB"/>
           </a:p>
@@ -2105,7 +2105,7 @@
           <a:p>
             <a:fld id="{40AE047B-88A8-4E73-BFC2-E0D791C9FE6D}" type="datetimeFigureOut">
               <a:rPr lang="en-GB" smtClean="0"/>
-              <a:t>28/04/2022</a:t>
+              <a:t>29/04/2022</a:t>
             </a:fld>
             <a:endParaRPr lang="en-GB"/>
           </a:p>
@@ -2418,7 +2418,7 @@
           <a:p>
             <a:fld id="{40AE047B-88A8-4E73-BFC2-E0D791C9FE6D}" type="datetimeFigureOut">
               <a:rPr lang="en-GB" smtClean="0"/>
-              <a:t>28/04/2022</a:t>
+              <a:t>29/04/2022</a:t>
             </a:fld>
             <a:endParaRPr lang="en-GB"/>
           </a:p>
@@ -2707,7 +2707,7 @@
           <a:p>
             <a:fld id="{40AE047B-88A8-4E73-BFC2-E0D791C9FE6D}" type="datetimeFigureOut">
               <a:rPr lang="en-GB" smtClean="0"/>
-              <a:t>28/04/2022</a:t>
+              <a:t>29/04/2022</a:t>
             </a:fld>
             <a:endParaRPr lang="en-GB"/>
           </a:p>
@@ -2950,7 +2950,7 @@
           <a:p>
             <a:fld id="{40AE047B-88A8-4E73-BFC2-E0D791C9FE6D}" type="datetimeFigureOut">
               <a:rPr lang="en-GB" smtClean="0"/>
-              <a:t>28/04/2022</a:t>
+              <a:t>29/04/2022</a:t>
             </a:fld>
             <a:endParaRPr lang="en-GB"/>
           </a:p>
@@ -13406,7 +13406,7 @@
           <a:p>
             <a:r>
               <a:rPr lang="en-GB" sz="1400" dirty="0"/>
-              <a:t>Height cm</a:t>
+              <a:t>Height (m)</a:t>
             </a:r>
           </a:p>
         </p:txBody>
@@ -13441,7 +13441,7 @@
           <a:p>
             <a:r>
               <a:rPr lang="en-GB" sz="1400" dirty="0"/>
-              <a:t>Time s</a:t>
+              <a:t>Time (s)</a:t>
             </a:r>
           </a:p>
         </p:txBody>
@@ -13476,7 +13476,7 @@
           <a:p>
             <a:r>
               <a:rPr lang="en-GB" sz="1400" dirty="0"/>
-              <a:t>Time s</a:t>
+              <a:t>Time (s)</a:t>
             </a:r>
           </a:p>
         </p:txBody>
@@ -13511,7 +13511,7 @@
           <a:p>
             <a:r>
               <a:rPr lang="en-GB" sz="1400" dirty="0"/>
-              <a:t>Time s</a:t>
+              <a:t>Time (s)</a:t>
             </a:r>
           </a:p>
         </p:txBody>
@@ -13530,7 +13530,7 @@
         </p:nvSpPr>
         <p:spPr>
           <a:xfrm>
-            <a:off x="5227017" y="1115289"/>
+            <a:off x="5183869" y="1115577"/>
             <a:ext cx="1409953" cy="307777"/>
           </a:xfrm>
           <a:prstGeom prst="rect">
@@ -13546,7 +13546,7 @@
           <a:p>
             <a:r>
               <a:rPr lang="en-GB" sz="1400" dirty="0"/>
-              <a:t>Average Time s</a:t>
+              <a:t>Average Time (s)</a:t>
             </a:r>
           </a:p>
         </p:txBody>
@@ -13819,8 +13819,8 @@
         </p:nvSpPr>
         <p:spPr>
           <a:xfrm>
-            <a:off x="9036008" y="1423354"/>
-            <a:ext cx="1532074" cy="954107"/>
+            <a:off x="9036007" y="1423354"/>
+            <a:ext cx="1635015" cy="1169551"/>
           </a:xfrm>
           <a:prstGeom prst="rect">
             <a:avLst/>
@@ -13835,7 +13835,7 @@
           <a:p>
             <a:r>
               <a:rPr lang="en-GB" sz="1400" dirty="0"/>
-              <a:t>Remember to put the unit in the header not in each line</a:t>
+              <a:t>Remember to put the unit in brackets in the header. These should be in SI units</a:t>
             </a:r>
           </a:p>
         </p:txBody>
@@ -14040,7 +14040,7 @@
         </p:nvCxnSpPr>
         <p:spPr>
           <a:xfrm>
-            <a:off x="6475486" y="1065789"/>
+            <a:off x="6522416" y="1065517"/>
             <a:ext cx="0" cy="2107361"/>
           </a:xfrm>
           <a:prstGeom prst="line">
@@ -14099,6 +14099,821 @@
               <a:rPr lang="en-GB" sz="1400" dirty="0"/>
               <a:t>Velocity (m/s)</a:t>
             </a:r>
+          </a:p>
+        </p:txBody>
+      </p:sp>
+      <p:sp>
+        <p:nvSpPr>
+          <p:cNvPr id="2" name="TextBox 1">
+            <a:extLst>
+              <a:ext uri="{FF2B5EF4-FFF2-40B4-BE49-F238E27FC236}">
+                <a16:creationId xmlns:a16="http://schemas.microsoft.com/office/drawing/2014/main" id="{BD282887-87D3-416C-9361-24EF8372128B}"/>
+              </a:ext>
+            </a:extLst>
+          </p:cNvPr>
+          <p:cNvSpPr txBox="1"/>
+          <p:nvPr/>
+        </p:nvSpPr>
+        <p:spPr>
+          <a:xfrm>
+            <a:off x="786472" y="4249990"/>
+            <a:ext cx="1059735" cy="1446550"/>
+          </a:xfrm>
+          <a:prstGeom prst="rect">
+            <a:avLst/>
+          </a:prstGeom>
+          <a:noFill/>
+        </p:spPr>
+        <p:txBody>
+          <a:bodyPr wrap="square" rtlCol="0">
+            <a:spAutoFit/>
+          </a:bodyPr>
+          <a:lstStyle/>
+          <a:p>
+            <a:r>
+              <a:rPr lang="en-GB" sz="8800" b="1" dirty="0">
+                <a:solidFill>
+                  <a:srgbClr val="FF0000"/>
+                </a:solidFill>
+                <a:latin typeface="Segoe Print" panose="02000600000000000000" pitchFamily="2" charset="0"/>
+              </a:rPr>
+              <a:t>B</a:t>
+            </a:r>
+          </a:p>
+        </p:txBody>
+      </p:sp>
+      <p:sp>
+        <p:nvSpPr>
+          <p:cNvPr id="7" name="Oval 6">
+            <a:extLst>
+              <a:ext uri="{FF2B5EF4-FFF2-40B4-BE49-F238E27FC236}">
+                <a16:creationId xmlns:a16="http://schemas.microsoft.com/office/drawing/2014/main" id="{488E7150-BD60-4BD9-B79F-F9FBE3E09588}"/>
+              </a:ext>
+            </a:extLst>
+          </p:cNvPr>
+          <p:cNvSpPr/>
+          <p:nvPr/>
+        </p:nvSpPr>
+        <p:spPr>
+          <a:xfrm>
+            <a:off x="527598" y="4129032"/>
+            <a:ext cx="1585058" cy="1567508"/>
+          </a:xfrm>
+          <a:custGeom>
+            <a:avLst/>
+            <a:gdLst>
+              <a:gd name="connsiteX0" fmla="*/ 0 w 1585058"/>
+              <a:gd name="connsiteY0" fmla="*/ 783754 h 1567508"/>
+              <a:gd name="connsiteX1" fmla="*/ 792529 w 1585058"/>
+              <a:gd name="connsiteY1" fmla="*/ 0 h 1567508"/>
+              <a:gd name="connsiteX2" fmla="*/ 1585058 w 1585058"/>
+              <a:gd name="connsiteY2" fmla="*/ 783754 h 1567508"/>
+              <a:gd name="connsiteX3" fmla="*/ 792529 w 1585058"/>
+              <a:gd name="connsiteY3" fmla="*/ 1567508 h 1567508"/>
+              <a:gd name="connsiteX4" fmla="*/ 0 w 1585058"/>
+              <a:gd name="connsiteY4" fmla="*/ 783754 h 1567508"/>
+            </a:gdLst>
+            <a:ahLst/>
+            <a:cxnLst>
+              <a:cxn ang="0">
+                <a:pos x="connsiteX0" y="connsiteY0"/>
+              </a:cxn>
+              <a:cxn ang="0">
+                <a:pos x="connsiteX1" y="connsiteY1"/>
+              </a:cxn>
+              <a:cxn ang="0">
+                <a:pos x="connsiteX2" y="connsiteY2"/>
+              </a:cxn>
+              <a:cxn ang="0">
+                <a:pos x="connsiteX3" y="connsiteY3"/>
+              </a:cxn>
+              <a:cxn ang="0">
+                <a:pos x="connsiteX4" y="connsiteY4"/>
+              </a:cxn>
+            </a:cxnLst>
+            <a:rect l="l" t="t" r="r" b="b"/>
+            <a:pathLst>
+              <a:path w="1585058" h="1567508" extrusionOk="0">
+                <a:moveTo>
+                  <a:pt x="0" y="783754"/>
+                </a:moveTo>
+                <a:cubicBezTo>
+                  <a:pt x="-41375" y="270404"/>
+                  <a:pt x="265505" y="95612"/>
+                  <a:pt x="792529" y="0"/>
+                </a:cubicBezTo>
+                <a:cubicBezTo>
+                  <a:pt x="1261808" y="19010"/>
+                  <a:pt x="1542767" y="270637"/>
+                  <a:pt x="1585058" y="783754"/>
+                </a:cubicBezTo>
+                <a:cubicBezTo>
+                  <a:pt x="1539983" y="1207138"/>
+                  <a:pt x="1235338" y="1526604"/>
+                  <a:pt x="792529" y="1567508"/>
+                </a:cubicBezTo>
+                <a:cubicBezTo>
+                  <a:pt x="298642" y="1490066"/>
+                  <a:pt x="22983" y="1185144"/>
+                  <a:pt x="0" y="783754"/>
+                </a:cubicBezTo>
+                <a:close/>
+              </a:path>
+            </a:pathLst>
+          </a:custGeom>
+          <a:noFill/>
+          <a:ln w="76200">
+            <a:solidFill>
+              <a:srgbClr val="FF0000"/>
+            </a:solidFill>
+            <a:extLst>
+              <a:ext uri="{C807C97D-BFC1-408E-A445-0C87EB9F89A2}">
+                <ask:lineSketchStyleProps xmlns:ask="http://schemas.microsoft.com/office/drawing/2018/sketchyshapes" sd="4172447036">
+                  <a:prstGeom prst="ellipse">
+                    <a:avLst/>
+                  </a:prstGeom>
+                  <ask:type>
+                    <ask:lineSketchScribble/>
+                  </ask:type>
+                </ask:lineSketchStyleProps>
+              </a:ext>
+            </a:extLst>
+          </a:ln>
+        </p:spPr>
+        <p:style>
+          <a:lnRef idx="2">
+            <a:schemeClr val="accent1">
+              <a:shade val="50000"/>
+            </a:schemeClr>
+          </a:lnRef>
+          <a:fillRef idx="1">
+            <a:schemeClr val="accent1"/>
+          </a:fillRef>
+          <a:effectRef idx="0">
+            <a:schemeClr val="accent1"/>
+          </a:effectRef>
+          <a:fontRef idx="minor">
+            <a:schemeClr val="lt1"/>
+          </a:fontRef>
+        </p:style>
+        <p:txBody>
+          <a:bodyPr rtlCol="0" anchor="ctr"/>
+          <a:lstStyle/>
+          <a:p>
+            <a:pPr algn="ctr"/>
+            <a:endParaRPr lang="en-GB"/>
+          </a:p>
+        </p:txBody>
+      </p:sp>
+      <p:sp>
+        <p:nvSpPr>
+          <p:cNvPr id="31" name="TextBox 30">
+            <a:extLst>
+              <a:ext uri="{FF2B5EF4-FFF2-40B4-BE49-F238E27FC236}">
+                <a16:creationId xmlns:a16="http://schemas.microsoft.com/office/drawing/2014/main" id="{757AA4D3-FD5F-4EC6-87E5-806F3CF37C9F}"/>
+              </a:ext>
+            </a:extLst>
+          </p:cNvPr>
+          <p:cNvSpPr txBox="1"/>
+          <p:nvPr/>
+        </p:nvSpPr>
+        <p:spPr>
+          <a:xfrm>
+            <a:off x="5485891" y="4195490"/>
+            <a:ext cx="1059735" cy="1446550"/>
+          </a:xfrm>
+          <a:prstGeom prst="rect">
+            <a:avLst/>
+          </a:prstGeom>
+          <a:noFill/>
+        </p:spPr>
+        <p:txBody>
+          <a:bodyPr wrap="square" rtlCol="0">
+            <a:spAutoFit/>
+          </a:bodyPr>
+          <a:lstStyle/>
+          <a:p>
+            <a:r>
+              <a:rPr lang="en-GB" sz="8800" b="1" dirty="0">
+                <a:solidFill>
+                  <a:srgbClr val="FF0000"/>
+                </a:solidFill>
+                <a:latin typeface="Segoe Print" panose="02000600000000000000" pitchFamily="2" charset="0"/>
+              </a:rPr>
+              <a:t>A</a:t>
+            </a:r>
+          </a:p>
+        </p:txBody>
+      </p:sp>
+      <p:sp>
+        <p:nvSpPr>
+          <p:cNvPr id="33" name="Oval 32">
+            <a:extLst>
+              <a:ext uri="{FF2B5EF4-FFF2-40B4-BE49-F238E27FC236}">
+                <a16:creationId xmlns:a16="http://schemas.microsoft.com/office/drawing/2014/main" id="{ECC5B53C-2038-48B6-845C-83BF34DB0F79}"/>
+              </a:ext>
+            </a:extLst>
+          </p:cNvPr>
+          <p:cNvSpPr/>
+          <p:nvPr/>
+        </p:nvSpPr>
+        <p:spPr>
+          <a:xfrm>
+            <a:off x="5227017" y="4074532"/>
+            <a:ext cx="1585058" cy="1567508"/>
+          </a:xfrm>
+          <a:custGeom>
+            <a:avLst/>
+            <a:gdLst>
+              <a:gd name="connsiteX0" fmla="*/ 0 w 1585058"/>
+              <a:gd name="connsiteY0" fmla="*/ 783754 h 1567508"/>
+              <a:gd name="connsiteX1" fmla="*/ 792529 w 1585058"/>
+              <a:gd name="connsiteY1" fmla="*/ 0 h 1567508"/>
+              <a:gd name="connsiteX2" fmla="*/ 1585058 w 1585058"/>
+              <a:gd name="connsiteY2" fmla="*/ 783754 h 1567508"/>
+              <a:gd name="connsiteX3" fmla="*/ 792529 w 1585058"/>
+              <a:gd name="connsiteY3" fmla="*/ 1567508 h 1567508"/>
+              <a:gd name="connsiteX4" fmla="*/ 0 w 1585058"/>
+              <a:gd name="connsiteY4" fmla="*/ 783754 h 1567508"/>
+            </a:gdLst>
+            <a:ahLst/>
+            <a:cxnLst>
+              <a:cxn ang="0">
+                <a:pos x="connsiteX0" y="connsiteY0"/>
+              </a:cxn>
+              <a:cxn ang="0">
+                <a:pos x="connsiteX1" y="connsiteY1"/>
+              </a:cxn>
+              <a:cxn ang="0">
+                <a:pos x="connsiteX2" y="connsiteY2"/>
+              </a:cxn>
+              <a:cxn ang="0">
+                <a:pos x="connsiteX3" y="connsiteY3"/>
+              </a:cxn>
+              <a:cxn ang="0">
+                <a:pos x="connsiteX4" y="connsiteY4"/>
+              </a:cxn>
+            </a:cxnLst>
+            <a:rect l="l" t="t" r="r" b="b"/>
+            <a:pathLst>
+              <a:path w="1585058" h="1567508" extrusionOk="0">
+                <a:moveTo>
+                  <a:pt x="0" y="783754"/>
+                </a:moveTo>
+                <a:cubicBezTo>
+                  <a:pt x="-41375" y="270404"/>
+                  <a:pt x="265505" y="95612"/>
+                  <a:pt x="792529" y="0"/>
+                </a:cubicBezTo>
+                <a:cubicBezTo>
+                  <a:pt x="1261808" y="19010"/>
+                  <a:pt x="1542767" y="270637"/>
+                  <a:pt x="1585058" y="783754"/>
+                </a:cubicBezTo>
+                <a:cubicBezTo>
+                  <a:pt x="1539983" y="1207138"/>
+                  <a:pt x="1235338" y="1526604"/>
+                  <a:pt x="792529" y="1567508"/>
+                </a:cubicBezTo>
+                <a:cubicBezTo>
+                  <a:pt x="298642" y="1490066"/>
+                  <a:pt x="22983" y="1185144"/>
+                  <a:pt x="0" y="783754"/>
+                </a:cubicBezTo>
+                <a:close/>
+              </a:path>
+            </a:pathLst>
+          </a:custGeom>
+          <a:noFill/>
+          <a:ln w="76200">
+            <a:solidFill>
+              <a:srgbClr val="FF0000"/>
+            </a:solidFill>
+            <a:extLst>
+              <a:ext uri="{C807C97D-BFC1-408E-A445-0C87EB9F89A2}">
+                <ask:lineSketchStyleProps xmlns:ask="http://schemas.microsoft.com/office/drawing/2018/sketchyshapes" sd="4172447036">
+                  <a:prstGeom prst="ellipse">
+                    <a:avLst/>
+                  </a:prstGeom>
+                  <ask:type>
+                    <ask:lineSketchScribble/>
+                  </ask:type>
+                </ask:lineSketchStyleProps>
+              </a:ext>
+            </a:extLst>
+          </a:ln>
+        </p:spPr>
+        <p:style>
+          <a:lnRef idx="2">
+            <a:schemeClr val="accent1">
+              <a:shade val="50000"/>
+            </a:schemeClr>
+          </a:lnRef>
+          <a:fillRef idx="1">
+            <a:schemeClr val="accent1"/>
+          </a:fillRef>
+          <a:effectRef idx="0">
+            <a:schemeClr val="accent1"/>
+          </a:effectRef>
+          <a:fontRef idx="minor">
+            <a:schemeClr val="lt1"/>
+          </a:fontRef>
+        </p:style>
+        <p:txBody>
+          <a:bodyPr rtlCol="0" anchor="ctr"/>
+          <a:lstStyle/>
+          <a:p>
+            <a:pPr algn="ctr"/>
+            <a:endParaRPr lang="en-GB"/>
+          </a:p>
+        </p:txBody>
+      </p:sp>
+      <p:sp>
+        <p:nvSpPr>
+          <p:cNvPr id="38" name="TextBox 37">
+            <a:extLst>
+              <a:ext uri="{FF2B5EF4-FFF2-40B4-BE49-F238E27FC236}">
+                <a16:creationId xmlns:a16="http://schemas.microsoft.com/office/drawing/2014/main" id="{9FBF16C7-7F0B-489A-A206-BD039C1BBFE1}"/>
+              </a:ext>
+            </a:extLst>
+          </p:cNvPr>
+          <p:cNvSpPr txBox="1"/>
+          <p:nvPr/>
+        </p:nvSpPr>
+        <p:spPr>
+          <a:xfrm>
+            <a:off x="7600824" y="4195490"/>
+            <a:ext cx="1059735" cy="1446550"/>
+          </a:xfrm>
+          <a:prstGeom prst="rect">
+            <a:avLst/>
+          </a:prstGeom>
+          <a:noFill/>
+        </p:spPr>
+        <p:txBody>
+          <a:bodyPr wrap="square" rtlCol="0">
+            <a:spAutoFit/>
+          </a:bodyPr>
+          <a:lstStyle/>
+          <a:p>
+            <a:r>
+              <a:rPr lang="en-GB" sz="8800" b="1" dirty="0">
+                <a:solidFill>
+                  <a:srgbClr val="FF0000"/>
+                </a:solidFill>
+                <a:latin typeface="Segoe Print" panose="02000600000000000000" pitchFamily="2" charset="0"/>
+              </a:rPr>
+              <a:t>C</a:t>
+            </a:r>
+          </a:p>
+        </p:txBody>
+      </p:sp>
+      <p:sp>
+        <p:nvSpPr>
+          <p:cNvPr id="40" name="Oval 39">
+            <a:extLst>
+              <a:ext uri="{FF2B5EF4-FFF2-40B4-BE49-F238E27FC236}">
+                <a16:creationId xmlns:a16="http://schemas.microsoft.com/office/drawing/2014/main" id="{E11E3A99-6444-4E8F-877F-4054F8797028}"/>
+              </a:ext>
+            </a:extLst>
+          </p:cNvPr>
+          <p:cNvSpPr/>
+          <p:nvPr/>
+        </p:nvSpPr>
+        <p:spPr>
+          <a:xfrm>
+            <a:off x="7341950" y="4074532"/>
+            <a:ext cx="1585058" cy="1567508"/>
+          </a:xfrm>
+          <a:custGeom>
+            <a:avLst/>
+            <a:gdLst>
+              <a:gd name="connsiteX0" fmla="*/ 0 w 1585058"/>
+              <a:gd name="connsiteY0" fmla="*/ 783754 h 1567508"/>
+              <a:gd name="connsiteX1" fmla="*/ 792529 w 1585058"/>
+              <a:gd name="connsiteY1" fmla="*/ 0 h 1567508"/>
+              <a:gd name="connsiteX2" fmla="*/ 1585058 w 1585058"/>
+              <a:gd name="connsiteY2" fmla="*/ 783754 h 1567508"/>
+              <a:gd name="connsiteX3" fmla="*/ 792529 w 1585058"/>
+              <a:gd name="connsiteY3" fmla="*/ 1567508 h 1567508"/>
+              <a:gd name="connsiteX4" fmla="*/ 0 w 1585058"/>
+              <a:gd name="connsiteY4" fmla="*/ 783754 h 1567508"/>
+            </a:gdLst>
+            <a:ahLst/>
+            <a:cxnLst>
+              <a:cxn ang="0">
+                <a:pos x="connsiteX0" y="connsiteY0"/>
+              </a:cxn>
+              <a:cxn ang="0">
+                <a:pos x="connsiteX1" y="connsiteY1"/>
+              </a:cxn>
+              <a:cxn ang="0">
+                <a:pos x="connsiteX2" y="connsiteY2"/>
+              </a:cxn>
+              <a:cxn ang="0">
+                <a:pos x="connsiteX3" y="connsiteY3"/>
+              </a:cxn>
+              <a:cxn ang="0">
+                <a:pos x="connsiteX4" y="connsiteY4"/>
+              </a:cxn>
+            </a:cxnLst>
+            <a:rect l="l" t="t" r="r" b="b"/>
+            <a:pathLst>
+              <a:path w="1585058" h="1567508" extrusionOk="0">
+                <a:moveTo>
+                  <a:pt x="0" y="783754"/>
+                </a:moveTo>
+                <a:cubicBezTo>
+                  <a:pt x="-41375" y="270404"/>
+                  <a:pt x="265505" y="95612"/>
+                  <a:pt x="792529" y="0"/>
+                </a:cubicBezTo>
+                <a:cubicBezTo>
+                  <a:pt x="1261808" y="19010"/>
+                  <a:pt x="1542767" y="270637"/>
+                  <a:pt x="1585058" y="783754"/>
+                </a:cubicBezTo>
+                <a:cubicBezTo>
+                  <a:pt x="1539983" y="1207138"/>
+                  <a:pt x="1235338" y="1526604"/>
+                  <a:pt x="792529" y="1567508"/>
+                </a:cubicBezTo>
+                <a:cubicBezTo>
+                  <a:pt x="298642" y="1490066"/>
+                  <a:pt x="22983" y="1185144"/>
+                  <a:pt x="0" y="783754"/>
+                </a:cubicBezTo>
+                <a:close/>
+              </a:path>
+            </a:pathLst>
+          </a:custGeom>
+          <a:noFill/>
+          <a:ln w="76200">
+            <a:solidFill>
+              <a:srgbClr val="FF0000"/>
+            </a:solidFill>
+            <a:extLst>
+              <a:ext uri="{C807C97D-BFC1-408E-A445-0C87EB9F89A2}">
+                <ask:lineSketchStyleProps xmlns:ask="http://schemas.microsoft.com/office/drawing/2018/sketchyshapes" sd="4172447036">
+                  <a:prstGeom prst="ellipse">
+                    <a:avLst/>
+                  </a:prstGeom>
+                  <ask:type>
+                    <ask:lineSketchScribble/>
+                  </ask:type>
+                </ask:lineSketchStyleProps>
+              </a:ext>
+            </a:extLst>
+          </a:ln>
+        </p:spPr>
+        <p:style>
+          <a:lnRef idx="2">
+            <a:schemeClr val="accent1">
+              <a:shade val="50000"/>
+            </a:schemeClr>
+          </a:lnRef>
+          <a:fillRef idx="1">
+            <a:schemeClr val="accent1"/>
+          </a:fillRef>
+          <a:effectRef idx="0">
+            <a:schemeClr val="accent1"/>
+          </a:effectRef>
+          <a:fontRef idx="minor">
+            <a:schemeClr val="lt1"/>
+          </a:fontRef>
+        </p:style>
+        <p:txBody>
+          <a:bodyPr rtlCol="0" anchor="ctr"/>
+          <a:lstStyle/>
+          <a:p>
+            <a:pPr algn="ctr"/>
+            <a:endParaRPr lang="en-GB"/>
+          </a:p>
+        </p:txBody>
+      </p:sp>
+      <p:sp>
+        <p:nvSpPr>
+          <p:cNvPr id="42" name="TextBox 41">
+            <a:extLst>
+              <a:ext uri="{FF2B5EF4-FFF2-40B4-BE49-F238E27FC236}">
+                <a16:creationId xmlns:a16="http://schemas.microsoft.com/office/drawing/2014/main" id="{37B4193E-51C3-44E9-BCB4-98C652C9CCB5}"/>
+              </a:ext>
+            </a:extLst>
+          </p:cNvPr>
+          <p:cNvSpPr txBox="1"/>
+          <p:nvPr/>
+        </p:nvSpPr>
+        <p:spPr>
+          <a:xfrm>
+            <a:off x="9896157" y="4195490"/>
+            <a:ext cx="1059735" cy="1446550"/>
+          </a:xfrm>
+          <a:prstGeom prst="rect">
+            <a:avLst/>
+          </a:prstGeom>
+          <a:noFill/>
+        </p:spPr>
+        <p:txBody>
+          <a:bodyPr wrap="square" rtlCol="0">
+            <a:spAutoFit/>
+          </a:bodyPr>
+          <a:lstStyle/>
+          <a:p>
+            <a:r>
+              <a:rPr lang="en-GB" sz="8800" b="1" dirty="0">
+                <a:solidFill>
+                  <a:srgbClr val="FF0000"/>
+                </a:solidFill>
+                <a:latin typeface="Segoe Print" panose="02000600000000000000" pitchFamily="2" charset="0"/>
+              </a:rPr>
+              <a:t>D</a:t>
+            </a:r>
+          </a:p>
+        </p:txBody>
+      </p:sp>
+      <p:sp>
+        <p:nvSpPr>
+          <p:cNvPr id="43" name="Oval 42">
+            <a:extLst>
+              <a:ext uri="{FF2B5EF4-FFF2-40B4-BE49-F238E27FC236}">
+                <a16:creationId xmlns:a16="http://schemas.microsoft.com/office/drawing/2014/main" id="{F8DD20D4-568D-4334-AE9F-76B73EF5D237}"/>
+              </a:ext>
+            </a:extLst>
+          </p:cNvPr>
+          <p:cNvSpPr/>
+          <p:nvPr/>
+        </p:nvSpPr>
+        <p:spPr>
+          <a:xfrm>
+            <a:off x="9637283" y="4074532"/>
+            <a:ext cx="1585058" cy="1567508"/>
+          </a:xfrm>
+          <a:custGeom>
+            <a:avLst/>
+            <a:gdLst>
+              <a:gd name="connsiteX0" fmla="*/ 0 w 1585058"/>
+              <a:gd name="connsiteY0" fmla="*/ 783754 h 1567508"/>
+              <a:gd name="connsiteX1" fmla="*/ 792529 w 1585058"/>
+              <a:gd name="connsiteY1" fmla="*/ 0 h 1567508"/>
+              <a:gd name="connsiteX2" fmla="*/ 1585058 w 1585058"/>
+              <a:gd name="connsiteY2" fmla="*/ 783754 h 1567508"/>
+              <a:gd name="connsiteX3" fmla="*/ 792529 w 1585058"/>
+              <a:gd name="connsiteY3" fmla="*/ 1567508 h 1567508"/>
+              <a:gd name="connsiteX4" fmla="*/ 0 w 1585058"/>
+              <a:gd name="connsiteY4" fmla="*/ 783754 h 1567508"/>
+            </a:gdLst>
+            <a:ahLst/>
+            <a:cxnLst>
+              <a:cxn ang="0">
+                <a:pos x="connsiteX0" y="connsiteY0"/>
+              </a:cxn>
+              <a:cxn ang="0">
+                <a:pos x="connsiteX1" y="connsiteY1"/>
+              </a:cxn>
+              <a:cxn ang="0">
+                <a:pos x="connsiteX2" y="connsiteY2"/>
+              </a:cxn>
+              <a:cxn ang="0">
+                <a:pos x="connsiteX3" y="connsiteY3"/>
+              </a:cxn>
+              <a:cxn ang="0">
+                <a:pos x="connsiteX4" y="connsiteY4"/>
+              </a:cxn>
+            </a:cxnLst>
+            <a:rect l="l" t="t" r="r" b="b"/>
+            <a:pathLst>
+              <a:path w="1585058" h="1567508" extrusionOk="0">
+                <a:moveTo>
+                  <a:pt x="0" y="783754"/>
+                </a:moveTo>
+                <a:cubicBezTo>
+                  <a:pt x="-41375" y="270404"/>
+                  <a:pt x="265505" y="95612"/>
+                  <a:pt x="792529" y="0"/>
+                </a:cubicBezTo>
+                <a:cubicBezTo>
+                  <a:pt x="1261808" y="19010"/>
+                  <a:pt x="1542767" y="270637"/>
+                  <a:pt x="1585058" y="783754"/>
+                </a:cubicBezTo>
+                <a:cubicBezTo>
+                  <a:pt x="1539983" y="1207138"/>
+                  <a:pt x="1235338" y="1526604"/>
+                  <a:pt x="792529" y="1567508"/>
+                </a:cubicBezTo>
+                <a:cubicBezTo>
+                  <a:pt x="298642" y="1490066"/>
+                  <a:pt x="22983" y="1185144"/>
+                  <a:pt x="0" y="783754"/>
+                </a:cubicBezTo>
+                <a:close/>
+              </a:path>
+            </a:pathLst>
+          </a:custGeom>
+          <a:noFill/>
+          <a:ln w="76200">
+            <a:solidFill>
+              <a:srgbClr val="FF0000"/>
+            </a:solidFill>
+            <a:extLst>
+              <a:ext uri="{C807C97D-BFC1-408E-A445-0C87EB9F89A2}">
+                <ask:lineSketchStyleProps xmlns:ask="http://schemas.microsoft.com/office/drawing/2018/sketchyshapes" sd="4172447036">
+                  <a:prstGeom prst="ellipse">
+                    <a:avLst/>
+                  </a:prstGeom>
+                  <ask:type>
+                    <ask:lineSketchScribble/>
+                  </ask:type>
+                </ask:lineSketchStyleProps>
+              </a:ext>
+            </a:extLst>
+          </a:ln>
+        </p:spPr>
+        <p:style>
+          <a:lnRef idx="2">
+            <a:schemeClr val="accent1">
+              <a:shade val="50000"/>
+            </a:schemeClr>
+          </a:lnRef>
+          <a:fillRef idx="1">
+            <a:schemeClr val="accent1"/>
+          </a:fillRef>
+          <a:effectRef idx="0">
+            <a:schemeClr val="accent1"/>
+          </a:effectRef>
+          <a:fontRef idx="minor">
+            <a:schemeClr val="lt1"/>
+          </a:fontRef>
+        </p:style>
+        <p:txBody>
+          <a:bodyPr rtlCol="0" anchor="ctr"/>
+          <a:lstStyle/>
+          <a:p>
+            <a:pPr algn="ctr"/>
+            <a:endParaRPr lang="en-GB"/>
+          </a:p>
+        </p:txBody>
+      </p:sp>
+      <p:sp>
+        <p:nvSpPr>
+          <p:cNvPr id="44" name="TextBox 43">
+            <a:extLst>
+              <a:ext uri="{FF2B5EF4-FFF2-40B4-BE49-F238E27FC236}">
+                <a16:creationId xmlns:a16="http://schemas.microsoft.com/office/drawing/2014/main" id="{4579BE50-06E9-47D0-8BF0-78B4C09EA558}"/>
+              </a:ext>
+            </a:extLst>
+          </p:cNvPr>
+          <p:cNvSpPr txBox="1"/>
+          <p:nvPr/>
+        </p:nvSpPr>
+        <p:spPr>
+          <a:xfrm>
+            <a:off x="2978867" y="4239467"/>
+            <a:ext cx="1059735" cy="1446550"/>
+          </a:xfrm>
+          <a:prstGeom prst="rect">
+            <a:avLst/>
+          </a:prstGeom>
+          <a:noFill/>
+        </p:spPr>
+        <p:txBody>
+          <a:bodyPr wrap="square" rtlCol="0">
+            <a:spAutoFit/>
+          </a:bodyPr>
+          <a:lstStyle/>
+          <a:p>
+            <a:r>
+              <a:rPr lang="en-GB" sz="8800" b="1" dirty="0">
+                <a:solidFill>
+                  <a:srgbClr val="FF0000"/>
+                </a:solidFill>
+                <a:latin typeface="Segoe Print" panose="02000600000000000000" pitchFamily="2" charset="0"/>
+              </a:rPr>
+              <a:t>E</a:t>
+            </a:r>
+          </a:p>
+        </p:txBody>
+      </p:sp>
+      <p:sp>
+        <p:nvSpPr>
+          <p:cNvPr id="45" name="Oval 44">
+            <a:extLst>
+              <a:ext uri="{FF2B5EF4-FFF2-40B4-BE49-F238E27FC236}">
+                <a16:creationId xmlns:a16="http://schemas.microsoft.com/office/drawing/2014/main" id="{F41D7EA9-F1FF-41A0-A386-2F2318D33A47}"/>
+              </a:ext>
+            </a:extLst>
+          </p:cNvPr>
+          <p:cNvSpPr/>
+          <p:nvPr/>
+        </p:nvSpPr>
+        <p:spPr>
+          <a:xfrm>
+            <a:off x="2719993" y="4118509"/>
+            <a:ext cx="1585058" cy="1567508"/>
+          </a:xfrm>
+          <a:custGeom>
+            <a:avLst/>
+            <a:gdLst>
+              <a:gd name="connsiteX0" fmla="*/ 0 w 1585058"/>
+              <a:gd name="connsiteY0" fmla="*/ 783754 h 1567508"/>
+              <a:gd name="connsiteX1" fmla="*/ 792529 w 1585058"/>
+              <a:gd name="connsiteY1" fmla="*/ 0 h 1567508"/>
+              <a:gd name="connsiteX2" fmla="*/ 1585058 w 1585058"/>
+              <a:gd name="connsiteY2" fmla="*/ 783754 h 1567508"/>
+              <a:gd name="connsiteX3" fmla="*/ 792529 w 1585058"/>
+              <a:gd name="connsiteY3" fmla="*/ 1567508 h 1567508"/>
+              <a:gd name="connsiteX4" fmla="*/ 0 w 1585058"/>
+              <a:gd name="connsiteY4" fmla="*/ 783754 h 1567508"/>
+            </a:gdLst>
+            <a:ahLst/>
+            <a:cxnLst>
+              <a:cxn ang="0">
+                <a:pos x="connsiteX0" y="connsiteY0"/>
+              </a:cxn>
+              <a:cxn ang="0">
+                <a:pos x="connsiteX1" y="connsiteY1"/>
+              </a:cxn>
+              <a:cxn ang="0">
+                <a:pos x="connsiteX2" y="connsiteY2"/>
+              </a:cxn>
+              <a:cxn ang="0">
+                <a:pos x="connsiteX3" y="connsiteY3"/>
+              </a:cxn>
+              <a:cxn ang="0">
+                <a:pos x="connsiteX4" y="connsiteY4"/>
+              </a:cxn>
+            </a:cxnLst>
+            <a:rect l="l" t="t" r="r" b="b"/>
+            <a:pathLst>
+              <a:path w="1585058" h="1567508" extrusionOk="0">
+                <a:moveTo>
+                  <a:pt x="0" y="783754"/>
+                </a:moveTo>
+                <a:cubicBezTo>
+                  <a:pt x="-41375" y="270404"/>
+                  <a:pt x="265505" y="95612"/>
+                  <a:pt x="792529" y="0"/>
+                </a:cubicBezTo>
+                <a:cubicBezTo>
+                  <a:pt x="1261808" y="19010"/>
+                  <a:pt x="1542767" y="270637"/>
+                  <a:pt x="1585058" y="783754"/>
+                </a:cubicBezTo>
+                <a:cubicBezTo>
+                  <a:pt x="1539983" y="1207138"/>
+                  <a:pt x="1235338" y="1526604"/>
+                  <a:pt x="792529" y="1567508"/>
+                </a:cubicBezTo>
+                <a:cubicBezTo>
+                  <a:pt x="298642" y="1490066"/>
+                  <a:pt x="22983" y="1185144"/>
+                  <a:pt x="0" y="783754"/>
+                </a:cubicBezTo>
+                <a:close/>
+              </a:path>
+            </a:pathLst>
+          </a:custGeom>
+          <a:noFill/>
+          <a:ln w="76200">
+            <a:solidFill>
+              <a:srgbClr val="FF0000"/>
+            </a:solidFill>
+            <a:extLst>
+              <a:ext uri="{C807C97D-BFC1-408E-A445-0C87EB9F89A2}">
+                <ask:lineSketchStyleProps xmlns:ask="http://schemas.microsoft.com/office/drawing/2018/sketchyshapes" sd="4172447036">
+                  <a:prstGeom prst="ellipse">
+                    <a:avLst/>
+                  </a:prstGeom>
+                  <ask:type>
+                    <ask:lineSketchScribble/>
+                  </ask:type>
+                </ask:lineSketchStyleProps>
+              </a:ext>
+            </a:extLst>
+          </a:ln>
+        </p:spPr>
+        <p:style>
+          <a:lnRef idx="2">
+            <a:schemeClr val="accent1">
+              <a:shade val="50000"/>
+            </a:schemeClr>
+          </a:lnRef>
+          <a:fillRef idx="1">
+            <a:schemeClr val="accent1"/>
+          </a:fillRef>
+          <a:effectRef idx="0">
+            <a:schemeClr val="accent1"/>
+          </a:effectRef>
+          <a:fontRef idx="minor">
+            <a:schemeClr val="lt1"/>
+          </a:fontRef>
+        </p:style>
+        <p:txBody>
+          <a:bodyPr rtlCol="0" anchor="ctr"/>
+          <a:lstStyle/>
+          <a:p>
+            <a:pPr algn="ctr"/>
+            <a:endParaRPr lang="en-GB"/>
           </a:p>
         </p:txBody>
       </p:sp>

--- a/Determination of g diagram.pptx
+++ b/Determination of g diagram.pptx
@@ -26,6 +26,12 @@
     <p:sldId id="273" r:id="rId20"/>
     <p:sldId id="275" r:id="rId21"/>
     <p:sldId id="276" r:id="rId22"/>
+    <p:sldId id="277" r:id="rId23"/>
+    <p:sldId id="278" r:id="rId24"/>
+    <p:sldId id="279" r:id="rId25"/>
+    <p:sldId id="280" r:id="rId26"/>
+    <p:sldId id="281" r:id="rId27"/>
+    <p:sldId id="282" r:id="rId28"/>
   </p:sldIdLst>
   <p:sldSz cx="12192000" cy="6858000"/>
   <p:notesSz cx="6858000" cy="9144000"/>
@@ -281,7 +287,7 @@
           <a:p>
             <a:fld id="{40AE047B-88A8-4E73-BFC2-E0D791C9FE6D}" type="datetimeFigureOut">
               <a:rPr lang="en-GB" smtClean="0"/>
-              <a:t>29/04/2022</a:t>
+              <a:t>15/05/2022</a:t>
             </a:fld>
             <a:endParaRPr lang="en-GB"/>
           </a:p>
@@ -481,7 +487,7 @@
           <a:p>
             <a:fld id="{40AE047B-88A8-4E73-BFC2-E0D791C9FE6D}" type="datetimeFigureOut">
               <a:rPr lang="en-GB" smtClean="0"/>
-              <a:t>29/04/2022</a:t>
+              <a:t>15/05/2022</a:t>
             </a:fld>
             <a:endParaRPr lang="en-GB"/>
           </a:p>
@@ -691,7 +697,7 @@
           <a:p>
             <a:fld id="{40AE047B-88A8-4E73-BFC2-E0D791C9FE6D}" type="datetimeFigureOut">
               <a:rPr lang="en-GB" smtClean="0"/>
-              <a:t>29/04/2022</a:t>
+              <a:t>15/05/2022</a:t>
             </a:fld>
             <a:endParaRPr lang="en-GB"/>
           </a:p>
@@ -891,7 +897,7 @@
           <a:p>
             <a:fld id="{40AE047B-88A8-4E73-BFC2-E0D791C9FE6D}" type="datetimeFigureOut">
               <a:rPr lang="en-GB" smtClean="0"/>
-              <a:t>29/04/2022</a:t>
+              <a:t>15/05/2022</a:t>
             </a:fld>
             <a:endParaRPr lang="en-GB"/>
           </a:p>
@@ -1167,7 +1173,7 @@
           <a:p>
             <a:fld id="{40AE047B-88A8-4E73-BFC2-E0D791C9FE6D}" type="datetimeFigureOut">
               <a:rPr lang="en-GB" smtClean="0"/>
-              <a:t>29/04/2022</a:t>
+              <a:t>15/05/2022</a:t>
             </a:fld>
             <a:endParaRPr lang="en-GB"/>
           </a:p>
@@ -1435,7 +1441,7 @@
           <a:p>
             <a:fld id="{40AE047B-88A8-4E73-BFC2-E0D791C9FE6D}" type="datetimeFigureOut">
               <a:rPr lang="en-GB" smtClean="0"/>
-              <a:t>29/04/2022</a:t>
+              <a:t>15/05/2022</a:t>
             </a:fld>
             <a:endParaRPr lang="en-GB"/>
           </a:p>
@@ -1850,7 +1856,7 @@
           <a:p>
             <a:fld id="{40AE047B-88A8-4E73-BFC2-E0D791C9FE6D}" type="datetimeFigureOut">
               <a:rPr lang="en-GB" smtClean="0"/>
-              <a:t>29/04/2022</a:t>
+              <a:t>15/05/2022</a:t>
             </a:fld>
             <a:endParaRPr lang="en-GB"/>
           </a:p>
@@ -1992,7 +1998,7 @@
           <a:p>
             <a:fld id="{40AE047B-88A8-4E73-BFC2-E0D791C9FE6D}" type="datetimeFigureOut">
               <a:rPr lang="en-GB" smtClean="0"/>
-              <a:t>29/04/2022</a:t>
+              <a:t>15/05/2022</a:t>
             </a:fld>
             <a:endParaRPr lang="en-GB"/>
           </a:p>
@@ -2105,7 +2111,7 @@
           <a:p>
             <a:fld id="{40AE047B-88A8-4E73-BFC2-E0D791C9FE6D}" type="datetimeFigureOut">
               <a:rPr lang="en-GB" smtClean="0"/>
-              <a:t>29/04/2022</a:t>
+              <a:t>15/05/2022</a:t>
             </a:fld>
             <a:endParaRPr lang="en-GB"/>
           </a:p>
@@ -2418,7 +2424,7 @@
           <a:p>
             <a:fld id="{40AE047B-88A8-4E73-BFC2-E0D791C9FE6D}" type="datetimeFigureOut">
               <a:rPr lang="en-GB" smtClean="0"/>
-              <a:t>29/04/2022</a:t>
+              <a:t>15/05/2022</a:t>
             </a:fld>
             <a:endParaRPr lang="en-GB"/>
           </a:p>
@@ -2707,7 +2713,7 @@
           <a:p>
             <a:fld id="{40AE047B-88A8-4E73-BFC2-E0D791C9FE6D}" type="datetimeFigureOut">
               <a:rPr lang="en-GB" smtClean="0"/>
-              <a:t>29/04/2022</a:t>
+              <a:t>15/05/2022</a:t>
             </a:fld>
             <a:endParaRPr lang="en-GB"/>
           </a:p>
@@ -2950,7 +2956,7 @@
           <a:p>
             <a:fld id="{40AE047B-88A8-4E73-BFC2-E0D791C9FE6D}" type="datetimeFigureOut">
               <a:rPr lang="en-GB" smtClean="0"/>
-              <a:t>29/04/2022</a:t>
+              <a:t>15/05/2022</a:t>
             </a:fld>
             <a:endParaRPr lang="en-GB"/>
           </a:p>
@@ -14921,6 +14927,1380 @@
     <p:extLst>
       <p:ext uri="{BB962C8B-B14F-4D97-AF65-F5344CB8AC3E}">
         <p14:creationId xmlns:p14="http://schemas.microsoft.com/office/powerpoint/2010/main" val="3707381430"/>
+      </p:ext>
+    </p:extLst>
+  </p:cSld>
+  <p:clrMapOvr>
+    <a:masterClrMapping/>
+  </p:clrMapOvr>
+</p:sld>
+</file>
+
+<file path=ppt/slides/slide22.xml><?xml version="1.0" encoding="utf-8"?>
+<p:sld xmlns:a="http://schemas.openxmlformats.org/drawingml/2006/main" xmlns:r="http://schemas.openxmlformats.org/officeDocument/2006/relationships" xmlns:p="http://schemas.openxmlformats.org/presentationml/2006/main">
+  <p:cSld>
+    <p:spTree>
+      <p:nvGrpSpPr>
+        <p:cNvPr id="1" name=""/>
+        <p:cNvGrpSpPr/>
+        <p:nvPr/>
+      </p:nvGrpSpPr>
+      <p:grpSpPr>
+        <a:xfrm>
+          <a:off x="0" y="0"/>
+          <a:ext cx="0" cy="0"/>
+          <a:chOff x="0" y="0"/>
+          <a:chExt cx="0" cy="0"/>
+        </a:xfrm>
+      </p:grpSpPr>
+      <p:sp>
+        <p:nvSpPr>
+          <p:cNvPr id="2" name="Title 1">
+            <a:extLst>
+              <a:ext uri="{FF2B5EF4-FFF2-40B4-BE49-F238E27FC236}">
+                <a16:creationId xmlns:a16="http://schemas.microsoft.com/office/drawing/2014/main" id="{2C53DF8D-0330-4AAA-A3A5-0E626372C195}"/>
+              </a:ext>
+            </a:extLst>
+          </p:cNvPr>
+          <p:cNvSpPr>
+            <a:spLocks noGrp="1"/>
+          </p:cNvSpPr>
+          <p:nvPr>
+            <p:ph type="title"/>
+          </p:nvPr>
+        </p:nvSpPr>
+        <p:spPr/>
+        <p:txBody>
+          <a:bodyPr/>
+          <a:lstStyle/>
+          <a:p>
+            <a:r>
+              <a:rPr lang="en-GB" dirty="0"/>
+              <a:t>Audio Assets</a:t>
+            </a:r>
+          </a:p>
+        </p:txBody>
+      </p:sp>
+      <p:sp>
+        <p:nvSpPr>
+          <p:cNvPr id="3" name="Content Placeholder 2">
+            <a:extLst>
+              <a:ext uri="{FF2B5EF4-FFF2-40B4-BE49-F238E27FC236}">
+                <a16:creationId xmlns:a16="http://schemas.microsoft.com/office/drawing/2014/main" id="{9C4D2E4E-033E-4F61-BC8C-18121E0EBA5C}"/>
+              </a:ext>
+            </a:extLst>
+          </p:cNvPr>
+          <p:cNvSpPr>
+            <a:spLocks noGrp="1"/>
+          </p:cNvSpPr>
+          <p:nvPr>
+            <p:ph idx="1"/>
+          </p:nvPr>
+        </p:nvSpPr>
+        <p:spPr/>
+        <p:txBody>
+          <a:bodyPr>
+            <a:normAutofit/>
+          </a:bodyPr>
+          <a:lstStyle/>
+          <a:p>
+            <a:r>
+              <a:rPr lang="en-GB" sz="2400" dirty="0"/>
+              <a:t>Click - </a:t>
+            </a:r>
+            <a:r>
+              <a:rPr lang="en-GB" sz="2400" dirty="0">
+                <a:hlinkClick r:id="rId2"/>
+              </a:rPr>
+              <a:t>https://freesound.org/people/stijn/sounds/43686/</a:t>
+            </a:r>
+            <a:endParaRPr lang="en-GB" sz="2400" dirty="0"/>
+          </a:p>
+          <a:p>
+            <a:r>
+              <a:rPr lang="en-GB" sz="2400" dirty="0"/>
+              <a:t>Paper -</a:t>
+            </a:r>
+            <a:r>
+              <a:rPr lang="en-GB" sz="2400" dirty="0">
+                <a:hlinkClick r:id="rId3"/>
+              </a:rPr>
+              <a:t> https://freesound.org/people/InspectorJ/sounds/416179/</a:t>
+            </a:r>
+            <a:endParaRPr lang="en-GB" sz="2400" dirty="0"/>
+          </a:p>
+          <a:p>
+            <a:r>
+              <a:rPr lang="en-GB" sz="2400" dirty="0"/>
+              <a:t>Footsteps - </a:t>
+            </a:r>
+            <a:r>
+              <a:rPr lang="en-GB" sz="2400" dirty="0">
+                <a:hlinkClick r:id="rId4"/>
+              </a:rPr>
+              <a:t>https://freesound.org/people/mmaruska/sounds/180650/</a:t>
+            </a:r>
+            <a:r>
+              <a:rPr lang="en-GB" sz="2400" dirty="0"/>
+              <a:t> </a:t>
+            </a:r>
+          </a:p>
+          <a:p>
+            <a:r>
+              <a:rPr lang="en-GB" sz="2400" dirty="0"/>
+              <a:t>Whoosh - </a:t>
+            </a:r>
+            <a:r>
+              <a:rPr lang="en-GB" sz="2400" dirty="0">
+                <a:hlinkClick r:id="rId5"/>
+              </a:rPr>
+              <a:t>https://freesound.org/people/SlavicMagic/sounds/446010/</a:t>
+            </a:r>
+            <a:endParaRPr lang="en-GB" sz="2400" dirty="0"/>
+          </a:p>
+          <a:p>
+            <a:r>
+              <a:rPr lang="en-GB" sz="2400" dirty="0"/>
+              <a:t>Whoosh 2 - </a:t>
+            </a:r>
+            <a:r>
+              <a:rPr lang="en-GB" sz="2400" dirty="0">
+                <a:hlinkClick r:id="rId6"/>
+              </a:rPr>
+              <a:t>https://freesound.org/people/InspectorJ/sounds/394433/</a:t>
+            </a:r>
+            <a:endParaRPr lang="en-GB" sz="2400" dirty="0"/>
+          </a:p>
+          <a:p>
+            <a:r>
+              <a:rPr lang="en-GB" sz="2400" dirty="0"/>
+              <a:t>Whoosh 3 – whoosh edited</a:t>
+            </a:r>
+          </a:p>
+          <a:p>
+            <a:r>
+              <a:rPr lang="en-GB" sz="2400"/>
+              <a:t>Piano - </a:t>
+            </a:r>
+            <a:r>
+              <a:rPr lang="en-GB" sz="2400">
+                <a:hlinkClick r:id="rId7"/>
+              </a:rPr>
+              <a:t>https://freesound.org/people/IESP/sounds/340062/</a:t>
+            </a:r>
+            <a:endParaRPr lang="en-GB" sz="2400"/>
+          </a:p>
+          <a:p>
+            <a:endParaRPr lang="en-GB" sz="2400"/>
+          </a:p>
+        </p:txBody>
+      </p:sp>
+    </p:spTree>
+    <p:extLst>
+      <p:ext uri="{BB962C8B-B14F-4D97-AF65-F5344CB8AC3E}">
+        <p14:creationId xmlns:p14="http://schemas.microsoft.com/office/powerpoint/2010/main" val="2979252843"/>
+      </p:ext>
+    </p:extLst>
+  </p:cSld>
+  <p:clrMapOvr>
+    <a:masterClrMapping/>
+  </p:clrMapOvr>
+</p:sld>
+</file>
+
+<file path=ppt/slides/slide23.xml><?xml version="1.0" encoding="utf-8"?>
+<p:sld xmlns:a="http://schemas.openxmlformats.org/drawingml/2006/main" xmlns:r="http://schemas.openxmlformats.org/officeDocument/2006/relationships" xmlns:p="http://schemas.openxmlformats.org/presentationml/2006/main">
+  <p:cSld>
+    <p:spTree>
+      <p:nvGrpSpPr>
+        <p:cNvPr id="1" name=""/>
+        <p:cNvGrpSpPr/>
+        <p:nvPr/>
+      </p:nvGrpSpPr>
+      <p:grpSpPr>
+        <a:xfrm>
+          <a:off x="0" y="0"/>
+          <a:ext cx="0" cy="0"/>
+          <a:chOff x="0" y="0"/>
+          <a:chExt cx="0" cy="0"/>
+        </a:xfrm>
+      </p:grpSpPr>
+      <p:grpSp>
+        <p:nvGrpSpPr>
+          <p:cNvPr id="7" name="Group 6">
+            <a:extLst>
+              <a:ext uri="{FF2B5EF4-FFF2-40B4-BE49-F238E27FC236}">
+                <a16:creationId xmlns:a16="http://schemas.microsoft.com/office/drawing/2014/main" id="{DFBEE88A-61AA-71F3-0EA8-32AA34518501}"/>
+              </a:ext>
+            </a:extLst>
+          </p:cNvPr>
+          <p:cNvGrpSpPr/>
+          <p:nvPr/>
+        </p:nvGrpSpPr>
+        <p:grpSpPr>
+          <a:xfrm>
+            <a:off x="2782127" y="841732"/>
+            <a:ext cx="5822921" cy="4750910"/>
+            <a:chOff x="2782128" y="709264"/>
+            <a:chExt cx="5731510" cy="4883342"/>
+          </a:xfrm>
+        </p:grpSpPr>
+        <p:pic>
+          <p:nvPicPr>
+            <p:cNvPr id="5" name="Picture 4" descr="Diagram&#10;&#10;Description automatically generated">
+              <a:extLst>
+                <a:ext uri="{FF2B5EF4-FFF2-40B4-BE49-F238E27FC236}">
+                  <a16:creationId xmlns:a16="http://schemas.microsoft.com/office/drawing/2014/main" id="{7F4120C0-E22D-439C-FA73-D75147CA86DF}"/>
+                </a:ext>
+              </a:extLst>
+            </p:cNvPr>
+            <p:cNvPicPr>
+              <a:picLocks noChangeAspect="1"/>
+            </p:cNvPicPr>
+            <p:nvPr/>
+          </p:nvPicPr>
+          <p:blipFill>
+            <a:blip r:embed="rId2" cstate="print">
+              <a:extLst>
+                <a:ext uri="{28A0092B-C50C-407E-A947-70E740481C1C}">
+                  <a14:useLocalDpi xmlns:a14="http://schemas.microsoft.com/office/drawing/2010/main" val="0"/>
+                </a:ext>
+              </a:extLst>
+            </a:blip>
+            <a:stretch>
+              <a:fillRect/>
+            </a:stretch>
+          </p:blipFill>
+          <p:spPr>
+            <a:xfrm>
+              <a:off x="2782128" y="709264"/>
+              <a:ext cx="5731510" cy="4591685"/>
+            </a:xfrm>
+            <a:prstGeom prst="rect">
+              <a:avLst/>
+            </a:prstGeom>
+          </p:spPr>
+        </p:pic>
+        <p:sp>
+          <p:nvSpPr>
+            <p:cNvPr id="6" name="TextBox 5">
+              <a:extLst>
+                <a:ext uri="{FF2B5EF4-FFF2-40B4-BE49-F238E27FC236}">
+                  <a16:creationId xmlns:a16="http://schemas.microsoft.com/office/drawing/2014/main" id="{A0AFAF13-66D4-2692-0C77-1007AFBE9890}"/>
+                </a:ext>
+              </a:extLst>
+            </p:cNvPr>
+            <p:cNvSpPr txBox="1"/>
+            <p:nvPr/>
+          </p:nvSpPr>
+          <p:spPr>
+            <a:xfrm>
+              <a:off x="4425695" y="5181343"/>
+              <a:ext cx="3998536" cy="411263"/>
+            </a:xfrm>
+            <a:prstGeom prst="rect">
+              <a:avLst/>
+            </a:prstGeom>
+            <a:noFill/>
+          </p:spPr>
+          <p:txBody>
+            <a:bodyPr wrap="square" rtlCol="0">
+              <a:spAutoFit/>
+            </a:bodyPr>
+            <a:lstStyle/>
+            <a:p>
+              <a:r>
+                <a:rPr lang="en-GB" sz="2000" dirty="0"/>
+                <a:t>Build 1 Class Diagram</a:t>
+              </a:r>
+            </a:p>
+          </p:txBody>
+        </p:sp>
+      </p:grpSp>
+    </p:spTree>
+    <p:extLst>
+      <p:ext uri="{BB962C8B-B14F-4D97-AF65-F5344CB8AC3E}">
+        <p14:creationId xmlns:p14="http://schemas.microsoft.com/office/powerpoint/2010/main" val="380211224"/>
+      </p:ext>
+    </p:extLst>
+  </p:cSld>
+  <p:clrMapOvr>
+    <a:masterClrMapping/>
+  </p:clrMapOvr>
+</p:sld>
+</file>
+
+<file path=ppt/slides/slide24.xml><?xml version="1.0" encoding="utf-8"?>
+<p:sld xmlns:a="http://schemas.openxmlformats.org/drawingml/2006/main" xmlns:r="http://schemas.openxmlformats.org/officeDocument/2006/relationships" xmlns:p="http://schemas.openxmlformats.org/presentationml/2006/main">
+  <p:cSld>
+    <p:spTree>
+      <p:nvGrpSpPr>
+        <p:cNvPr id="1" name=""/>
+        <p:cNvGrpSpPr/>
+        <p:nvPr/>
+      </p:nvGrpSpPr>
+      <p:grpSpPr>
+        <a:xfrm>
+          <a:off x="0" y="0"/>
+          <a:ext cx="0" cy="0"/>
+          <a:chOff x="0" y="0"/>
+          <a:chExt cx="0" cy="0"/>
+        </a:xfrm>
+      </p:grpSpPr>
+      <p:pic>
+        <p:nvPicPr>
+          <p:cNvPr id="4" name="Picture 3" descr="A picture containing diagram&#10;&#10;Description automatically generated">
+            <a:extLst>
+              <a:ext uri="{FF2B5EF4-FFF2-40B4-BE49-F238E27FC236}">
+                <a16:creationId xmlns:a16="http://schemas.microsoft.com/office/drawing/2014/main" id="{6FD76DD1-5D9C-356C-75D7-4978643C9E17}"/>
+              </a:ext>
+            </a:extLst>
+          </p:cNvPr>
+          <p:cNvPicPr>
+            <a:picLocks noChangeAspect="1"/>
+          </p:cNvPicPr>
+          <p:nvPr/>
+        </p:nvPicPr>
+        <p:blipFill>
+          <a:blip r:embed="rId2" cstate="print">
+            <a:extLst>
+              <a:ext uri="{28A0092B-C50C-407E-A947-70E740481C1C}">
+                <a14:useLocalDpi xmlns:a14="http://schemas.microsoft.com/office/drawing/2010/main" val="0"/>
+              </a:ext>
+            </a:extLst>
+          </a:blip>
+          <a:stretch>
+            <a:fillRect/>
+          </a:stretch>
+        </p:blipFill>
+        <p:spPr>
+          <a:xfrm>
+            <a:off x="3690209" y="1366865"/>
+            <a:ext cx="2934335" cy="1811020"/>
+          </a:xfrm>
+          <a:prstGeom prst="rect">
+            <a:avLst/>
+          </a:prstGeom>
+        </p:spPr>
+      </p:pic>
+      <p:sp>
+        <p:nvSpPr>
+          <p:cNvPr id="5" name="TextBox 4">
+            <a:extLst>
+              <a:ext uri="{FF2B5EF4-FFF2-40B4-BE49-F238E27FC236}">
+                <a16:creationId xmlns:a16="http://schemas.microsoft.com/office/drawing/2014/main" id="{5DB76523-7A65-3C2C-CF13-F30E61021FC3}"/>
+              </a:ext>
+            </a:extLst>
+          </p:cNvPr>
+          <p:cNvSpPr txBox="1"/>
+          <p:nvPr/>
+        </p:nvSpPr>
+        <p:spPr>
+          <a:xfrm>
+            <a:off x="4533648" y="3177885"/>
+            <a:ext cx="1562352" cy="307777"/>
+          </a:xfrm>
+          <a:prstGeom prst="rect">
+            <a:avLst/>
+          </a:prstGeom>
+          <a:noFill/>
+        </p:spPr>
+        <p:txBody>
+          <a:bodyPr wrap="square" rtlCol="0">
+            <a:spAutoFit/>
+          </a:bodyPr>
+          <a:lstStyle/>
+          <a:p>
+            <a:r>
+              <a:rPr lang="en-GB" sz="1400" dirty="0"/>
+              <a:t>Initial UI Design</a:t>
+            </a:r>
+          </a:p>
+        </p:txBody>
+      </p:sp>
+      <p:pic>
+        <p:nvPicPr>
+          <p:cNvPr id="6" name="Picture 5" descr="A picture containing diagram&#10;&#10;Description automatically generated">
+            <a:extLst>
+              <a:ext uri="{FF2B5EF4-FFF2-40B4-BE49-F238E27FC236}">
+                <a16:creationId xmlns:a16="http://schemas.microsoft.com/office/drawing/2014/main" id="{49B477C6-43C5-54FC-622C-7D3951E1DEF3}"/>
+              </a:ext>
+            </a:extLst>
+          </p:cNvPr>
+          <p:cNvPicPr>
+            <a:picLocks noChangeAspect="1"/>
+          </p:cNvPicPr>
+          <p:nvPr/>
+        </p:nvPicPr>
+        <p:blipFill>
+          <a:blip r:embed="rId3" cstate="print">
+            <a:extLst>
+              <a:ext uri="{28A0092B-C50C-407E-A947-70E740481C1C}">
+                <a14:useLocalDpi xmlns:a14="http://schemas.microsoft.com/office/drawing/2010/main" val="0"/>
+              </a:ext>
+            </a:extLst>
+          </a:blip>
+          <a:stretch>
+            <a:fillRect/>
+          </a:stretch>
+        </p:blipFill>
+        <p:spPr>
+          <a:xfrm>
+            <a:off x="7628568" y="1475526"/>
+            <a:ext cx="2917825" cy="1799590"/>
+          </a:xfrm>
+          <a:prstGeom prst="rect">
+            <a:avLst/>
+          </a:prstGeom>
+        </p:spPr>
+      </p:pic>
+      <p:sp>
+        <p:nvSpPr>
+          <p:cNvPr id="7" name="TextBox 6">
+            <a:extLst>
+              <a:ext uri="{FF2B5EF4-FFF2-40B4-BE49-F238E27FC236}">
+                <a16:creationId xmlns:a16="http://schemas.microsoft.com/office/drawing/2014/main" id="{02DC5445-9B9A-C6E7-53F0-C6DD2FFAAEC8}"/>
+              </a:ext>
+            </a:extLst>
+          </p:cNvPr>
+          <p:cNvSpPr txBox="1"/>
+          <p:nvPr/>
+        </p:nvSpPr>
+        <p:spPr>
+          <a:xfrm>
+            <a:off x="8460690" y="3275116"/>
+            <a:ext cx="1562352" cy="307777"/>
+          </a:xfrm>
+          <a:prstGeom prst="rect">
+            <a:avLst/>
+          </a:prstGeom>
+          <a:noFill/>
+        </p:spPr>
+        <p:txBody>
+          <a:bodyPr wrap="square" rtlCol="0">
+            <a:spAutoFit/>
+          </a:bodyPr>
+          <a:lstStyle/>
+          <a:p>
+            <a:r>
+              <a:rPr lang="en-GB" sz="1400" dirty="0"/>
+              <a:t>Final UI Design</a:t>
+            </a:r>
+          </a:p>
+        </p:txBody>
+      </p:sp>
+      <p:pic>
+        <p:nvPicPr>
+          <p:cNvPr id="8" name="Picture 7" descr="A picture containing scale&#10;&#10;Description automatically generated">
+            <a:extLst>
+              <a:ext uri="{FF2B5EF4-FFF2-40B4-BE49-F238E27FC236}">
+                <a16:creationId xmlns:a16="http://schemas.microsoft.com/office/drawing/2014/main" id="{40442138-8E1B-37DE-996F-8261D32974C6}"/>
+              </a:ext>
+            </a:extLst>
+          </p:cNvPr>
+          <p:cNvPicPr>
+            <a:picLocks noChangeAspect="1"/>
+          </p:cNvPicPr>
+          <p:nvPr/>
+        </p:nvPicPr>
+        <p:blipFill>
+          <a:blip r:embed="rId4" cstate="print">
+            <a:extLst>
+              <a:ext uri="{28A0092B-C50C-407E-A947-70E740481C1C}">
+                <a14:useLocalDpi xmlns:a14="http://schemas.microsoft.com/office/drawing/2010/main" val="0"/>
+              </a:ext>
+            </a:extLst>
+          </a:blip>
+          <a:stretch>
+            <a:fillRect/>
+          </a:stretch>
+        </p:blipFill>
+        <p:spPr>
+          <a:xfrm>
+            <a:off x="1098695" y="2692927"/>
+            <a:ext cx="1446530" cy="2247265"/>
+          </a:xfrm>
+          <a:prstGeom prst="rect">
+            <a:avLst/>
+          </a:prstGeom>
+        </p:spPr>
+      </p:pic>
+      <p:sp>
+        <p:nvSpPr>
+          <p:cNvPr id="9" name="TextBox 8">
+            <a:extLst>
+              <a:ext uri="{FF2B5EF4-FFF2-40B4-BE49-F238E27FC236}">
+                <a16:creationId xmlns:a16="http://schemas.microsoft.com/office/drawing/2014/main" id="{C69F9D7D-70AD-5388-5554-F9C468C6120D}"/>
+              </a:ext>
+            </a:extLst>
+          </p:cNvPr>
+          <p:cNvSpPr txBox="1"/>
+          <p:nvPr/>
+        </p:nvSpPr>
+        <p:spPr>
+          <a:xfrm>
+            <a:off x="940220" y="4940192"/>
+            <a:ext cx="1763479" cy="261610"/>
+          </a:xfrm>
+          <a:prstGeom prst="rect">
+            <a:avLst/>
+          </a:prstGeom>
+          <a:noFill/>
+        </p:spPr>
+        <p:txBody>
+          <a:bodyPr wrap="square" rtlCol="0">
+            <a:spAutoFit/>
+          </a:bodyPr>
+          <a:lstStyle/>
+          <a:p>
+            <a:r>
+              <a:rPr lang="en-GB" sz="1050" dirty="0"/>
+              <a:t>Box Colliders on Clamp Stand</a:t>
+            </a:r>
+          </a:p>
+        </p:txBody>
+      </p:sp>
+    </p:spTree>
+    <p:extLst>
+      <p:ext uri="{BB962C8B-B14F-4D97-AF65-F5344CB8AC3E}">
+        <p14:creationId xmlns:p14="http://schemas.microsoft.com/office/powerpoint/2010/main" val="1935576233"/>
+      </p:ext>
+    </p:extLst>
+  </p:cSld>
+  <p:clrMapOvr>
+    <a:masterClrMapping/>
+  </p:clrMapOvr>
+</p:sld>
+</file>
+
+<file path=ppt/slides/slide25.xml><?xml version="1.0" encoding="utf-8"?>
+<p:sld xmlns:a="http://schemas.openxmlformats.org/drawingml/2006/main" xmlns:r="http://schemas.openxmlformats.org/officeDocument/2006/relationships" xmlns:p="http://schemas.openxmlformats.org/presentationml/2006/main">
+  <p:cSld>
+    <p:spTree>
+      <p:nvGrpSpPr>
+        <p:cNvPr id="1" name=""/>
+        <p:cNvGrpSpPr/>
+        <p:nvPr/>
+      </p:nvGrpSpPr>
+      <p:grpSpPr>
+        <a:xfrm>
+          <a:off x="0" y="0"/>
+          <a:ext cx="0" cy="0"/>
+          <a:chOff x="0" y="0"/>
+          <a:chExt cx="0" cy="0"/>
+        </a:xfrm>
+      </p:grpSpPr>
+      <p:pic>
+        <p:nvPicPr>
+          <p:cNvPr id="4" name="Picture 3" descr="Timeline&#10;&#10;Description automatically generated">
+            <a:extLst>
+              <a:ext uri="{FF2B5EF4-FFF2-40B4-BE49-F238E27FC236}">
+                <a16:creationId xmlns:a16="http://schemas.microsoft.com/office/drawing/2014/main" id="{D7EF7D12-0C7F-F6D3-5590-8DD6707A6EC3}"/>
+              </a:ext>
+            </a:extLst>
+          </p:cNvPr>
+          <p:cNvPicPr>
+            <a:picLocks noChangeAspect="1"/>
+          </p:cNvPicPr>
+          <p:nvPr/>
+        </p:nvPicPr>
+        <p:blipFill rotWithShape="1">
+          <a:blip r:embed="rId2">
+            <a:extLst>
+              <a:ext uri="{28A0092B-C50C-407E-A947-70E740481C1C}">
+                <a14:useLocalDpi xmlns:a14="http://schemas.microsoft.com/office/drawing/2010/main" val="0"/>
+              </a:ext>
+            </a:extLst>
+          </a:blip>
+          <a:srcRect b="39960"/>
+          <a:stretch/>
+        </p:blipFill>
+        <p:spPr bwMode="auto">
+          <a:xfrm>
+            <a:off x="2708494" y="1285200"/>
+            <a:ext cx="6557010" cy="2604135"/>
+          </a:xfrm>
+          <a:prstGeom prst="rect">
+            <a:avLst/>
+          </a:prstGeom>
+          <a:ln>
+            <a:noFill/>
+          </a:ln>
+          <a:extLst>
+            <a:ext uri="{53640926-AAD7-44D8-BBD7-CCE9431645EC}">
+              <a14:shadowObscured xmlns:a14="http://schemas.microsoft.com/office/drawing/2010/main"/>
+            </a:ext>
+          </a:extLst>
+        </p:spPr>
+      </p:pic>
+      <p:sp>
+        <p:nvSpPr>
+          <p:cNvPr id="5" name="TextBox 4">
+            <a:extLst>
+              <a:ext uri="{FF2B5EF4-FFF2-40B4-BE49-F238E27FC236}">
+                <a16:creationId xmlns:a16="http://schemas.microsoft.com/office/drawing/2014/main" id="{DD5680D1-EAC2-1D42-ADD1-855B2BA2ADA1}"/>
+              </a:ext>
+            </a:extLst>
+          </p:cNvPr>
+          <p:cNvSpPr txBox="1"/>
+          <p:nvPr/>
+        </p:nvSpPr>
+        <p:spPr>
+          <a:xfrm>
+            <a:off x="4584111" y="3889335"/>
+            <a:ext cx="3348763" cy="307777"/>
+          </a:xfrm>
+          <a:prstGeom prst="rect">
+            <a:avLst/>
+          </a:prstGeom>
+          <a:noFill/>
+        </p:spPr>
+        <p:txBody>
+          <a:bodyPr wrap="square" rtlCol="0">
+            <a:spAutoFit/>
+          </a:bodyPr>
+          <a:lstStyle/>
+          <a:p>
+            <a:r>
+              <a:rPr lang="en-GB" sz="1400" dirty="0"/>
+              <a:t>Gannt Chart showing project timeline</a:t>
+            </a:r>
+          </a:p>
+        </p:txBody>
+      </p:sp>
+    </p:spTree>
+    <p:extLst>
+      <p:ext uri="{BB962C8B-B14F-4D97-AF65-F5344CB8AC3E}">
+        <p14:creationId xmlns:p14="http://schemas.microsoft.com/office/powerpoint/2010/main" val="4193662180"/>
+      </p:ext>
+    </p:extLst>
+  </p:cSld>
+  <p:clrMapOvr>
+    <a:masterClrMapping/>
+  </p:clrMapOvr>
+</p:sld>
+</file>
+
+<file path=ppt/slides/slide26.xml><?xml version="1.0" encoding="utf-8"?>
+<p:sld xmlns:a="http://schemas.openxmlformats.org/drawingml/2006/main" xmlns:r="http://schemas.openxmlformats.org/officeDocument/2006/relationships" xmlns:p="http://schemas.openxmlformats.org/presentationml/2006/main">
+  <p:cSld>
+    <p:spTree>
+      <p:nvGrpSpPr>
+        <p:cNvPr id="1" name=""/>
+        <p:cNvGrpSpPr/>
+        <p:nvPr/>
+      </p:nvGrpSpPr>
+      <p:grpSpPr>
+        <a:xfrm>
+          <a:off x="0" y="0"/>
+          <a:ext cx="0" cy="0"/>
+          <a:chOff x="0" y="0"/>
+          <a:chExt cx="0" cy="0"/>
+        </a:xfrm>
+      </p:grpSpPr>
+      <p:pic>
+        <p:nvPicPr>
+          <p:cNvPr id="4" name="Picture 3" descr="Graphical user interface, application&#10;&#10;Description automatically generated">
+            <a:extLst>
+              <a:ext uri="{FF2B5EF4-FFF2-40B4-BE49-F238E27FC236}">
+                <a16:creationId xmlns:a16="http://schemas.microsoft.com/office/drawing/2014/main" id="{D3924FC5-A9DC-5AC8-000B-468AB675C9E3}"/>
+              </a:ext>
+            </a:extLst>
+          </p:cNvPr>
+          <p:cNvPicPr>
+            <a:picLocks noChangeAspect="1"/>
+          </p:cNvPicPr>
+          <p:nvPr/>
+        </p:nvPicPr>
+        <p:blipFill rotWithShape="1">
+          <a:blip r:embed="rId2" cstate="print">
+            <a:extLst>
+              <a:ext uri="{28A0092B-C50C-407E-A947-70E740481C1C}">
+                <a14:useLocalDpi xmlns:a14="http://schemas.microsoft.com/office/drawing/2010/main" val="0"/>
+              </a:ext>
+            </a:extLst>
+          </a:blip>
+          <a:srcRect l="20184" t="17091" r="16188" b="9300"/>
+          <a:stretch/>
+        </p:blipFill>
+        <p:spPr bwMode="auto">
+          <a:xfrm>
+            <a:off x="1129284" y="1030808"/>
+            <a:ext cx="2910840" cy="2104390"/>
+          </a:xfrm>
+          <a:prstGeom prst="rect">
+            <a:avLst/>
+          </a:prstGeom>
+          <a:ln>
+            <a:noFill/>
+          </a:ln>
+          <a:extLst>
+            <a:ext uri="{53640926-AAD7-44D8-BBD7-CCE9431645EC}">
+              <a14:shadowObscured xmlns:a14="http://schemas.microsoft.com/office/drawing/2010/main"/>
+            </a:ext>
+          </a:extLst>
+        </p:spPr>
+      </p:pic>
+      <p:pic>
+        <p:nvPicPr>
+          <p:cNvPr id="5" name="Picture 4" descr="Graphical user interface&#10;&#10;Description automatically generated">
+            <a:extLst>
+              <a:ext uri="{FF2B5EF4-FFF2-40B4-BE49-F238E27FC236}">
+                <a16:creationId xmlns:a16="http://schemas.microsoft.com/office/drawing/2014/main" id="{D119714F-C453-6FCE-B3C0-ACB406332BDD}"/>
+              </a:ext>
+            </a:extLst>
+          </p:cNvPr>
+          <p:cNvPicPr>
+            <a:picLocks noChangeAspect="1"/>
+          </p:cNvPicPr>
+          <p:nvPr/>
+        </p:nvPicPr>
+        <p:blipFill rotWithShape="1">
+          <a:blip r:embed="rId3" cstate="print">
+            <a:extLst>
+              <a:ext uri="{28A0092B-C50C-407E-A947-70E740481C1C}">
+                <a14:useLocalDpi xmlns:a14="http://schemas.microsoft.com/office/drawing/2010/main" val="0"/>
+              </a:ext>
+            </a:extLst>
+          </a:blip>
+          <a:srcRect l="41458" t="31340" r="32724" b="27977"/>
+          <a:stretch/>
+        </p:blipFill>
+        <p:spPr bwMode="auto">
+          <a:xfrm>
+            <a:off x="5126249" y="593457"/>
+            <a:ext cx="2199005" cy="2165985"/>
+          </a:xfrm>
+          <a:prstGeom prst="rect">
+            <a:avLst/>
+          </a:prstGeom>
+          <a:ln>
+            <a:noFill/>
+          </a:ln>
+          <a:extLst>
+            <a:ext uri="{53640926-AAD7-44D8-BBD7-CCE9431645EC}">
+              <a14:shadowObscured xmlns:a14="http://schemas.microsoft.com/office/drawing/2010/main"/>
+            </a:ext>
+          </a:extLst>
+        </p:spPr>
+      </p:pic>
+      <p:sp>
+        <p:nvSpPr>
+          <p:cNvPr id="6" name="TextBox 5">
+            <a:extLst>
+              <a:ext uri="{FF2B5EF4-FFF2-40B4-BE49-F238E27FC236}">
+                <a16:creationId xmlns:a16="http://schemas.microsoft.com/office/drawing/2014/main" id="{699B0C88-62BF-253A-4000-DEC50CB2C4BD}"/>
+              </a:ext>
+            </a:extLst>
+          </p:cNvPr>
+          <p:cNvSpPr txBox="1"/>
+          <p:nvPr/>
+        </p:nvSpPr>
+        <p:spPr>
+          <a:xfrm>
+            <a:off x="1201792" y="3089032"/>
+            <a:ext cx="2765824" cy="415498"/>
+          </a:xfrm>
+          <a:prstGeom prst="rect">
+            <a:avLst/>
+          </a:prstGeom>
+          <a:noFill/>
+        </p:spPr>
+        <p:txBody>
+          <a:bodyPr wrap="square" rtlCol="0">
+            <a:spAutoFit/>
+          </a:bodyPr>
+          <a:lstStyle/>
+          <a:p>
+            <a:pPr algn="ctr"/>
+            <a:r>
+              <a:rPr lang="en-GB" sz="1050" dirty="0"/>
+              <a:t>Apparatus stage of ClampStand,LGOFF with the player holding the ruler</a:t>
+            </a:r>
+          </a:p>
+        </p:txBody>
+      </p:sp>
+      <p:sp>
+        <p:nvSpPr>
+          <p:cNvPr id="7" name="TextBox 6">
+            <a:extLst>
+              <a:ext uri="{FF2B5EF4-FFF2-40B4-BE49-F238E27FC236}">
+                <a16:creationId xmlns:a16="http://schemas.microsoft.com/office/drawing/2014/main" id="{7EAF9CCC-F18A-22B0-74B7-3CA9C89CD796}"/>
+              </a:ext>
+            </a:extLst>
+          </p:cNvPr>
+          <p:cNvSpPr txBox="1"/>
+          <p:nvPr/>
+        </p:nvSpPr>
+        <p:spPr>
+          <a:xfrm>
+            <a:off x="5435087" y="2719700"/>
+            <a:ext cx="1683346" cy="415498"/>
+          </a:xfrm>
+          <a:prstGeom prst="rect">
+            <a:avLst/>
+          </a:prstGeom>
+          <a:noFill/>
+        </p:spPr>
+        <p:txBody>
+          <a:bodyPr wrap="square" rtlCol="0">
+            <a:spAutoFit/>
+          </a:bodyPr>
+          <a:lstStyle/>
+          <a:p>
+            <a:pPr algn="ctr"/>
+            <a:r>
+              <a:rPr lang="en-GB" sz="1050" dirty="0"/>
+              <a:t>Apparatus stage of ClampStand,LGOFF,Ruler</a:t>
+            </a:r>
+          </a:p>
+        </p:txBody>
+      </p:sp>
+      <p:pic>
+        <p:nvPicPr>
+          <p:cNvPr id="8" name="Picture 7" descr="Chart, line chart, scatter chart&#10;&#10;Description automatically generated">
+            <a:extLst>
+              <a:ext uri="{FF2B5EF4-FFF2-40B4-BE49-F238E27FC236}">
+                <a16:creationId xmlns:a16="http://schemas.microsoft.com/office/drawing/2014/main" id="{B35FF707-A6C6-658F-5025-AC149FFD2582}"/>
+              </a:ext>
+            </a:extLst>
+          </p:cNvPr>
+          <p:cNvPicPr>
+            <a:picLocks noChangeAspect="1"/>
+          </p:cNvPicPr>
+          <p:nvPr/>
+        </p:nvPicPr>
+        <p:blipFill>
+          <a:blip r:embed="rId4" cstate="print">
+            <a:extLst>
+              <a:ext uri="{28A0092B-C50C-407E-A947-70E740481C1C}">
+                <a14:useLocalDpi xmlns:a14="http://schemas.microsoft.com/office/drawing/2010/main" val="0"/>
+              </a:ext>
+            </a:extLst>
+          </a:blip>
+          <a:stretch>
+            <a:fillRect/>
+          </a:stretch>
+        </p:blipFill>
+        <p:spPr>
+          <a:xfrm>
+            <a:off x="3459928" y="3712279"/>
+            <a:ext cx="2680335" cy="2435860"/>
+          </a:xfrm>
+          <a:prstGeom prst="rect">
+            <a:avLst/>
+          </a:prstGeom>
+        </p:spPr>
+      </p:pic>
+      <p:sp>
+        <p:nvSpPr>
+          <p:cNvPr id="9" name="TextBox 8">
+            <a:extLst>
+              <a:ext uri="{FF2B5EF4-FFF2-40B4-BE49-F238E27FC236}">
+                <a16:creationId xmlns:a16="http://schemas.microsoft.com/office/drawing/2014/main" id="{A81BAB9C-89C8-6522-942E-F5A552807864}"/>
+              </a:ext>
+            </a:extLst>
+          </p:cNvPr>
+          <p:cNvSpPr txBox="1"/>
+          <p:nvPr/>
+        </p:nvSpPr>
+        <p:spPr>
+          <a:xfrm>
+            <a:off x="3459928" y="6021181"/>
+            <a:ext cx="2765824" cy="253916"/>
+          </a:xfrm>
+          <a:prstGeom prst="rect">
+            <a:avLst/>
+          </a:prstGeom>
+          <a:noFill/>
+        </p:spPr>
+        <p:txBody>
+          <a:bodyPr wrap="square" rtlCol="0">
+            <a:spAutoFit/>
+          </a:bodyPr>
+          <a:lstStyle/>
+          <a:p>
+            <a:pPr algn="ctr"/>
+            <a:r>
+              <a:rPr lang="en-GB" sz="1050" dirty="0"/>
+              <a:t>Graph View with Completed Graph</a:t>
+            </a:r>
+          </a:p>
+        </p:txBody>
+      </p:sp>
+      <p:pic>
+        <p:nvPicPr>
+          <p:cNvPr id="10" name="Picture 9" descr="Chart, line chart&#10;&#10;Description automatically generated">
+            <a:extLst>
+              <a:ext uri="{FF2B5EF4-FFF2-40B4-BE49-F238E27FC236}">
+                <a16:creationId xmlns:a16="http://schemas.microsoft.com/office/drawing/2014/main" id="{F81F3F42-355A-C029-FC71-A8C375A6BDA6}"/>
+              </a:ext>
+            </a:extLst>
+          </p:cNvPr>
+          <p:cNvPicPr>
+            <a:picLocks noChangeAspect="1"/>
+          </p:cNvPicPr>
+          <p:nvPr/>
+        </p:nvPicPr>
+        <p:blipFill>
+          <a:blip r:embed="rId5" cstate="print">
+            <a:extLst>
+              <a:ext uri="{28A0092B-C50C-407E-A947-70E740481C1C}">
+                <a14:useLocalDpi xmlns:a14="http://schemas.microsoft.com/office/drawing/2010/main" val="0"/>
+              </a:ext>
+            </a:extLst>
+          </a:blip>
+          <a:stretch>
+            <a:fillRect/>
+          </a:stretch>
+        </p:blipFill>
+        <p:spPr>
+          <a:xfrm>
+            <a:off x="8033608" y="2927449"/>
+            <a:ext cx="2725420" cy="2442845"/>
+          </a:xfrm>
+          <a:prstGeom prst="rect">
+            <a:avLst/>
+          </a:prstGeom>
+        </p:spPr>
+      </p:pic>
+      <p:sp>
+        <p:nvSpPr>
+          <p:cNvPr id="11" name="TextBox 10">
+            <a:extLst>
+              <a:ext uri="{FF2B5EF4-FFF2-40B4-BE49-F238E27FC236}">
+                <a16:creationId xmlns:a16="http://schemas.microsoft.com/office/drawing/2014/main" id="{50C5777F-969B-B8DD-F857-BFF14B54456C}"/>
+              </a:ext>
+            </a:extLst>
+          </p:cNvPr>
+          <p:cNvSpPr txBox="1"/>
+          <p:nvPr/>
+        </p:nvSpPr>
+        <p:spPr>
+          <a:xfrm>
+            <a:off x="8033608" y="5370294"/>
+            <a:ext cx="2765824" cy="415498"/>
+          </a:xfrm>
+          <a:prstGeom prst="rect">
+            <a:avLst/>
+          </a:prstGeom>
+          <a:noFill/>
+        </p:spPr>
+        <p:txBody>
+          <a:bodyPr wrap="square" rtlCol="0">
+            <a:spAutoFit/>
+          </a:bodyPr>
+          <a:lstStyle/>
+          <a:p>
+            <a:pPr algn="ctr"/>
+            <a:r>
+              <a:rPr lang="en-GB" sz="1050" dirty="0"/>
+              <a:t>Graph View with Completed Graph and Gradient Lines to Calculate X and Y Differences</a:t>
+            </a:r>
+          </a:p>
+        </p:txBody>
+      </p:sp>
+    </p:spTree>
+    <p:extLst>
+      <p:ext uri="{BB962C8B-B14F-4D97-AF65-F5344CB8AC3E}">
+        <p14:creationId xmlns:p14="http://schemas.microsoft.com/office/powerpoint/2010/main" val="1760143580"/>
+      </p:ext>
+    </p:extLst>
+  </p:cSld>
+  <p:clrMapOvr>
+    <a:masterClrMapping/>
+  </p:clrMapOvr>
+</p:sld>
+</file>
+
+<file path=ppt/slides/slide27.xml><?xml version="1.0" encoding="utf-8"?>
+<p:sld xmlns:a="http://schemas.openxmlformats.org/drawingml/2006/main" xmlns:r="http://schemas.openxmlformats.org/officeDocument/2006/relationships" xmlns:p="http://schemas.openxmlformats.org/presentationml/2006/main">
+  <p:cSld>
+    <p:spTree>
+      <p:nvGrpSpPr>
+        <p:cNvPr id="1" name=""/>
+        <p:cNvGrpSpPr/>
+        <p:nvPr/>
+      </p:nvGrpSpPr>
+      <p:grpSpPr>
+        <a:xfrm>
+          <a:off x="0" y="0"/>
+          <a:ext cx="0" cy="0"/>
+          <a:chOff x="0" y="0"/>
+          <a:chExt cx="0" cy="0"/>
+        </a:xfrm>
+      </p:grpSpPr>
+      <p:pic>
+        <p:nvPicPr>
+          <p:cNvPr id="4" name="Picture 3" descr="Graphical user interface, diagram, engineering drawing&#10;&#10;Description automatically generated">
+            <a:extLst>
+              <a:ext uri="{FF2B5EF4-FFF2-40B4-BE49-F238E27FC236}">
+                <a16:creationId xmlns:a16="http://schemas.microsoft.com/office/drawing/2014/main" id="{341BA237-81B1-2514-6754-B8A2FF41BB32}"/>
+              </a:ext>
+            </a:extLst>
+          </p:cNvPr>
+          <p:cNvPicPr>
+            <a:picLocks noChangeAspect="1"/>
+          </p:cNvPicPr>
+          <p:nvPr/>
+        </p:nvPicPr>
+        <p:blipFill rotWithShape="1">
+          <a:blip r:embed="rId2" cstate="print">
+            <a:extLst>
+              <a:ext uri="{28A0092B-C50C-407E-A947-70E740481C1C}">
+                <a14:useLocalDpi xmlns:a14="http://schemas.microsoft.com/office/drawing/2010/main" val="0"/>
+              </a:ext>
+            </a:extLst>
+          </a:blip>
+          <a:srcRect l="28197" t="23109" r="29554" b="27819"/>
+          <a:stretch/>
+        </p:blipFill>
+        <p:spPr bwMode="auto">
+          <a:xfrm>
+            <a:off x="1056146" y="780876"/>
+            <a:ext cx="1674495" cy="1214755"/>
+          </a:xfrm>
+          <a:prstGeom prst="rect">
+            <a:avLst/>
+          </a:prstGeom>
+          <a:ln>
+            <a:noFill/>
+          </a:ln>
+          <a:extLst>
+            <a:ext uri="{53640926-AAD7-44D8-BBD7-CCE9431645EC}">
+              <a14:shadowObscured xmlns:a14="http://schemas.microsoft.com/office/drawing/2010/main"/>
+            </a:ext>
+          </a:extLst>
+        </p:spPr>
+      </p:pic>
+      <p:sp>
+        <p:nvSpPr>
+          <p:cNvPr id="5" name="TextBox 4">
+            <a:extLst>
+              <a:ext uri="{FF2B5EF4-FFF2-40B4-BE49-F238E27FC236}">
+                <a16:creationId xmlns:a16="http://schemas.microsoft.com/office/drawing/2014/main" id="{21E6E710-2D1E-2C78-EC56-C166E173C936}"/>
+              </a:ext>
+            </a:extLst>
+          </p:cNvPr>
+          <p:cNvSpPr txBox="1"/>
+          <p:nvPr/>
+        </p:nvSpPr>
+        <p:spPr>
+          <a:xfrm>
+            <a:off x="1305804" y="1995631"/>
+            <a:ext cx="1267838" cy="253916"/>
+          </a:xfrm>
+          <a:prstGeom prst="rect">
+            <a:avLst/>
+          </a:prstGeom>
+          <a:noFill/>
+        </p:spPr>
+        <p:txBody>
+          <a:bodyPr wrap="square" rtlCol="0">
+            <a:spAutoFit/>
+          </a:bodyPr>
+          <a:lstStyle/>
+          <a:p>
+            <a:pPr algn="ctr"/>
+            <a:r>
+              <a:rPr lang="en-GB" sz="1050" dirty="0"/>
+              <a:t>Bouncing Arrow</a:t>
+            </a:r>
+          </a:p>
+        </p:txBody>
+      </p:sp>
+      <p:pic>
+        <p:nvPicPr>
+          <p:cNvPr id="6" name="Picture 5" descr="Graphical user interface&#10;&#10;Description automatically generated">
+            <a:extLst>
+              <a:ext uri="{FF2B5EF4-FFF2-40B4-BE49-F238E27FC236}">
+                <a16:creationId xmlns:a16="http://schemas.microsoft.com/office/drawing/2014/main" id="{8C2A277D-EF5A-B774-C88C-A3DE4229945B}"/>
+              </a:ext>
+            </a:extLst>
+          </p:cNvPr>
+          <p:cNvPicPr>
+            <a:picLocks noChangeAspect="1"/>
+          </p:cNvPicPr>
+          <p:nvPr/>
+        </p:nvPicPr>
+        <p:blipFill>
+          <a:blip r:embed="rId3" cstate="print">
+            <a:extLst>
+              <a:ext uri="{28A0092B-C50C-407E-A947-70E740481C1C}">
+                <a14:useLocalDpi xmlns:a14="http://schemas.microsoft.com/office/drawing/2010/main" val="0"/>
+              </a:ext>
+            </a:extLst>
+          </a:blip>
+          <a:stretch>
+            <a:fillRect/>
+          </a:stretch>
+        </p:blipFill>
+        <p:spPr>
+          <a:xfrm>
+            <a:off x="3856579" y="496354"/>
+            <a:ext cx="2601595" cy="1626235"/>
+          </a:xfrm>
+          <a:prstGeom prst="rect">
+            <a:avLst/>
+          </a:prstGeom>
+        </p:spPr>
+      </p:pic>
+      <p:sp>
+        <p:nvSpPr>
+          <p:cNvPr id="7" name="TextBox 6">
+            <a:extLst>
+              <a:ext uri="{FF2B5EF4-FFF2-40B4-BE49-F238E27FC236}">
+                <a16:creationId xmlns:a16="http://schemas.microsoft.com/office/drawing/2014/main" id="{20F93B70-BEF8-F493-03DF-5E0BCF1AACF0}"/>
+              </a:ext>
+            </a:extLst>
+          </p:cNvPr>
+          <p:cNvSpPr txBox="1"/>
+          <p:nvPr/>
+        </p:nvSpPr>
+        <p:spPr>
+          <a:xfrm>
+            <a:off x="4523457" y="2122589"/>
+            <a:ext cx="1267838" cy="253916"/>
+          </a:xfrm>
+          <a:prstGeom prst="rect">
+            <a:avLst/>
+          </a:prstGeom>
+          <a:noFill/>
+        </p:spPr>
+        <p:txBody>
+          <a:bodyPr wrap="square" rtlCol="0">
+            <a:spAutoFit/>
+          </a:bodyPr>
+          <a:lstStyle/>
+          <a:p>
+            <a:pPr algn="ctr"/>
+            <a:r>
+              <a:rPr lang="en-GB" sz="1050" dirty="0"/>
+              <a:t>Main Menu Scene</a:t>
+            </a:r>
+          </a:p>
+        </p:txBody>
+      </p:sp>
+      <p:pic>
+        <p:nvPicPr>
+          <p:cNvPr id="8" name="Picture 7" descr="A picture containing text&#10;&#10;Description automatically generated">
+            <a:extLst>
+              <a:ext uri="{FF2B5EF4-FFF2-40B4-BE49-F238E27FC236}">
+                <a16:creationId xmlns:a16="http://schemas.microsoft.com/office/drawing/2014/main" id="{F68C2162-17F3-EE4D-A9EC-E994ECDCD7B6}"/>
+              </a:ext>
+            </a:extLst>
+          </p:cNvPr>
+          <p:cNvPicPr>
+            <a:picLocks noChangeAspect="1"/>
+          </p:cNvPicPr>
+          <p:nvPr/>
+        </p:nvPicPr>
+        <p:blipFill>
+          <a:blip r:embed="rId4" cstate="print">
+            <a:extLst>
+              <a:ext uri="{28A0092B-C50C-407E-A947-70E740481C1C}">
+                <a14:useLocalDpi xmlns:a14="http://schemas.microsoft.com/office/drawing/2010/main" val="0"/>
+              </a:ext>
+            </a:extLst>
+          </a:blip>
+          <a:stretch>
+            <a:fillRect/>
+          </a:stretch>
+        </p:blipFill>
+        <p:spPr>
+          <a:xfrm>
+            <a:off x="314812" y="2680948"/>
+            <a:ext cx="3338830" cy="2788920"/>
+          </a:xfrm>
+          <a:prstGeom prst="rect">
+            <a:avLst/>
+          </a:prstGeom>
+        </p:spPr>
+      </p:pic>
+      <p:sp>
+        <p:nvSpPr>
+          <p:cNvPr id="9" name="TextBox 8">
+            <a:extLst>
+              <a:ext uri="{FF2B5EF4-FFF2-40B4-BE49-F238E27FC236}">
+                <a16:creationId xmlns:a16="http://schemas.microsoft.com/office/drawing/2014/main" id="{A8668ADB-A267-32F4-06B5-EBE136A7D853}"/>
+              </a:ext>
+            </a:extLst>
+          </p:cNvPr>
+          <p:cNvSpPr txBox="1"/>
+          <p:nvPr/>
+        </p:nvSpPr>
+        <p:spPr>
+          <a:xfrm>
+            <a:off x="686788" y="5469868"/>
+            <a:ext cx="2594878" cy="253916"/>
+          </a:xfrm>
+          <a:prstGeom prst="rect">
+            <a:avLst/>
+          </a:prstGeom>
+          <a:noFill/>
+        </p:spPr>
+        <p:txBody>
+          <a:bodyPr wrap="square" rtlCol="0">
+            <a:spAutoFit/>
+          </a:bodyPr>
+          <a:lstStyle/>
+          <a:p>
+            <a:pPr algn="ctr"/>
+            <a:r>
+              <a:rPr lang="en-GB" sz="1050" dirty="0"/>
+              <a:t>Test Case for Functional Requirement 11</a:t>
+            </a:r>
+          </a:p>
+        </p:txBody>
+      </p:sp>
+      <p:pic>
+        <p:nvPicPr>
+          <p:cNvPr id="10" name="Picture 9" descr="Text, letter&#10;&#10;Description automatically generated">
+            <a:extLst>
+              <a:ext uri="{FF2B5EF4-FFF2-40B4-BE49-F238E27FC236}">
+                <a16:creationId xmlns:a16="http://schemas.microsoft.com/office/drawing/2014/main" id="{D7A87489-5196-7147-3BA0-88DB7335B853}"/>
+              </a:ext>
+            </a:extLst>
+          </p:cNvPr>
+          <p:cNvPicPr>
+            <a:picLocks noChangeAspect="1"/>
+          </p:cNvPicPr>
+          <p:nvPr/>
+        </p:nvPicPr>
+        <p:blipFill>
+          <a:blip r:embed="rId5" cstate="print">
+            <a:extLst>
+              <a:ext uri="{28A0092B-C50C-407E-A947-70E740481C1C}">
+                <a14:useLocalDpi xmlns:a14="http://schemas.microsoft.com/office/drawing/2010/main" val="0"/>
+              </a:ext>
+            </a:extLst>
+          </a:blip>
+          <a:stretch>
+            <a:fillRect/>
+          </a:stretch>
+        </p:blipFill>
+        <p:spPr>
+          <a:xfrm>
+            <a:off x="8187113" y="224386"/>
+            <a:ext cx="3534410" cy="2979420"/>
+          </a:xfrm>
+          <a:prstGeom prst="rect">
+            <a:avLst/>
+          </a:prstGeom>
+        </p:spPr>
+      </p:pic>
+      <p:sp>
+        <p:nvSpPr>
+          <p:cNvPr id="11" name="TextBox 10">
+            <a:extLst>
+              <a:ext uri="{FF2B5EF4-FFF2-40B4-BE49-F238E27FC236}">
+                <a16:creationId xmlns:a16="http://schemas.microsoft.com/office/drawing/2014/main" id="{B2562F19-75B5-A34B-6E05-8ECCD0F650FE}"/>
+              </a:ext>
+            </a:extLst>
+          </p:cNvPr>
+          <p:cNvSpPr txBox="1"/>
+          <p:nvPr/>
+        </p:nvSpPr>
+        <p:spPr>
+          <a:xfrm>
+            <a:off x="8541949" y="3175084"/>
+            <a:ext cx="2594878" cy="253916"/>
+          </a:xfrm>
+          <a:prstGeom prst="rect">
+            <a:avLst/>
+          </a:prstGeom>
+          <a:noFill/>
+        </p:spPr>
+        <p:txBody>
+          <a:bodyPr wrap="square" rtlCol="0">
+            <a:spAutoFit/>
+          </a:bodyPr>
+          <a:lstStyle/>
+          <a:p>
+            <a:pPr algn="ctr"/>
+            <a:r>
+              <a:rPr lang="en-GB" sz="1050" dirty="0"/>
+              <a:t>User Feedback Questionnaire Questions</a:t>
+            </a:r>
+          </a:p>
+        </p:txBody>
+      </p:sp>
+      <p:pic>
+        <p:nvPicPr>
+          <p:cNvPr id="12" name="Picture 11" descr="Text, letter&#10;&#10;Description automatically generated">
+            <a:extLst>
+              <a:ext uri="{FF2B5EF4-FFF2-40B4-BE49-F238E27FC236}">
+                <a16:creationId xmlns:a16="http://schemas.microsoft.com/office/drawing/2014/main" id="{A6D8486D-0BB7-6C11-6324-085EC9C849B0}"/>
+              </a:ext>
+            </a:extLst>
+          </p:cNvPr>
+          <p:cNvPicPr>
+            <a:picLocks noChangeAspect="1"/>
+          </p:cNvPicPr>
+          <p:nvPr/>
+        </p:nvPicPr>
+        <p:blipFill>
+          <a:blip r:embed="rId6" cstate="print">
+            <a:extLst>
+              <a:ext uri="{28A0092B-C50C-407E-A947-70E740481C1C}">
+                <a14:useLocalDpi xmlns:a14="http://schemas.microsoft.com/office/drawing/2010/main" val="0"/>
+              </a:ext>
+            </a:extLst>
+          </a:blip>
+          <a:stretch>
+            <a:fillRect/>
+          </a:stretch>
+        </p:blipFill>
+        <p:spPr>
+          <a:xfrm>
+            <a:off x="4363402" y="2926080"/>
+            <a:ext cx="3465195" cy="1005840"/>
+          </a:xfrm>
+          <a:prstGeom prst="rect">
+            <a:avLst/>
+          </a:prstGeom>
+        </p:spPr>
+      </p:pic>
+      <p:sp>
+        <p:nvSpPr>
+          <p:cNvPr id="13" name="TextBox 12">
+            <a:extLst>
+              <a:ext uri="{FF2B5EF4-FFF2-40B4-BE49-F238E27FC236}">
+                <a16:creationId xmlns:a16="http://schemas.microsoft.com/office/drawing/2014/main" id="{E25C414C-38CB-CA30-6DCD-D84FB03D90CB}"/>
+              </a:ext>
+            </a:extLst>
+          </p:cNvPr>
+          <p:cNvSpPr txBox="1"/>
+          <p:nvPr/>
+        </p:nvSpPr>
+        <p:spPr>
+          <a:xfrm>
+            <a:off x="4622938" y="3931920"/>
+            <a:ext cx="2594878" cy="253916"/>
+          </a:xfrm>
+          <a:prstGeom prst="rect">
+            <a:avLst/>
+          </a:prstGeom>
+          <a:noFill/>
+        </p:spPr>
+        <p:txBody>
+          <a:bodyPr wrap="square" rtlCol="0">
+            <a:spAutoFit/>
+          </a:bodyPr>
+          <a:lstStyle/>
+          <a:p>
+            <a:pPr algn="ctr"/>
+            <a:r>
+              <a:rPr lang="en-GB" sz="1050" dirty="0"/>
+              <a:t>Evaluation Questionnaire Questions</a:t>
+            </a:r>
+          </a:p>
+        </p:txBody>
+      </p:sp>
+    </p:spTree>
+    <p:extLst>
+      <p:ext uri="{BB962C8B-B14F-4D97-AF65-F5344CB8AC3E}">
+        <p14:creationId xmlns:p14="http://schemas.microsoft.com/office/powerpoint/2010/main" val="2087993122"/>
       </p:ext>
     </p:extLst>
   </p:cSld>
